--- a/Thesis.pptx
+++ b/Thesis.pptx
@@ -5,29 +5,40 @@
     <p:sldMasterId id="2147483660" r:id="rId1"/>
   </p:sldMasterIdLst>
   <p:notesMasterIdLst>
-    <p:notesMasterId r:id="rId22"/>
+    <p:notesMasterId r:id="rId33"/>
   </p:notesMasterIdLst>
   <p:sldIdLst>
     <p:sldId id="256" r:id="rId2"/>
-    <p:sldId id="257" r:id="rId3"/>
-    <p:sldId id="258" r:id="rId4"/>
+    <p:sldId id="295" r:id="rId3"/>
+    <p:sldId id="257" r:id="rId4"/>
     <p:sldId id="259" r:id="rId5"/>
-    <p:sldId id="260" r:id="rId6"/>
-    <p:sldId id="261" r:id="rId7"/>
-    <p:sldId id="262" r:id="rId8"/>
-    <p:sldId id="263" r:id="rId9"/>
-    <p:sldId id="264" r:id="rId10"/>
-    <p:sldId id="265" r:id="rId11"/>
-    <p:sldId id="269" r:id="rId12"/>
-    <p:sldId id="266" r:id="rId13"/>
-    <p:sldId id="267" r:id="rId14"/>
-    <p:sldId id="268" r:id="rId15"/>
-    <p:sldId id="270" r:id="rId16"/>
-    <p:sldId id="272" r:id="rId17"/>
-    <p:sldId id="271" r:id="rId18"/>
-    <p:sldId id="273" r:id="rId19"/>
-    <p:sldId id="274" r:id="rId20"/>
-    <p:sldId id="275" r:id="rId21"/>
+    <p:sldId id="258" r:id="rId6"/>
+    <p:sldId id="292" r:id="rId7"/>
+    <p:sldId id="260" r:id="rId8"/>
+    <p:sldId id="261" r:id="rId9"/>
+    <p:sldId id="262" r:id="rId10"/>
+    <p:sldId id="276" r:id="rId11"/>
+    <p:sldId id="264" r:id="rId12"/>
+    <p:sldId id="269" r:id="rId13"/>
+    <p:sldId id="266" r:id="rId14"/>
+    <p:sldId id="270" r:id="rId15"/>
+    <p:sldId id="268" r:id="rId16"/>
+    <p:sldId id="280" r:id="rId17"/>
+    <p:sldId id="272" r:id="rId18"/>
+    <p:sldId id="271" r:id="rId19"/>
+    <p:sldId id="273" r:id="rId20"/>
+    <p:sldId id="281" r:id="rId21"/>
+    <p:sldId id="282" r:id="rId22"/>
+    <p:sldId id="283" r:id="rId23"/>
+    <p:sldId id="285" r:id="rId24"/>
+    <p:sldId id="294" r:id="rId25"/>
+    <p:sldId id="287" r:id="rId26"/>
+    <p:sldId id="288" r:id="rId27"/>
+    <p:sldId id="293" r:id="rId28"/>
+    <p:sldId id="289" r:id="rId29"/>
+    <p:sldId id="290" r:id="rId30"/>
+    <p:sldId id="291" r:id="rId31"/>
+    <p:sldId id="296" r:id="rId32"/>
   </p:sldIdLst>
   <p:sldSz cx="12192000" cy="6858000"/>
   <p:notesSz cx="6858000" cy="9144000"/>
@@ -216,7 +227,7 @@
           <a:p>
             <a:fld id="{80650C7A-43A7-49DF-BA31-578F307A580D}" type="datetimeFigureOut">
               <a:rPr lang="ru-RU" smtClean="0"/>
-              <a:t>22.05.2015</a:t>
+              <a:t>17.06.2015</a:t>
             </a:fld>
             <a:endParaRPr lang="ru-RU"/>
           </a:p>
@@ -528,6 +539,174 @@
           <a:bodyPr/>
           <a:lstStyle/>
           <a:p>
+            <a:endParaRPr lang="ru-RU"/>
+          </a:p>
+        </p:txBody>
+      </p:sp>
+      <p:sp>
+        <p:nvSpPr>
+          <p:cNvPr id="4" name="Номер слайда 3"/>
+          <p:cNvSpPr>
+            <a:spLocks noGrp="1"/>
+          </p:cNvSpPr>
+          <p:nvPr>
+            <p:ph type="sldNum" sz="quarter" idx="10"/>
+          </p:nvPr>
+        </p:nvSpPr>
+        <p:spPr/>
+        <p:txBody>
+          <a:bodyPr/>
+          <a:lstStyle/>
+          <a:p>
+            <a:fld id="{26E722C9-461B-4192-88D9-D4F34007586A}" type="slidenum">
+              <a:rPr lang="ru-RU" smtClean="0"/>
+              <a:t>1</a:t>
+            </a:fld>
+            <a:endParaRPr lang="ru-RU"/>
+          </a:p>
+        </p:txBody>
+      </p:sp>
+    </p:spTree>
+    <p:extLst>
+      <p:ext uri="{BB962C8B-B14F-4D97-AF65-F5344CB8AC3E}">
+        <p14:creationId xmlns:p14="http://schemas.microsoft.com/office/powerpoint/2010/main" val="1540698148"/>
+      </p:ext>
+    </p:extLst>
+  </p:cSld>
+  <p:clrMapOvr>
+    <a:masterClrMapping/>
+  </p:clrMapOvr>
+</p:notes>
+</file>
+
+<file path=ppt/notesSlides/notesSlide2.xml><?xml version="1.0" encoding="utf-8"?>
+<p:notes xmlns:a="http://schemas.openxmlformats.org/drawingml/2006/main" xmlns:r="http://schemas.openxmlformats.org/officeDocument/2006/relationships" xmlns:p="http://schemas.openxmlformats.org/presentationml/2006/main">
+  <p:cSld>
+    <p:spTree>
+      <p:nvGrpSpPr>
+        <p:cNvPr id="1" name=""/>
+        <p:cNvGrpSpPr/>
+        <p:nvPr/>
+      </p:nvGrpSpPr>
+      <p:grpSpPr>
+        <a:xfrm>
+          <a:off x="0" y="0"/>
+          <a:ext cx="0" cy="0"/>
+          <a:chOff x="0" y="0"/>
+          <a:chExt cx="0" cy="0"/>
+        </a:xfrm>
+      </p:grpSpPr>
+      <p:sp>
+        <p:nvSpPr>
+          <p:cNvPr id="2" name="Образ слайда 1"/>
+          <p:cNvSpPr>
+            <a:spLocks noGrp="1" noRot="1" noChangeAspect="1"/>
+          </p:cNvSpPr>
+          <p:nvPr>
+            <p:ph type="sldImg"/>
+          </p:nvPr>
+        </p:nvSpPr>
+        <p:spPr/>
+      </p:sp>
+      <p:sp>
+        <p:nvSpPr>
+          <p:cNvPr id="3" name="Заметки 2"/>
+          <p:cNvSpPr>
+            <a:spLocks noGrp="1"/>
+          </p:cNvSpPr>
+          <p:nvPr>
+            <p:ph type="body" idx="1"/>
+          </p:nvPr>
+        </p:nvSpPr>
+        <p:spPr/>
+        <p:txBody>
+          <a:bodyPr/>
+          <a:lstStyle/>
+          <a:p>
+            <a:endParaRPr lang="ru-RU"/>
+          </a:p>
+        </p:txBody>
+      </p:sp>
+      <p:sp>
+        <p:nvSpPr>
+          <p:cNvPr id="4" name="Номер слайда 3"/>
+          <p:cNvSpPr>
+            <a:spLocks noGrp="1"/>
+          </p:cNvSpPr>
+          <p:nvPr>
+            <p:ph type="sldNum" sz="quarter" idx="10"/>
+          </p:nvPr>
+        </p:nvSpPr>
+        <p:spPr/>
+        <p:txBody>
+          <a:bodyPr/>
+          <a:lstStyle/>
+          <a:p>
+            <a:fld id="{26E722C9-461B-4192-88D9-D4F34007586A}" type="slidenum">
+              <a:rPr lang="ru-RU" smtClean="0"/>
+              <a:t>3</a:t>
+            </a:fld>
+            <a:endParaRPr lang="ru-RU"/>
+          </a:p>
+        </p:txBody>
+      </p:sp>
+    </p:spTree>
+    <p:extLst>
+      <p:ext uri="{BB962C8B-B14F-4D97-AF65-F5344CB8AC3E}">
+        <p14:creationId xmlns:p14="http://schemas.microsoft.com/office/powerpoint/2010/main" val="2913690863"/>
+      </p:ext>
+    </p:extLst>
+  </p:cSld>
+  <p:clrMapOvr>
+    <a:masterClrMapping/>
+  </p:clrMapOvr>
+</p:notes>
+</file>
+
+<file path=ppt/notesSlides/notesSlide3.xml><?xml version="1.0" encoding="utf-8"?>
+<p:notes xmlns:a="http://schemas.openxmlformats.org/drawingml/2006/main" xmlns:r="http://schemas.openxmlformats.org/officeDocument/2006/relationships" xmlns:p="http://schemas.openxmlformats.org/presentationml/2006/main">
+  <p:cSld>
+    <p:spTree>
+      <p:nvGrpSpPr>
+        <p:cNvPr id="1" name=""/>
+        <p:cNvGrpSpPr/>
+        <p:nvPr/>
+      </p:nvGrpSpPr>
+      <p:grpSpPr>
+        <a:xfrm>
+          <a:off x="0" y="0"/>
+          <a:ext cx="0" cy="0"/>
+          <a:chOff x="0" y="0"/>
+          <a:chExt cx="0" cy="0"/>
+        </a:xfrm>
+      </p:grpSpPr>
+      <p:sp>
+        <p:nvSpPr>
+          <p:cNvPr id="2" name="Образ слайда 1"/>
+          <p:cNvSpPr>
+            <a:spLocks noGrp="1" noRot="1" noChangeAspect="1"/>
+          </p:cNvSpPr>
+          <p:nvPr>
+            <p:ph type="sldImg"/>
+          </p:nvPr>
+        </p:nvSpPr>
+        <p:spPr/>
+      </p:sp>
+      <p:sp>
+        <p:nvSpPr>
+          <p:cNvPr id="3" name="Заметки 2"/>
+          <p:cNvSpPr>
+            <a:spLocks noGrp="1"/>
+          </p:cNvSpPr>
+          <p:nvPr>
+            <p:ph type="body" idx="1"/>
+          </p:nvPr>
+        </p:nvSpPr>
+        <p:spPr/>
+        <p:txBody>
+          <a:bodyPr/>
+          <a:lstStyle/>
+          <a:p>
             <a:r>
               <a:rPr lang="en-US" dirty="0" smtClean="0"/>
               <a:t>In my thesis</a:t>
@@ -561,7 +740,7 @@
           <a:p>
             <a:fld id="{26E722C9-461B-4192-88D9-D4F34007586A}" type="slidenum">
               <a:rPr lang="ru-RU" smtClean="0"/>
-              <a:t>6</a:t>
+              <a:t>8</a:t>
             </a:fld>
             <a:endParaRPr lang="ru-RU"/>
           </a:p>
@@ -711,7 +890,7 @@
           <a:p>
             <a:fld id="{78B9DDB1-1521-4E25-9DF0-2EE08028611A}" type="datetimeFigureOut">
               <a:rPr lang="ru-RU" smtClean="0"/>
-              <a:t>22.05.2015</a:t>
+              <a:t>17.06.2015</a:t>
             </a:fld>
             <a:endParaRPr lang="ru-RU"/>
           </a:p>
@@ -881,7 +1060,7 @@
           <a:p>
             <a:fld id="{78B9DDB1-1521-4E25-9DF0-2EE08028611A}" type="datetimeFigureOut">
               <a:rPr lang="ru-RU" smtClean="0"/>
-              <a:t>22.05.2015</a:t>
+              <a:t>17.06.2015</a:t>
             </a:fld>
             <a:endParaRPr lang="ru-RU"/>
           </a:p>
@@ -1061,7 +1240,7 @@
           <a:p>
             <a:fld id="{78B9DDB1-1521-4E25-9DF0-2EE08028611A}" type="datetimeFigureOut">
               <a:rPr lang="ru-RU" smtClean="0"/>
-              <a:t>22.05.2015</a:t>
+              <a:t>17.06.2015</a:t>
             </a:fld>
             <a:endParaRPr lang="ru-RU"/>
           </a:p>
@@ -1231,7 +1410,7 @@
           <a:p>
             <a:fld id="{78B9DDB1-1521-4E25-9DF0-2EE08028611A}" type="datetimeFigureOut">
               <a:rPr lang="ru-RU" smtClean="0"/>
-              <a:t>22.05.2015</a:t>
+              <a:t>17.06.2015</a:t>
             </a:fld>
             <a:endParaRPr lang="ru-RU"/>
           </a:p>
@@ -1477,7 +1656,7 @@
           <a:p>
             <a:fld id="{78B9DDB1-1521-4E25-9DF0-2EE08028611A}" type="datetimeFigureOut">
               <a:rPr lang="ru-RU" smtClean="0"/>
-              <a:t>22.05.2015</a:t>
+              <a:t>17.06.2015</a:t>
             </a:fld>
             <a:endParaRPr lang="ru-RU"/>
           </a:p>
@@ -1709,7 +1888,7 @@
           <a:p>
             <a:fld id="{78B9DDB1-1521-4E25-9DF0-2EE08028611A}" type="datetimeFigureOut">
               <a:rPr lang="ru-RU" smtClean="0"/>
-              <a:t>22.05.2015</a:t>
+              <a:t>17.06.2015</a:t>
             </a:fld>
             <a:endParaRPr lang="ru-RU"/>
           </a:p>
@@ -2076,7 +2255,7 @@
           <a:p>
             <a:fld id="{78B9DDB1-1521-4E25-9DF0-2EE08028611A}" type="datetimeFigureOut">
               <a:rPr lang="ru-RU" smtClean="0"/>
-              <a:t>22.05.2015</a:t>
+              <a:t>17.06.2015</a:t>
             </a:fld>
             <a:endParaRPr lang="ru-RU"/>
           </a:p>
@@ -2194,7 +2373,7 @@
           <a:p>
             <a:fld id="{78B9DDB1-1521-4E25-9DF0-2EE08028611A}" type="datetimeFigureOut">
               <a:rPr lang="ru-RU" smtClean="0"/>
-              <a:t>22.05.2015</a:t>
+              <a:t>17.06.2015</a:t>
             </a:fld>
             <a:endParaRPr lang="ru-RU"/>
           </a:p>
@@ -2289,7 +2468,7 @@
           <a:p>
             <a:fld id="{78B9DDB1-1521-4E25-9DF0-2EE08028611A}" type="datetimeFigureOut">
               <a:rPr lang="ru-RU" smtClean="0"/>
-              <a:t>22.05.2015</a:t>
+              <a:t>17.06.2015</a:t>
             </a:fld>
             <a:endParaRPr lang="ru-RU"/>
           </a:p>
@@ -2566,7 +2745,7 @@
           <a:p>
             <a:fld id="{78B9DDB1-1521-4E25-9DF0-2EE08028611A}" type="datetimeFigureOut">
               <a:rPr lang="ru-RU" smtClean="0"/>
-              <a:t>22.05.2015</a:t>
+              <a:t>17.06.2015</a:t>
             </a:fld>
             <a:endParaRPr lang="ru-RU"/>
           </a:p>
@@ -2823,7 +3002,7 @@
           <a:p>
             <a:fld id="{78B9DDB1-1521-4E25-9DF0-2EE08028611A}" type="datetimeFigureOut">
               <a:rPr lang="ru-RU" smtClean="0"/>
-              <a:t>22.05.2015</a:t>
+              <a:t>17.06.2015</a:t>
             </a:fld>
             <a:endParaRPr lang="ru-RU"/>
           </a:p>
@@ -3036,7 +3215,7 @@
           <a:p>
             <a:fld id="{78B9DDB1-1521-4E25-9DF0-2EE08028611A}" type="datetimeFigureOut">
               <a:rPr lang="ru-RU" smtClean="0"/>
-              <a:t>22.05.2015</a:t>
+              <a:t>17.06.2015</a:t>
             </a:fld>
             <a:endParaRPr lang="ru-RU"/>
           </a:p>
@@ -3503,6 +3682,25 @@
               <a:rPr lang="en-US" dirty="0" err="1" smtClean="0"/>
               <a:t>Musin</a:t>
             </a:r>
+            <a:endParaRPr lang="ru-RU" dirty="0" smtClean="0"/>
+          </a:p>
+          <a:p>
+            <a:r>
+              <a:rPr lang="en-US" dirty="0" smtClean="0"/>
+              <a:t>Supervisor: Ma</a:t>
+            </a:r>
+            <a:r>
+              <a:rPr lang="en-US" dirty="0"/>
+              <a:t>x</a:t>
+            </a:r>
+            <a:r>
+              <a:rPr lang="en-US" dirty="0" smtClean="0"/>
+              <a:t> </a:t>
+            </a:r>
+            <a:r>
+              <a:rPr lang="en-US" dirty="0" err="1" smtClean="0"/>
+              <a:t>Talanov</a:t>
+            </a:r>
             <a:endParaRPr lang="ru-RU" dirty="0"/>
           </a:p>
         </p:txBody>
@@ -3517,6 +3715,13 @@
   <p:clrMapOvr>
     <a:masterClrMapping/>
   </p:clrMapOvr>
+  <p:timing>
+    <p:tnLst>
+      <p:par>
+        <p:cTn id="1" dur="indefinite" restart="never" nodeType="tmRoot"/>
+      </p:par>
+    </p:tnLst>
+  </p:timing>
 </p:sld>
 </file>
 
@@ -3547,52 +3752,24 @@
             <p:ph type="title"/>
           </p:nvPr>
         </p:nvSpPr>
-        <p:spPr/>
-        <p:txBody>
-          <a:bodyPr/>
-          <a:lstStyle/>
-          <a:p>
-            <a:r>
-              <a:rPr lang="en-US" dirty="0" smtClean="0"/>
-              <a:t>How </a:t>
-            </a:r>
-            <a:r>
-              <a:rPr lang="en-US" dirty="0"/>
-              <a:t>well a human does in </a:t>
-            </a:r>
-            <a:r>
-              <a:rPr lang="en-US" dirty="0" smtClean="0"/>
-              <a:t>classifying?</a:t>
-            </a:r>
-            <a:endParaRPr lang="ru-RU" dirty="0"/>
-          </a:p>
-        </p:txBody>
-      </p:sp>
-      <p:pic>
-        <p:nvPicPr>
-          <p:cNvPr id="4" name="Объект 3"/>
-          <p:cNvPicPr>
-            <a:picLocks noGrp="1" noChangeAspect="1"/>
-          </p:cNvPicPr>
-          <p:nvPr>
-            <p:ph idx="1"/>
-          </p:nvPr>
-        </p:nvPicPr>
-        <p:blipFill rotWithShape="1">
-          <a:blip r:embed="rId2"/>
-          <a:srcRect l="51876" t="34430" r="27871" b="48892"/>
-          <a:stretch/>
-        </p:blipFill>
         <p:spPr>
           <a:xfrm>
-            <a:off x="2211402" y="2569029"/>
-            <a:ext cx="7048712" cy="3263296"/>
+            <a:off x="838200" y="287699"/>
+            <a:ext cx="10515600" cy="1325563"/>
           </a:xfrm>
-          <a:prstGeom prst="rect">
-            <a:avLst/>
-          </a:prstGeom>
         </p:spPr>
-      </p:pic>
+        <p:txBody>
+          <a:bodyPr/>
+          <a:lstStyle/>
+          <a:p>
+            <a:r>
+              <a:rPr lang="en-US" dirty="0" smtClean="0"/>
+              <a:t>Classification</a:t>
+            </a:r>
+            <a:endParaRPr lang="ru-RU" dirty="0"/>
+          </a:p>
+        </p:txBody>
+      </p:sp>
       <p:sp>
         <p:nvSpPr>
           <p:cNvPr id="5" name="TextBox 4"/>
@@ -3601,8 +3778,8 @@
         </p:nvSpPr>
         <p:spPr>
           <a:xfrm>
-            <a:off x="838200" y="6064335"/>
-            <a:ext cx="9684657" cy="646331"/>
+            <a:off x="838200" y="2039982"/>
+            <a:ext cx="8171543" cy="3416320"/>
           </a:xfrm>
           <a:prstGeom prst="rect">
             <a:avLst/>
@@ -3615,42 +3792,72 @@
           </a:bodyPr>
           <a:lstStyle/>
           <a:p>
-            <a:r>
-              <a:rPr lang="en-US" dirty="0" smtClean="0"/>
-              <a:t>Frank </a:t>
-            </a:r>
-            <a:r>
-              <a:rPr lang="en-US" dirty="0" err="1" smtClean="0"/>
-              <a:t>Dellaert</a:t>
-            </a:r>
-            <a:r>
-              <a:rPr lang="en-US" dirty="0" smtClean="0"/>
-              <a:t>, Thomas </a:t>
-            </a:r>
-            <a:r>
-              <a:rPr lang="en-US" dirty="0" err="1" smtClean="0"/>
-              <a:t>Polzin</a:t>
-            </a:r>
-            <a:r>
-              <a:rPr lang="en-US" dirty="0" smtClean="0"/>
-              <a:t> and Alex </a:t>
-            </a:r>
-            <a:r>
-              <a:rPr lang="en-US" dirty="0" err="1" smtClean="0"/>
-              <a:t>Waibel</a:t>
-            </a:r>
-            <a:r>
-              <a:rPr lang="en-US" dirty="0" smtClean="0"/>
-              <a:t>. Carnegie Mellon University. “RECOGNIZING EMOTION IN SPEECH”</a:t>
-            </a:r>
-            <a:endParaRPr lang="ru-RU" dirty="0"/>
+            <a:pPr marL="342900" indent="-342900">
+              <a:buFont typeface="Arial" panose="020B0604020202020204" pitchFamily="34" charset="0"/>
+              <a:buChar char="•"/>
+            </a:pPr>
+            <a:r>
+              <a:rPr lang="en-US" sz="3200" dirty="0" smtClean="0"/>
+              <a:t>Binary decision tree</a:t>
+            </a:r>
+          </a:p>
+          <a:p>
+            <a:pPr marL="342900" indent="-342900">
+              <a:buFont typeface="Arial" panose="020B0604020202020204" pitchFamily="34" charset="0"/>
+              <a:buChar char="•"/>
+            </a:pPr>
+            <a:r>
+              <a:rPr lang="en-US" sz="3200" dirty="0" smtClean="0"/>
+              <a:t>SVM (Support vector machine)</a:t>
+            </a:r>
+          </a:p>
+          <a:p>
+            <a:pPr marL="342900" indent="-342900">
+              <a:buFont typeface="Arial" panose="020B0604020202020204" pitchFamily="34" charset="0"/>
+              <a:buChar char="•"/>
+            </a:pPr>
+            <a:r>
+              <a:rPr lang="en-US" sz="3200" dirty="0" smtClean="0"/>
+              <a:t>ANN (Artificial Neural Networks)</a:t>
+            </a:r>
+          </a:p>
+          <a:p>
+            <a:pPr marL="342900" indent="-342900">
+              <a:buFont typeface="Arial" panose="020B0604020202020204" pitchFamily="34" charset="0"/>
+              <a:buChar char="•"/>
+            </a:pPr>
+            <a:r>
+              <a:rPr lang="en-US" sz="3200" dirty="0" smtClean="0"/>
+              <a:t>Naïve Bayes classifier</a:t>
+            </a:r>
+          </a:p>
+          <a:p>
+            <a:pPr marL="342900" indent="-342900">
+              <a:buFont typeface="Arial" panose="020B0604020202020204" pitchFamily="34" charset="0"/>
+              <a:buChar char="•"/>
+            </a:pPr>
+            <a:r>
+              <a:rPr lang="en-US" sz="3200" b="1" dirty="0" smtClean="0"/>
+              <a:t>Fuzzy rules</a:t>
+            </a:r>
+            <a:endParaRPr lang="en-US" sz="3200" b="1" dirty="0"/>
+          </a:p>
+          <a:p>
+            <a:endParaRPr lang="en-US" sz="3200" dirty="0" smtClean="0"/>
+          </a:p>
+          <a:p>
+            <a:pPr marL="342900" indent="-342900">
+              <a:buFont typeface="Arial" panose="020B0604020202020204" pitchFamily="34" charset="0"/>
+              <a:buChar char="•"/>
+            </a:pPr>
+            <a:endParaRPr lang="en-US" sz="2400" dirty="0" smtClean="0"/>
           </a:p>
         </p:txBody>
       </p:sp>
     </p:spTree>
     <p:extLst>
       <p:ext uri="{BB962C8B-B14F-4D97-AF65-F5344CB8AC3E}">
-        <p14:creationId xmlns:p14="http://schemas.microsoft.com/office/powerpoint/2010/main" val="3408790771"/>
+        <p14:creationId xmlns:p14="http://schemas.microsoft.com/office/powerpoint/2010/main" val="2523992580"/>
       </p:ext>
     </p:extLst>
   </p:cSld>
@@ -3687,60 +3894,141 @@
             <p:ph type="title"/>
           </p:nvPr>
         </p:nvSpPr>
-        <p:spPr>
-          <a:xfrm>
-            <a:off x="504370" y="1105353"/>
-            <a:ext cx="10515600" cy="1325563"/>
-          </a:xfrm>
-        </p:spPr>
+        <p:spPr/>
+        <p:txBody>
+          <a:bodyPr/>
+          <a:lstStyle/>
+          <a:p>
+            <a:r>
+              <a:rPr lang="en-US" dirty="0" smtClean="0"/>
+              <a:t>Selected emotions </a:t>
+            </a:r>
+            <a:endParaRPr lang="ru-RU" dirty="0"/>
+          </a:p>
+        </p:txBody>
+      </p:sp>
+      <p:sp>
+        <p:nvSpPr>
+          <p:cNvPr id="3" name="Объект 2"/>
+          <p:cNvSpPr>
+            <a:spLocks noGrp="1"/>
+          </p:cNvSpPr>
+          <p:nvPr>
+            <p:ph idx="1"/>
+          </p:nvPr>
+        </p:nvSpPr>
+        <p:spPr/>
         <p:txBody>
           <a:bodyPr>
             <a:normAutofit/>
           </a:bodyPr>
           <a:lstStyle/>
           <a:p>
-            <a:pPr algn="ctr"/>
-            <a:r>
-              <a:rPr lang="en-US" sz="6600" dirty="0" smtClean="0"/>
-              <a:t>Implementation</a:t>
-            </a:r>
-            <a:endParaRPr lang="ru-RU" sz="6600" dirty="0"/>
+            <a:pPr>
+              <a:lnSpc>
+                <a:spcPct val="100000"/>
+              </a:lnSpc>
+            </a:pPr>
+            <a:r>
+              <a:rPr lang="en-US" sz="3200" dirty="0"/>
+              <a:t>some </a:t>
+            </a:r>
+            <a:r>
+              <a:rPr lang="en-US" sz="3200" dirty="0" smtClean="0"/>
+              <a:t>emotions </a:t>
+            </a:r>
+            <a:r>
+              <a:rPr lang="en-US" sz="3200" dirty="0"/>
+              <a:t>have very similar acoustic </a:t>
+            </a:r>
+            <a:r>
+              <a:rPr lang="en-US" sz="3200" dirty="0" smtClean="0"/>
+              <a:t>characteristics</a:t>
+            </a:r>
+          </a:p>
+          <a:p>
+            <a:pPr>
+              <a:lnSpc>
+                <a:spcPct val="100000"/>
+              </a:lnSpc>
+            </a:pPr>
+            <a:r>
+              <a:rPr lang="en-US" sz="3200" dirty="0"/>
+              <a:t>trade-off between accuracy and number of recognizing emotions</a:t>
+            </a:r>
+            <a:endParaRPr lang="ru-RU" sz="3200" dirty="0"/>
           </a:p>
         </p:txBody>
       </p:sp>
       <p:pic>
         <p:nvPicPr>
-          <p:cNvPr id="4" name="Объект 3"/>
+          <p:cNvPr id="4" name="Рисунок 3"/>
           <p:cNvPicPr>
-            <a:picLocks noGrp="1" noChangeAspect="1"/>
+            <a:picLocks noChangeAspect="1"/>
           </p:cNvPicPr>
-          <p:nvPr>
-            <p:ph idx="1"/>
-          </p:nvPr>
+          <p:nvPr/>
         </p:nvPicPr>
-        <p:blipFill>
-          <a:blip r:embed="rId2">
-            <a:extLst>
-              <a:ext uri="{28A0092B-C50C-407E-A947-70E740481C1C}">
-                <a14:useLocalDpi xmlns:a14="http://schemas.microsoft.com/office/drawing/2010/main" val="0"/>
-              </a:ext>
-            </a:extLst>
-          </a:blip>
-          <a:stretch>
-            <a:fillRect/>
-          </a:stretch>
+        <p:blipFill rotWithShape="1">
+          <a:blip r:embed="rId2"/>
+          <a:srcRect l="25124" t="43818" r="25458" b="23841"/>
+          <a:stretch/>
         </p:blipFill>
         <p:spPr>
           <a:xfrm>
-            <a:off x="3809545" y="4718050"/>
-            <a:ext cx="3905250" cy="1171575"/>
+            <a:off x="4049484" y="3245077"/>
+            <a:ext cx="7968250" cy="2931886"/>
           </a:xfrm>
+          <a:prstGeom prst="rect">
+            <a:avLst/>
+          </a:prstGeom>
         </p:spPr>
       </p:pic>
+      <p:sp>
+        <p:nvSpPr>
+          <p:cNvPr id="5" name="TextBox 4"/>
+          <p:cNvSpPr txBox="1"/>
+          <p:nvPr/>
+        </p:nvSpPr>
+        <p:spPr>
+          <a:xfrm>
+            <a:off x="4194626" y="6176963"/>
+            <a:ext cx="6518836" cy="369332"/>
+          </a:xfrm>
+          <a:prstGeom prst="rect">
+            <a:avLst/>
+          </a:prstGeom>
+          <a:noFill/>
+        </p:spPr>
+        <p:txBody>
+          <a:bodyPr wrap="none" rtlCol="0">
+            <a:spAutoFit/>
+          </a:bodyPr>
+          <a:lstStyle/>
+          <a:p>
+            <a:r>
+              <a:rPr lang="en-US" dirty="0" smtClean="0"/>
+              <a:t>Stefan </a:t>
+            </a:r>
+            <a:r>
+              <a:rPr lang="en-US" dirty="0" err="1" smtClean="0"/>
+              <a:t>Steidl</a:t>
+            </a:r>
+            <a:r>
+              <a:rPr lang="en-US" dirty="0"/>
+              <a:t>;</a:t>
+            </a:r>
+            <a:r>
+              <a:rPr lang="en-US" dirty="0" smtClean="0"/>
+              <a:t> October 26, 2010;” Vocal Emotion Recognition”; ICSI</a:t>
+            </a:r>
+            <a:endParaRPr lang="ru-RU" dirty="0"/>
+          </a:p>
+        </p:txBody>
+      </p:sp>
     </p:spTree>
     <p:extLst>
       <p:ext uri="{BB962C8B-B14F-4D97-AF65-F5344CB8AC3E}">
-        <p14:creationId xmlns:p14="http://schemas.microsoft.com/office/powerpoint/2010/main" val="778075901"/>
+        <p14:creationId xmlns:p14="http://schemas.microsoft.com/office/powerpoint/2010/main" val="3335695132"/>
       </p:ext>
     </p:extLst>
   </p:cSld>
@@ -3777,95 +4065,31 @@
             <p:ph type="title"/>
           </p:nvPr>
         </p:nvSpPr>
-        <p:spPr/>
-        <p:txBody>
-          <a:bodyPr/>
-          <a:lstStyle/>
-          <a:p>
-            <a:r>
-              <a:rPr lang="en-US" dirty="0" smtClean="0"/>
-              <a:t>Recognizing emotions</a:t>
-            </a:r>
-            <a:endParaRPr lang="ru-RU" dirty="0"/>
-          </a:p>
-        </p:txBody>
-      </p:sp>
-      <p:sp>
-        <p:nvSpPr>
-          <p:cNvPr id="3" name="Объект 2"/>
-          <p:cNvSpPr>
-            <a:spLocks noGrp="1"/>
-          </p:cNvSpPr>
-          <p:nvPr>
-            <p:ph idx="1"/>
-          </p:nvPr>
-        </p:nvSpPr>
-        <p:spPr/>
+        <p:spPr>
+          <a:xfrm>
+            <a:off x="517249" y="2522029"/>
+            <a:ext cx="10515600" cy="1325563"/>
+          </a:xfrm>
+        </p:spPr>
         <p:txBody>
           <a:bodyPr>
             <a:normAutofit/>
           </a:bodyPr>
           <a:lstStyle/>
           <a:p>
-            <a:pPr marL="514350" indent="-514350">
-              <a:lnSpc>
-                <a:spcPct val="150000"/>
-              </a:lnSpc>
-              <a:buFont typeface="+mj-lt"/>
-              <a:buAutoNum type="arabicPeriod"/>
-            </a:pPr>
-            <a:r>
-              <a:rPr lang="en-US" sz="3200" dirty="0"/>
-              <a:t>Extraction of acoustic characteristics from sound file or microphone </a:t>
-            </a:r>
-            <a:endParaRPr lang="en-US" sz="3200" dirty="0" smtClean="0"/>
-          </a:p>
-          <a:p>
-            <a:pPr marL="514350" indent="-514350">
-              <a:lnSpc>
-                <a:spcPct val="150000"/>
-              </a:lnSpc>
-              <a:buFont typeface="+mj-lt"/>
-              <a:buAutoNum type="arabicPeriod"/>
-            </a:pPr>
-            <a:r>
-              <a:rPr lang="en-US" sz="3200" dirty="0" smtClean="0"/>
-              <a:t>Splitting speech to phrases or words</a:t>
-            </a:r>
-          </a:p>
-          <a:p>
-            <a:pPr marL="514350" indent="-514350">
-              <a:lnSpc>
-                <a:spcPct val="150000"/>
-              </a:lnSpc>
-              <a:buFont typeface="+mj-lt"/>
-              <a:buAutoNum type="arabicPeriod"/>
-            </a:pPr>
-            <a:r>
-              <a:rPr lang="en-US" sz="3200" dirty="0" smtClean="0"/>
-              <a:t>Features extraction from acoustic characteristics</a:t>
-            </a:r>
-          </a:p>
-          <a:p>
-            <a:pPr marL="514350" indent="-514350">
-              <a:lnSpc>
-                <a:spcPct val="150000"/>
-              </a:lnSpc>
-              <a:buFont typeface="+mj-lt"/>
-              <a:buAutoNum type="arabicPeriod"/>
-            </a:pPr>
-            <a:r>
-              <a:rPr lang="en-US" sz="3200" dirty="0" smtClean="0"/>
-              <a:t>Classification</a:t>
-            </a:r>
-            <a:endParaRPr lang="ru-RU" sz="3200" dirty="0"/>
+            <a:pPr algn="ctr"/>
+            <a:r>
+              <a:rPr lang="en-US" sz="6600" dirty="0" smtClean="0"/>
+              <a:t>Implementation</a:t>
+            </a:r>
+            <a:endParaRPr lang="ru-RU" sz="6600" dirty="0"/>
           </a:p>
         </p:txBody>
       </p:sp>
     </p:spTree>
     <p:extLst>
       <p:ext uri="{BB962C8B-B14F-4D97-AF65-F5344CB8AC3E}">
-        <p14:creationId xmlns:p14="http://schemas.microsoft.com/office/powerpoint/2010/main" val="1756372587"/>
+        <p14:creationId xmlns:p14="http://schemas.microsoft.com/office/powerpoint/2010/main" val="778075901"/>
       </p:ext>
     </p:extLst>
   </p:cSld>
@@ -3904,83 +4128,96 @@
         </p:nvSpPr>
         <p:spPr/>
         <p:txBody>
+          <a:bodyPr/>
+          <a:lstStyle/>
+          <a:p>
+            <a:r>
+              <a:rPr lang="en-US" dirty="0" smtClean="0"/>
+              <a:t>Steps</a:t>
+            </a:r>
+            <a:endParaRPr lang="ru-RU" dirty="0"/>
+          </a:p>
+        </p:txBody>
+      </p:sp>
+      <p:sp>
+        <p:nvSpPr>
+          <p:cNvPr id="3" name="Объект 2"/>
+          <p:cNvSpPr>
+            <a:spLocks noGrp="1"/>
+          </p:cNvSpPr>
+          <p:nvPr>
+            <p:ph idx="1"/>
+          </p:nvPr>
+        </p:nvSpPr>
+        <p:spPr/>
+        <p:txBody>
           <a:bodyPr>
             <a:normAutofit/>
           </a:bodyPr>
           <a:lstStyle/>
           <a:p>
-            <a:r>
-              <a:rPr lang="en-US" dirty="0"/>
-              <a:t>Extraction of acoustic characteristics</a:t>
-            </a:r>
-            <a:br>
-              <a:rPr lang="en-US" dirty="0"/>
-            </a:br>
-            <a:endParaRPr lang="ru-RU" dirty="0"/>
-          </a:p>
-        </p:txBody>
-      </p:sp>
-      <p:sp>
-        <p:nvSpPr>
-          <p:cNvPr id="3" name="Объект 2"/>
-          <p:cNvSpPr>
-            <a:spLocks noGrp="1"/>
-          </p:cNvSpPr>
-          <p:nvPr>
-            <p:ph idx="1"/>
-          </p:nvPr>
-        </p:nvSpPr>
-        <p:spPr/>
-        <p:txBody>
-          <a:bodyPr/>
-          <a:lstStyle/>
-          <a:p>
-            <a:pPr marL="0" indent="0">
+            <a:pPr marL="514350" indent="-514350">
               <a:lnSpc>
                 <a:spcPct val="150000"/>
               </a:lnSpc>
-              <a:buNone/>
+              <a:buFont typeface="+mj-lt"/>
+              <a:buAutoNum type="arabicPeriod"/>
             </a:pPr>
             <a:r>
-              <a:rPr lang="en-US" dirty="0" smtClean="0"/>
-              <a:t>The main problem is noises. To solve it we can use:</a:t>
-            </a:r>
-          </a:p>
-          <a:p>
-            <a:pPr>
+              <a:rPr lang="en-US" sz="3200" dirty="0"/>
+              <a:t>Extraction of acoustic characteristics from sound </a:t>
+            </a:r>
+            <a:r>
+              <a:rPr lang="en-US" sz="3200" dirty="0" smtClean="0"/>
+              <a:t>file</a:t>
+            </a:r>
+          </a:p>
+          <a:p>
+            <a:pPr marL="514350" indent="-514350">
               <a:lnSpc>
                 <a:spcPct val="150000"/>
               </a:lnSpc>
+              <a:buFont typeface="+mj-lt"/>
+              <a:buAutoNum type="arabicPeriod"/>
             </a:pPr>
             <a:r>
-              <a:rPr lang="en-US" dirty="0" smtClean="0"/>
-              <a:t>Pass-band filter</a:t>
-            </a:r>
-          </a:p>
-          <a:p>
-            <a:pPr>
+              <a:rPr lang="en-US" sz="3200" dirty="0" smtClean="0"/>
+              <a:t>Splitting speech to phrases or words</a:t>
+            </a:r>
+          </a:p>
+          <a:p>
+            <a:pPr marL="514350" indent="-514350">
               <a:lnSpc>
                 <a:spcPct val="150000"/>
               </a:lnSpc>
+              <a:buFont typeface="+mj-lt"/>
+              <a:buAutoNum type="arabicPeriod"/>
             </a:pPr>
             <a:r>
-              <a:rPr lang="en-US" dirty="0"/>
-              <a:t>standard deviation to exclude some random artefacts</a:t>
-            </a:r>
-            <a:endParaRPr lang="en-US" dirty="0" smtClean="0"/>
-          </a:p>
-          <a:p>
-            <a:pPr marL="0" indent="0">
-              <a:buNone/>
+              <a:rPr lang="en-US" sz="3200" dirty="0" smtClean="0"/>
+              <a:t>Features extraction from acoustic characteristics</a:t>
+            </a:r>
+          </a:p>
+          <a:p>
+            <a:pPr marL="514350" indent="-514350">
+              <a:lnSpc>
+                <a:spcPct val="150000"/>
+              </a:lnSpc>
+              <a:buFont typeface="+mj-lt"/>
+              <a:buAutoNum type="arabicPeriod"/>
             </a:pPr>
-            <a:endParaRPr lang="en-US" dirty="0" smtClean="0"/>
+            <a:r>
+              <a:rPr lang="en-US" sz="3200" dirty="0" smtClean="0"/>
+              <a:t>Classification</a:t>
+            </a:r>
+            <a:endParaRPr lang="ru-RU" sz="3200" dirty="0"/>
           </a:p>
         </p:txBody>
       </p:sp>
     </p:spTree>
     <p:extLst>
       <p:ext uri="{BB962C8B-B14F-4D97-AF65-F5344CB8AC3E}">
-        <p14:creationId xmlns:p14="http://schemas.microsoft.com/office/powerpoint/2010/main" val="1243034655"/>
+        <p14:creationId xmlns:p14="http://schemas.microsoft.com/office/powerpoint/2010/main" val="1756372587"/>
       </p:ext>
     </p:extLst>
   </p:cSld>
@@ -4009,6 +4246,29 @@
       </p:grpSpPr>
       <p:sp>
         <p:nvSpPr>
+          <p:cNvPr id="2" name="Заголовок 1"/>
+          <p:cNvSpPr>
+            <a:spLocks noGrp="1"/>
+          </p:cNvSpPr>
+          <p:nvPr>
+            <p:ph type="title"/>
+          </p:nvPr>
+        </p:nvSpPr>
+        <p:spPr/>
+        <p:txBody>
+          <a:bodyPr/>
+          <a:lstStyle/>
+          <a:p>
+            <a:r>
+              <a:rPr lang="en-US" dirty="0"/>
+              <a:t>Extraction of acoustic characteristics</a:t>
+            </a:r>
+            <a:endParaRPr lang="ru-RU" dirty="0"/>
+          </a:p>
+        </p:txBody>
+      </p:sp>
+      <p:sp>
+        <p:nvSpPr>
           <p:cNvPr id="3" name="Объект 2"/>
           <p:cNvSpPr>
             <a:spLocks noGrp="1"/>
@@ -4019,7 +4279,7 @@
         </p:nvSpPr>
         <p:spPr>
           <a:xfrm>
-            <a:off x="838200" y="2056719"/>
+            <a:off x="997858" y="1690688"/>
             <a:ext cx="10515600" cy="4351338"/>
           </a:xfrm>
         </p:spPr>
@@ -4027,99 +4287,65 @@
           <a:bodyPr/>
           <a:lstStyle/>
           <a:p>
-            <a:pPr>
-              <a:lnSpc>
-                <a:spcPct val="150000"/>
-              </a:lnSpc>
-            </a:pPr>
-            <a:r>
-              <a:rPr lang="en-US" dirty="0"/>
-              <a:t> </a:t>
-            </a:r>
-            <a:r>
-              <a:rPr lang="en-US" sz="3600" dirty="0" smtClean="0"/>
-              <a:t>PRAAT- phonetics </a:t>
-            </a:r>
-            <a:r>
-              <a:rPr lang="en-US" sz="3600" dirty="0"/>
-              <a:t>software </a:t>
-            </a:r>
-            <a:r>
-              <a:rPr lang="en-US" sz="3600" dirty="0" smtClean="0"/>
-              <a:t>package (</a:t>
-            </a:r>
-            <a:r>
-              <a:rPr lang="en-US" sz="3600" dirty="0">
-                <a:hlinkClick r:id="rId2"/>
-              </a:rPr>
-              <a:t>www.praat.org</a:t>
-            </a:r>
-            <a:r>
-              <a:rPr lang="en-US" sz="3600" dirty="0" smtClean="0"/>
-              <a:t>)</a:t>
-            </a:r>
-          </a:p>
-          <a:p>
-            <a:pPr lvl="1">
-              <a:lnSpc>
-                <a:spcPct val="150000"/>
-              </a:lnSpc>
-            </a:pPr>
-            <a:r>
-              <a:rPr lang="en-US" sz="3200" dirty="0" smtClean="0"/>
-              <a:t>Has scripting language</a:t>
-            </a:r>
-          </a:p>
-          <a:p>
-            <a:pPr lvl="1">
-              <a:lnSpc>
-                <a:spcPct val="150000"/>
-              </a:lnSpc>
-            </a:pPr>
-            <a:r>
-              <a:rPr lang="en-US" sz="3200" dirty="0" smtClean="0"/>
-              <a:t>Provides </a:t>
-            </a:r>
-            <a:r>
-              <a:rPr lang="en-US" sz="3200" dirty="0" smtClean="0"/>
-              <a:t>extraction for all needed characteristics</a:t>
-            </a:r>
-            <a:r>
-              <a:rPr lang="en-US" dirty="0"/>
-              <a:t> </a:t>
-            </a:r>
-            <a:r>
-              <a:rPr lang="en-US" sz="3200" dirty="0" smtClean="0"/>
-              <a:t>and filtering</a:t>
-            </a:r>
-            <a:endParaRPr lang="en-US" sz="4000" dirty="0" smtClean="0"/>
-          </a:p>
-        </p:txBody>
-      </p:sp>
-      <p:sp>
-        <p:nvSpPr>
-          <p:cNvPr id="4" name="Заголовок 1"/>
-          <p:cNvSpPr>
-            <a:spLocks noGrp="1"/>
-          </p:cNvSpPr>
-          <p:nvPr>
-            <p:ph type="title"/>
-          </p:nvPr>
-        </p:nvSpPr>
-        <p:spPr/>
-        <p:txBody>
-          <a:bodyPr>
-            <a:normAutofit/>
-          </a:bodyPr>
-          <a:lstStyle/>
-          <a:p>
-            <a:r>
-              <a:rPr lang="en-US" dirty="0"/>
-              <a:t>Extraction of acoustic characteristics</a:t>
-            </a:r>
-            <a:br>
-              <a:rPr lang="en-US" dirty="0"/>
-            </a:br>
+            <a:r>
+              <a:rPr lang="en-US" dirty="0" smtClean="0"/>
+              <a:t>Filtering</a:t>
+            </a:r>
+          </a:p>
+          <a:p>
+            <a:pPr lvl="1"/>
+            <a:r>
+              <a:rPr lang="en-US" dirty="0" smtClean="0"/>
+              <a:t>Pass band filtering by human speech frequency range</a:t>
+            </a:r>
+          </a:p>
+          <a:p>
+            <a:pPr lvl="1"/>
+            <a:r>
+              <a:rPr lang="en-US" dirty="0" smtClean="0"/>
+              <a:t>Noise removing</a:t>
+            </a:r>
+          </a:p>
+          <a:p>
+            <a:r>
+              <a:rPr lang="en-US" dirty="0" smtClean="0"/>
+              <a:t>Acoustic characteristics:</a:t>
+            </a:r>
+          </a:p>
+          <a:p>
+            <a:pPr lvl="1"/>
+            <a:r>
+              <a:rPr lang="en-US" dirty="0" smtClean="0"/>
+              <a:t>Pitch (or F0)</a:t>
+            </a:r>
+          </a:p>
+          <a:p>
+            <a:pPr lvl="1"/>
+            <a:r>
+              <a:rPr lang="en-US" dirty="0" smtClean="0"/>
+              <a:t>Energy (or Intensity)</a:t>
+            </a:r>
+          </a:p>
+          <a:p>
+            <a:pPr lvl="1"/>
+            <a:r>
+              <a:rPr lang="en-US" dirty="0" smtClean="0"/>
+              <a:t>Formants: 1, 2, 3. Or F1, F2, F3</a:t>
+            </a:r>
+          </a:p>
+          <a:p>
+            <a:pPr lvl="1"/>
+            <a:r>
+              <a:rPr lang="en-US" dirty="0" smtClean="0"/>
+              <a:t>Center of gravity of spectrum</a:t>
+            </a:r>
+          </a:p>
+          <a:p>
+            <a:pPr lvl="1"/>
+            <a:endParaRPr lang="en-US" dirty="0" smtClean="0"/>
+          </a:p>
+          <a:p>
+            <a:pPr lvl="1"/>
             <a:endParaRPr lang="ru-RU" dirty="0"/>
           </a:p>
         </p:txBody>
@@ -4127,7 +4353,7 @@
     </p:spTree>
     <p:extLst>
       <p:ext uri="{BB962C8B-B14F-4D97-AF65-F5344CB8AC3E}">
-        <p14:creationId xmlns:p14="http://schemas.microsoft.com/office/powerpoint/2010/main" val="377287506"/>
+        <p14:creationId xmlns:p14="http://schemas.microsoft.com/office/powerpoint/2010/main" val="4158925896"/>
       </p:ext>
     </p:extLst>
   </p:cSld>
@@ -4156,29 +4382,6 @@
       </p:grpSpPr>
       <p:sp>
         <p:nvSpPr>
-          <p:cNvPr id="2" name="Заголовок 1"/>
-          <p:cNvSpPr>
-            <a:spLocks noGrp="1"/>
-          </p:cNvSpPr>
-          <p:nvPr>
-            <p:ph type="title"/>
-          </p:nvPr>
-        </p:nvSpPr>
-        <p:spPr/>
-        <p:txBody>
-          <a:bodyPr/>
-          <a:lstStyle/>
-          <a:p>
-            <a:r>
-              <a:rPr lang="en-US" dirty="0"/>
-              <a:t>Extraction of acoustic characteristics</a:t>
-            </a:r>
-            <a:endParaRPr lang="ru-RU" dirty="0"/>
-          </a:p>
-        </p:txBody>
-      </p:sp>
-      <p:sp>
-        <p:nvSpPr>
           <p:cNvPr id="3" name="Объект 2"/>
           <p:cNvSpPr>
             <a:spLocks noGrp="1"/>
@@ -4189,7 +4392,7 @@
         </p:nvSpPr>
         <p:spPr>
           <a:xfrm>
-            <a:off x="997858" y="1690688"/>
+            <a:off x="838200" y="2056719"/>
             <a:ext cx="10515600" cy="4351338"/>
           </a:xfrm>
         </p:spPr>
@@ -4197,65 +4400,95 @@
           <a:bodyPr/>
           <a:lstStyle/>
           <a:p>
-            <a:r>
-              <a:rPr lang="en-US" dirty="0" smtClean="0"/>
-              <a:t>Filtering</a:t>
-            </a:r>
-          </a:p>
-          <a:p>
-            <a:pPr lvl="1"/>
-            <a:r>
-              <a:rPr lang="en-US" dirty="0" smtClean="0"/>
-              <a:t>Pass band filtering by human speech frequency range</a:t>
-            </a:r>
-          </a:p>
-          <a:p>
-            <a:pPr lvl="1"/>
-            <a:r>
-              <a:rPr lang="en-US" dirty="0" smtClean="0"/>
-              <a:t>Noise removing</a:t>
-            </a:r>
-          </a:p>
-          <a:p>
-            <a:r>
-              <a:rPr lang="en-US" dirty="0" smtClean="0"/>
-              <a:t>Acoustic characteristic which we will use:</a:t>
-            </a:r>
-          </a:p>
-          <a:p>
-            <a:pPr lvl="1"/>
-            <a:r>
-              <a:rPr lang="en-US" dirty="0" smtClean="0"/>
-              <a:t>Pitch (or F0)</a:t>
-            </a:r>
-          </a:p>
-          <a:p>
-            <a:pPr lvl="1"/>
-            <a:r>
-              <a:rPr lang="en-US" dirty="0" smtClean="0"/>
-              <a:t>Energy (or Intensity, loudness)</a:t>
-            </a:r>
-          </a:p>
-          <a:p>
-            <a:pPr lvl="1"/>
-            <a:r>
-              <a:rPr lang="en-US" dirty="0" smtClean="0"/>
-              <a:t>Formants: 1, 2, 3. Or F1, F2, F3</a:t>
-            </a:r>
-          </a:p>
-          <a:p>
-            <a:pPr lvl="1"/>
-            <a:r>
-              <a:rPr lang="en-US" dirty="0" smtClean="0"/>
-              <a:t>Center of gravity of spectrum</a:t>
-            </a:r>
-          </a:p>
-          <a:p>
-            <a:pPr lvl="1"/>
-            <a:endParaRPr lang="en-US" dirty="0" smtClean="0"/>
-          </a:p>
-          <a:p>
-            <a:pPr lvl="1"/>
+            <a:pPr>
+              <a:lnSpc>
+                <a:spcPct val="150000"/>
+              </a:lnSpc>
+            </a:pPr>
+            <a:r>
+              <a:rPr lang="en-US" dirty="0"/>
+              <a:t> </a:t>
+            </a:r>
+            <a:r>
+              <a:rPr lang="en-US" sz="3600" dirty="0" smtClean="0"/>
+              <a:t>PRAAT- phonetics </a:t>
+            </a:r>
+            <a:r>
+              <a:rPr lang="en-US" sz="3600" dirty="0"/>
+              <a:t>software </a:t>
+            </a:r>
+            <a:r>
+              <a:rPr lang="en-US" sz="3600" dirty="0" smtClean="0"/>
+              <a:t>package (</a:t>
+            </a:r>
+            <a:r>
+              <a:rPr lang="en-US" sz="3600" dirty="0">
+                <a:hlinkClick r:id="rId2"/>
+              </a:rPr>
+              <a:t>www.praat.org</a:t>
+            </a:r>
+            <a:r>
+              <a:rPr lang="en-US" sz="3600" dirty="0" smtClean="0"/>
+              <a:t>)</a:t>
+            </a:r>
+          </a:p>
+          <a:p>
+            <a:pPr lvl="1">
+              <a:lnSpc>
+                <a:spcPct val="150000"/>
+              </a:lnSpc>
+            </a:pPr>
+            <a:r>
+              <a:rPr lang="en-US" sz="3200" dirty="0" smtClean="0"/>
+              <a:t>Has scripting language</a:t>
+            </a:r>
+          </a:p>
+          <a:p>
+            <a:pPr lvl="1">
+              <a:lnSpc>
+                <a:spcPct val="150000"/>
+              </a:lnSpc>
+            </a:pPr>
+            <a:r>
+              <a:rPr lang="en-US" sz="3200" dirty="0" smtClean="0"/>
+              <a:t>Provides extraction for all needed characteristics</a:t>
+            </a:r>
+            <a:r>
+              <a:rPr lang="en-US" dirty="0"/>
+              <a:t> </a:t>
+            </a:r>
+            <a:r>
+              <a:rPr lang="en-US" sz="3200" dirty="0" smtClean="0"/>
+              <a:t>and filtering</a:t>
+            </a:r>
+            <a:endParaRPr lang="en-US" sz="4000" dirty="0" smtClean="0"/>
+          </a:p>
+        </p:txBody>
+      </p:sp>
+      <p:sp>
+        <p:nvSpPr>
+          <p:cNvPr id="4" name="Заголовок 1"/>
+          <p:cNvSpPr>
+            <a:spLocks noGrp="1"/>
+          </p:cNvSpPr>
+          <p:nvPr>
+            <p:ph type="title"/>
+          </p:nvPr>
+        </p:nvSpPr>
+        <p:spPr/>
+        <p:txBody>
+          <a:bodyPr>
+            <a:normAutofit/>
+          </a:bodyPr>
+          <a:lstStyle/>
+          <a:p>
+            <a:r>
+              <a:rPr lang="en-US" dirty="0"/>
+              <a:t>Extraction of acoustic characteristics</a:t>
+            </a:r>
+            <a:br>
+              <a:rPr lang="en-US" dirty="0"/>
+            </a:br>
             <a:endParaRPr lang="ru-RU" dirty="0"/>
           </a:p>
         </p:txBody>
@@ -4263,7 +4496,7 @@
     </p:spTree>
     <p:extLst>
       <p:ext uri="{BB962C8B-B14F-4D97-AF65-F5344CB8AC3E}">
-        <p14:creationId xmlns:p14="http://schemas.microsoft.com/office/powerpoint/2010/main" val="4158925896"/>
+        <p14:creationId xmlns:p14="http://schemas.microsoft.com/office/powerpoint/2010/main" val="377287506"/>
       </p:ext>
     </p:extLst>
   </p:cSld>
@@ -4306,8 +4539,8 @@
           <a:lstStyle/>
           <a:p>
             <a:r>
-              <a:rPr lang="en-US" dirty="0" smtClean="0"/>
-              <a:t>Splitting speech to phrases or words</a:t>
+              <a:rPr lang="en-US" dirty="0"/>
+              <a:t>Extraction of acoustic characteristics</a:t>
             </a:r>
             <a:endParaRPr lang="ru-RU" dirty="0"/>
           </a:p>
@@ -4324,25 +4557,28 @@
           </p:nvPr>
         </p:nvPicPr>
         <p:blipFill>
-          <a:blip r:embed="rId2"/>
+          <a:blip r:embed="rId2">
+            <a:extLst>
+              <a:ext uri="{28A0092B-C50C-407E-A947-70E740481C1C}">
+                <a14:useLocalDpi xmlns:a14="http://schemas.microsoft.com/office/drawing/2010/main" val="0"/>
+              </a:ext>
+            </a:extLst>
+          </a:blip>
           <a:stretch>
             <a:fillRect/>
           </a:stretch>
         </p:blipFill>
         <p:spPr>
           <a:xfrm>
-            <a:off x="1654627" y="2712583"/>
-            <a:ext cx="7683046" cy="2342812"/>
+            <a:off x="749279" y="1558344"/>
+            <a:ext cx="10693441" cy="4649273"/>
           </a:xfrm>
-          <a:prstGeom prst="rect">
-            <a:avLst/>
-          </a:prstGeom>
         </p:spPr>
       </p:pic>
     </p:spTree>
     <p:extLst>
       <p:ext uri="{BB962C8B-B14F-4D97-AF65-F5344CB8AC3E}">
-        <p14:creationId xmlns:p14="http://schemas.microsoft.com/office/powerpoint/2010/main" val="1352847683"/>
+        <p14:creationId xmlns:p14="http://schemas.microsoft.com/office/powerpoint/2010/main" val="2453079693"/>
       </p:ext>
     </p:extLst>
   </p:cSld>
@@ -4386,79 +4622,45 @@
           <a:p>
             <a:r>
               <a:rPr lang="en-US" dirty="0" smtClean="0"/>
-              <a:t>Features extraction</a:t>
+              <a:t>Splitting speech to phrases or words</a:t>
             </a:r>
             <a:endParaRPr lang="ru-RU" dirty="0"/>
           </a:p>
         </p:txBody>
       </p:sp>
-      <p:sp>
-        <p:nvSpPr>
-          <p:cNvPr id="3" name="Объект 2"/>
-          <p:cNvSpPr>
-            <a:spLocks noGrp="1"/>
-          </p:cNvSpPr>
+      <p:pic>
+        <p:nvPicPr>
+          <p:cNvPr id="5" name="Объект 4"/>
+          <p:cNvPicPr>
+            <a:picLocks noGrp="1" noChangeAspect="1"/>
+          </p:cNvPicPr>
           <p:nvPr>
             <p:ph idx="1"/>
           </p:nvPr>
-        </p:nvSpPr>
-        <p:spPr/>
-        <p:txBody>
-          <a:bodyPr>
-            <a:normAutofit/>
-          </a:bodyPr>
-          <a:lstStyle/>
-          <a:p>
-            <a:pPr marL="0" indent="0">
-              <a:buNone/>
-            </a:pPr>
-            <a:r>
-              <a:rPr lang="en-US" dirty="0" smtClean="0"/>
-              <a:t>These features can be calculated from acoustic characteristics and which we will use:</a:t>
-            </a:r>
-          </a:p>
-          <a:p>
-            <a:r>
-              <a:rPr lang="en-US" dirty="0" smtClean="0"/>
-              <a:t>Pitch: range, variance, DDS.</a:t>
-            </a:r>
-          </a:p>
-          <a:p>
-            <a:r>
-              <a:rPr lang="en-US" dirty="0" smtClean="0"/>
-              <a:t>Intensity: range, variance, DDS</a:t>
-            </a:r>
-          </a:p>
-          <a:p>
-            <a:r>
-              <a:rPr lang="en-US" dirty="0" smtClean="0"/>
-              <a:t>F1, F2, F3,F4: DDS.</a:t>
-            </a:r>
-          </a:p>
-          <a:p>
-            <a:r>
-              <a:rPr lang="en-US" dirty="0" smtClean="0"/>
-              <a:t>Mean phrase duration, mean silence duration</a:t>
-            </a:r>
-          </a:p>
-          <a:p>
-            <a:r>
-              <a:rPr lang="en-US" dirty="0" smtClean="0"/>
-              <a:t>Centroid – center of gravity of spectrum</a:t>
-            </a:r>
-          </a:p>
-          <a:p>
-            <a:endParaRPr lang="en-US" dirty="0" smtClean="0"/>
-          </a:p>
-          <a:p>
-            <a:endParaRPr lang="en-US" dirty="0" smtClean="0"/>
-          </a:p>
-        </p:txBody>
-      </p:sp>
+        </p:nvPicPr>
+        <p:blipFill>
+          <a:blip r:embed="rId2">
+            <a:extLst>
+              <a:ext uri="{28A0092B-C50C-407E-A947-70E740481C1C}">
+                <a14:useLocalDpi xmlns:a14="http://schemas.microsoft.com/office/drawing/2010/main" val="0"/>
+              </a:ext>
+            </a:extLst>
+          </a:blip>
+          <a:stretch>
+            <a:fillRect/>
+          </a:stretch>
+        </p:blipFill>
+        <p:spPr>
+          <a:xfrm>
+            <a:off x="462420" y="2331077"/>
+            <a:ext cx="11267159" cy="2439666"/>
+          </a:xfrm>
+        </p:spPr>
+      </p:pic>
     </p:spTree>
     <p:extLst>
       <p:ext uri="{BB962C8B-B14F-4D97-AF65-F5344CB8AC3E}">
-        <p14:creationId xmlns:p14="http://schemas.microsoft.com/office/powerpoint/2010/main" val="1291860942"/>
+        <p14:creationId xmlns:p14="http://schemas.microsoft.com/office/powerpoint/2010/main" val="1352847683"/>
       </p:ext>
     </p:extLst>
   </p:cSld>
@@ -4502,7 +4704,114 @@
           <a:p>
             <a:r>
               <a:rPr lang="en-US" dirty="0" smtClean="0"/>
-              <a:t>Pitch DDS</a:t>
+              <a:t>Features extraction</a:t>
+            </a:r>
+            <a:endParaRPr lang="ru-RU" dirty="0"/>
+          </a:p>
+        </p:txBody>
+      </p:sp>
+      <p:sp>
+        <p:nvSpPr>
+          <p:cNvPr id="3" name="Объект 2"/>
+          <p:cNvSpPr>
+            <a:spLocks noGrp="1"/>
+          </p:cNvSpPr>
+          <p:nvPr>
+            <p:ph idx="1"/>
+          </p:nvPr>
+        </p:nvSpPr>
+        <p:spPr/>
+        <p:txBody>
+          <a:bodyPr>
+            <a:normAutofit/>
+          </a:bodyPr>
+          <a:lstStyle/>
+          <a:p>
+            <a:r>
+              <a:rPr lang="en-US" dirty="0" smtClean="0"/>
+              <a:t>Pitch: range, variance, DDS.</a:t>
+            </a:r>
+          </a:p>
+          <a:p>
+            <a:r>
+              <a:rPr lang="en-US" dirty="0" smtClean="0"/>
+              <a:t>Intensity: range, variance, DDS</a:t>
+            </a:r>
+          </a:p>
+          <a:p>
+            <a:r>
+              <a:rPr lang="en-US" dirty="0" smtClean="0"/>
+              <a:t>F1, F2, F3: DDS.</a:t>
+            </a:r>
+          </a:p>
+          <a:p>
+            <a:r>
+              <a:rPr lang="en-US" dirty="0" smtClean="0"/>
+              <a:t>Mean phrase duration, mean silence duration</a:t>
+            </a:r>
+          </a:p>
+          <a:p>
+            <a:r>
+              <a:rPr lang="en-US" dirty="0" smtClean="0"/>
+              <a:t>Centroid – center of gravity of spectrum</a:t>
+            </a:r>
+          </a:p>
+          <a:p>
+            <a:endParaRPr lang="en-US" dirty="0" smtClean="0"/>
+          </a:p>
+          <a:p>
+            <a:endParaRPr lang="en-US" dirty="0" smtClean="0"/>
+          </a:p>
+        </p:txBody>
+      </p:sp>
+    </p:spTree>
+    <p:extLst>
+      <p:ext uri="{BB962C8B-B14F-4D97-AF65-F5344CB8AC3E}">
+        <p14:creationId xmlns:p14="http://schemas.microsoft.com/office/powerpoint/2010/main" val="1291860942"/>
+      </p:ext>
+    </p:extLst>
+  </p:cSld>
+  <p:clrMapOvr>
+    <a:masterClrMapping/>
+  </p:clrMapOvr>
+</p:sld>
+</file>
+
+<file path=ppt/slides/slide19.xml><?xml version="1.0" encoding="utf-8"?>
+<p:sld xmlns:a="http://schemas.openxmlformats.org/drawingml/2006/main" xmlns:r="http://schemas.openxmlformats.org/officeDocument/2006/relationships" xmlns:p="http://schemas.openxmlformats.org/presentationml/2006/main">
+  <p:cSld>
+    <p:spTree>
+      <p:nvGrpSpPr>
+        <p:cNvPr id="1" name=""/>
+        <p:cNvGrpSpPr/>
+        <p:nvPr/>
+      </p:nvGrpSpPr>
+      <p:grpSpPr>
+        <a:xfrm>
+          <a:off x="0" y="0"/>
+          <a:ext cx="0" cy="0"/>
+          <a:chOff x="0" y="0"/>
+          <a:chExt cx="0" cy="0"/>
+        </a:xfrm>
+      </p:grpSpPr>
+      <p:sp>
+        <p:nvSpPr>
+          <p:cNvPr id="2" name="Заголовок 1"/>
+          <p:cNvSpPr>
+            <a:spLocks noGrp="1"/>
+          </p:cNvSpPr>
+          <p:nvPr>
+            <p:ph type="title"/>
+          </p:nvPr>
+        </p:nvSpPr>
+        <p:spPr/>
+        <p:txBody>
+          <a:bodyPr/>
+          <a:lstStyle/>
+          <a:p>
+            <a:r>
+              <a:rPr lang="en-US" dirty="0" smtClean="0"/>
+              <a:t>DDS</a:t>
             </a:r>
             <a:endParaRPr lang="ru-RU" dirty="0"/>
           </a:p>
@@ -4547,104 +4856,6 @@
 </p:sld>
 </file>
 
-<file path=ppt/slides/slide19.xml><?xml version="1.0" encoding="utf-8"?>
-<p:sld xmlns:a="http://schemas.openxmlformats.org/drawingml/2006/main" xmlns:r="http://schemas.openxmlformats.org/officeDocument/2006/relationships" xmlns:p="http://schemas.openxmlformats.org/presentationml/2006/main">
-  <p:cSld>
-    <p:spTree>
-      <p:nvGrpSpPr>
-        <p:cNvPr id="1" name=""/>
-        <p:cNvGrpSpPr/>
-        <p:nvPr/>
-      </p:nvGrpSpPr>
-      <p:grpSpPr>
-        <a:xfrm>
-          <a:off x="0" y="0"/>
-          <a:ext cx="0" cy="0"/>
-          <a:chOff x="0" y="0"/>
-          <a:chExt cx="0" cy="0"/>
-        </a:xfrm>
-      </p:grpSpPr>
-      <p:sp>
-        <p:nvSpPr>
-          <p:cNvPr id="3" name="Объект 2"/>
-          <p:cNvSpPr>
-            <a:spLocks noGrp="1"/>
-          </p:cNvSpPr>
-          <p:nvPr>
-            <p:ph idx="1"/>
-          </p:nvPr>
-        </p:nvSpPr>
-        <p:spPr/>
-        <p:txBody>
-          <a:bodyPr/>
-          <a:lstStyle/>
-          <a:p>
-            <a:r>
-              <a:rPr lang="en-US" dirty="0" smtClean="0"/>
-              <a:t>Compute all these features for three basic emotions: angry, happiness, sadness from training set</a:t>
-            </a:r>
-          </a:p>
-          <a:p>
-            <a:r>
-              <a:rPr lang="en-US" dirty="0"/>
-              <a:t>As a training set: </a:t>
-            </a:r>
-            <a:r>
-              <a:rPr lang="en-US" dirty="0" err="1"/>
-              <a:t>EmoDB</a:t>
-            </a:r>
-            <a:r>
-              <a:rPr lang="en-US" dirty="0"/>
-              <a:t>- records with </a:t>
-            </a:r>
-            <a:r>
-              <a:rPr lang="en-US" dirty="0" smtClean="0"/>
-              <a:t>different </a:t>
-            </a:r>
-            <a:r>
-              <a:rPr lang="en-US" dirty="0" smtClean="0"/>
-              <a:t>emotions</a:t>
-            </a:r>
-            <a:endParaRPr lang="en-US" dirty="0" smtClean="0"/>
-          </a:p>
-        </p:txBody>
-      </p:sp>
-      <p:sp>
-        <p:nvSpPr>
-          <p:cNvPr id="4" name="Заголовок 1"/>
-          <p:cNvSpPr>
-            <a:spLocks noGrp="1"/>
-          </p:cNvSpPr>
-          <p:nvPr>
-            <p:ph type="title"/>
-          </p:nvPr>
-        </p:nvSpPr>
-        <p:spPr/>
-        <p:txBody>
-          <a:bodyPr/>
-          <a:lstStyle/>
-          <a:p>
-            <a:r>
-              <a:rPr lang="en-US" dirty="0" smtClean="0"/>
-              <a:t>Features extraction</a:t>
-            </a:r>
-            <a:endParaRPr lang="ru-RU" dirty="0"/>
-          </a:p>
-        </p:txBody>
-      </p:sp>
-    </p:spTree>
-    <p:extLst>
-      <p:ext uri="{BB962C8B-B14F-4D97-AF65-F5344CB8AC3E}">
-        <p14:creationId xmlns:p14="http://schemas.microsoft.com/office/powerpoint/2010/main" val="834698071"/>
-      </p:ext>
-    </p:extLst>
-  </p:cSld>
-  <p:clrMapOvr>
-    <a:masterClrMapping/>
-  </p:clrMapOvr>
-</p:sld>
-</file>
-
 <file path=ppt/slides/slide2.xml><?xml version="1.0" encoding="utf-8"?>
 <p:sld xmlns:a="http://schemas.openxmlformats.org/drawingml/2006/main" xmlns:r="http://schemas.openxmlformats.org/officeDocument/2006/relationships" xmlns:p="http://schemas.openxmlformats.org/presentationml/2006/main">
   <p:cSld>
@@ -4679,15 +4890,7 @@
           <a:p>
             <a:r>
               <a:rPr lang="en-US" dirty="0" smtClean="0"/>
-              <a:t>Emotions are important</a:t>
-            </a:r>
-            <a:r>
-              <a:rPr lang="ru-RU" dirty="0"/>
-              <a:t> </a:t>
-            </a:r>
-            <a:r>
-              <a:rPr lang="en-US" dirty="0" smtClean="0"/>
-              <a:t>and recognizable:</a:t>
+              <a:t>Outline</a:t>
             </a:r>
             <a:endParaRPr lang="ru-RU" dirty="0"/>
           </a:p>
@@ -4695,7 +4898,7 @@
       </p:sp>
       <p:sp>
         <p:nvSpPr>
-          <p:cNvPr id="4" name="Объект 3"/>
+          <p:cNvPr id="3" name="Объект 2"/>
           <p:cNvSpPr>
             <a:spLocks noGrp="1"/>
           </p:cNvSpPr>
@@ -4708,45 +4911,42 @@
           <a:bodyPr/>
           <a:lstStyle/>
           <a:p>
-            <a:pPr>
-              <a:lnSpc>
-                <a:spcPct val="200000"/>
-              </a:lnSpc>
-            </a:pPr>
-            <a:r>
-              <a:rPr lang="en-US" dirty="0" smtClean="0"/>
-              <a:t>People express emotion not only by facial expressions and gestures</a:t>
-            </a:r>
-            <a:endParaRPr lang="en-US" dirty="0"/>
-          </a:p>
-          <a:p>
-            <a:pPr>
-              <a:lnSpc>
-                <a:spcPct val="200000"/>
-              </a:lnSpc>
-            </a:pPr>
-            <a:r>
-              <a:rPr lang="en-US" dirty="0" smtClean="0"/>
-              <a:t>We change acoustic characteristics of voice to express some emotion</a:t>
-            </a:r>
-          </a:p>
-          <a:p>
-            <a:pPr>
-              <a:lnSpc>
-                <a:spcPct val="200000"/>
-              </a:lnSpc>
-            </a:pPr>
-            <a:r>
-              <a:rPr lang="en-US" dirty="0" smtClean="0"/>
-              <a:t>There is many researches which associate this characteristics with emotions</a:t>
-            </a:r>
+            <a:r>
+              <a:rPr lang="en-US" dirty="0" smtClean="0"/>
+              <a:t>Introduction</a:t>
+            </a:r>
+          </a:p>
+          <a:p>
+            <a:r>
+              <a:rPr lang="en-US" dirty="0" smtClean="0"/>
+              <a:t>Overview</a:t>
+            </a:r>
+          </a:p>
+          <a:p>
+            <a:r>
+              <a:rPr lang="en-US" dirty="0" smtClean="0"/>
+              <a:t>Implementation</a:t>
+            </a:r>
+          </a:p>
+          <a:p>
+            <a:r>
+              <a:rPr lang="en-US" dirty="0" smtClean="0"/>
+              <a:t>Results</a:t>
+            </a:r>
+          </a:p>
+          <a:p>
+            <a:r>
+              <a:rPr lang="en-US" dirty="0" smtClean="0"/>
+              <a:t>Conclusions and further work</a:t>
+            </a:r>
+            <a:endParaRPr lang="ru-RU" dirty="0"/>
           </a:p>
         </p:txBody>
       </p:sp>
     </p:spTree>
     <p:extLst>
       <p:ext uri="{BB962C8B-B14F-4D97-AF65-F5344CB8AC3E}">
-        <p14:creationId xmlns:p14="http://schemas.microsoft.com/office/powerpoint/2010/main" val="2577610433"/>
+        <p14:creationId xmlns:p14="http://schemas.microsoft.com/office/powerpoint/2010/main" val="981938801"/>
       </p:ext>
     </p:extLst>
   </p:cSld>
@@ -4790,7 +4990,266 @@
           <a:p>
             <a:r>
               <a:rPr lang="en-US" dirty="0" smtClean="0"/>
-              <a:t>Features</a:t>
+              <a:t>Training set</a:t>
+            </a:r>
+            <a:endParaRPr lang="ru-RU" dirty="0"/>
+          </a:p>
+        </p:txBody>
+      </p:sp>
+      <p:sp>
+        <p:nvSpPr>
+          <p:cNvPr id="3" name="Объект 2"/>
+          <p:cNvSpPr>
+            <a:spLocks noGrp="1"/>
+          </p:cNvSpPr>
+          <p:nvPr>
+            <p:ph idx="1"/>
+          </p:nvPr>
+        </p:nvSpPr>
+        <p:spPr>
+          <a:xfrm>
+            <a:off x="838200" y="1690688"/>
+            <a:ext cx="10515600" cy="4351338"/>
+          </a:xfrm>
+        </p:spPr>
+        <p:txBody>
+          <a:bodyPr/>
+          <a:lstStyle/>
+          <a:p>
+            <a:pPr marL="0" indent="0">
+              <a:buNone/>
+            </a:pPr>
+            <a:r>
+              <a:rPr lang="en-US" sz="3600" dirty="0" err="1" smtClean="0"/>
+              <a:t>EmoDB</a:t>
+            </a:r>
+            <a:endParaRPr lang="en-US" sz="3600" dirty="0" smtClean="0"/>
+          </a:p>
+          <a:p>
+            <a:pPr marL="0" indent="0">
+              <a:buNone/>
+            </a:pPr>
+            <a:endParaRPr lang="en-US" dirty="0"/>
+          </a:p>
+          <a:p>
+            <a:r>
+              <a:rPr lang="en-US" dirty="0" smtClean="0"/>
+              <a:t>10 actors</a:t>
+            </a:r>
+          </a:p>
+          <a:p>
+            <a:r>
+              <a:rPr lang="en-US" dirty="0"/>
+              <a:t>7 emotions (</a:t>
+            </a:r>
+            <a:r>
+              <a:rPr lang="en-US" u="sng" dirty="0"/>
+              <a:t>anger</a:t>
+            </a:r>
+            <a:r>
+              <a:rPr lang="en-US" dirty="0"/>
+              <a:t>, boredom, disgust, fear, </a:t>
+            </a:r>
+            <a:r>
+              <a:rPr lang="en-US" u="sng" dirty="0"/>
+              <a:t>happiness</a:t>
+            </a:r>
+            <a:r>
+              <a:rPr lang="en-US" dirty="0"/>
+              <a:t>, </a:t>
+            </a:r>
+            <a:r>
+              <a:rPr lang="en-US" u="sng" dirty="0"/>
+              <a:t>sadness</a:t>
+            </a:r>
+            <a:r>
+              <a:rPr lang="en-US" dirty="0"/>
+              <a:t>, </a:t>
+            </a:r>
+            <a:r>
+              <a:rPr lang="en-US" u="sng" dirty="0"/>
+              <a:t>neutral</a:t>
+            </a:r>
+            <a:r>
+              <a:rPr lang="en-US" dirty="0" smtClean="0"/>
+              <a:t>)</a:t>
+            </a:r>
+          </a:p>
+          <a:p>
+            <a:r>
+              <a:rPr lang="en-US" dirty="0" smtClean="0"/>
+              <a:t>10 texts</a:t>
+            </a:r>
+          </a:p>
+          <a:p>
+            <a:r>
+              <a:rPr lang="en-US" dirty="0" smtClean="0"/>
+              <a:t>&gt;250 records for our goals (70% as a training set and 30 % for testing)</a:t>
+            </a:r>
+            <a:endParaRPr lang="ru-RU" dirty="0"/>
+          </a:p>
+        </p:txBody>
+      </p:sp>
+      <p:sp>
+        <p:nvSpPr>
+          <p:cNvPr id="4" name="TextBox 3"/>
+          <p:cNvSpPr txBox="1"/>
+          <p:nvPr/>
+        </p:nvSpPr>
+        <p:spPr>
+          <a:xfrm>
+            <a:off x="1031384" y="5672694"/>
+            <a:ext cx="2905411" cy="369332"/>
+          </a:xfrm>
+          <a:prstGeom prst="rect">
+            <a:avLst/>
+          </a:prstGeom>
+          <a:noFill/>
+        </p:spPr>
+        <p:txBody>
+          <a:bodyPr wrap="none" rtlCol="0">
+            <a:spAutoFit/>
+          </a:bodyPr>
+          <a:lstStyle/>
+          <a:p>
+            <a:r>
+              <a:rPr lang="en-US" smtClean="0"/>
+              <a:t>http://emodb.bilderbar.infoa</a:t>
+            </a:r>
+            <a:endParaRPr lang="ru-RU"/>
+          </a:p>
+        </p:txBody>
+      </p:sp>
+    </p:spTree>
+    <p:extLst>
+      <p:ext uri="{BB962C8B-B14F-4D97-AF65-F5344CB8AC3E}">
+        <p14:creationId xmlns:p14="http://schemas.microsoft.com/office/powerpoint/2010/main" val="635660232"/>
+      </p:ext>
+    </p:extLst>
+  </p:cSld>
+  <p:clrMapOvr>
+    <a:masterClrMapping/>
+  </p:clrMapOvr>
+</p:sld>
+</file>
+
+<file path=ppt/slides/slide21.xml><?xml version="1.0" encoding="utf-8"?>
+<p:sld xmlns:a="http://schemas.openxmlformats.org/drawingml/2006/main" xmlns:r="http://schemas.openxmlformats.org/officeDocument/2006/relationships" xmlns:p="http://schemas.openxmlformats.org/presentationml/2006/main">
+  <p:cSld>
+    <p:spTree>
+      <p:nvGrpSpPr>
+        <p:cNvPr id="1" name=""/>
+        <p:cNvGrpSpPr/>
+        <p:nvPr/>
+      </p:nvGrpSpPr>
+      <p:grpSpPr>
+        <a:xfrm>
+          <a:off x="0" y="0"/>
+          <a:ext cx="0" cy="0"/>
+          <a:chOff x="0" y="0"/>
+          <a:chExt cx="0" cy="0"/>
+        </a:xfrm>
+      </p:grpSpPr>
+      <p:sp>
+        <p:nvSpPr>
+          <p:cNvPr id="2" name="Заголовок 1"/>
+          <p:cNvSpPr>
+            <a:spLocks noGrp="1"/>
+          </p:cNvSpPr>
+          <p:nvPr>
+            <p:ph type="title"/>
+          </p:nvPr>
+        </p:nvSpPr>
+        <p:spPr/>
+        <p:txBody>
+          <a:bodyPr/>
+          <a:lstStyle/>
+          <a:p>
+            <a:r>
+              <a:rPr lang="en-US" dirty="0" smtClean="0"/>
+              <a:t>Classification using fuzzy sets</a:t>
+            </a:r>
+            <a:endParaRPr lang="ru-RU" dirty="0"/>
+          </a:p>
+        </p:txBody>
+      </p:sp>
+      <p:pic>
+        <p:nvPicPr>
+          <p:cNvPr id="4" name="Объект 3"/>
+          <p:cNvPicPr>
+            <a:picLocks noGrp="1" noChangeAspect="1"/>
+          </p:cNvPicPr>
+          <p:nvPr>
+            <p:ph idx="1"/>
+          </p:nvPr>
+        </p:nvPicPr>
+        <p:blipFill>
+          <a:blip r:embed="rId2">
+            <a:extLst>
+              <a:ext uri="{28A0092B-C50C-407E-A947-70E740481C1C}">
+                <a14:useLocalDpi xmlns:a14="http://schemas.microsoft.com/office/drawing/2010/main" val="0"/>
+              </a:ext>
+            </a:extLst>
+          </a:blip>
+          <a:stretch>
+            <a:fillRect/>
+          </a:stretch>
+        </p:blipFill>
+        <p:spPr>
+          <a:xfrm>
+            <a:off x="1326524" y="1848913"/>
+            <a:ext cx="7798849" cy="5541112"/>
+          </a:xfrm>
+        </p:spPr>
+      </p:pic>
+    </p:spTree>
+    <p:extLst>
+      <p:ext uri="{BB962C8B-B14F-4D97-AF65-F5344CB8AC3E}">
+        <p14:creationId xmlns:p14="http://schemas.microsoft.com/office/powerpoint/2010/main" val="4004038549"/>
+      </p:ext>
+    </p:extLst>
+  </p:cSld>
+  <p:clrMapOvr>
+    <a:masterClrMapping/>
+  </p:clrMapOvr>
+</p:sld>
+</file>
+
+<file path=ppt/slides/slide22.xml><?xml version="1.0" encoding="utf-8"?>
+<p:sld xmlns:a="http://schemas.openxmlformats.org/drawingml/2006/main" xmlns:r="http://schemas.openxmlformats.org/officeDocument/2006/relationships" xmlns:p="http://schemas.openxmlformats.org/presentationml/2006/main">
+  <p:cSld>
+    <p:spTree>
+      <p:nvGrpSpPr>
+        <p:cNvPr id="1" name=""/>
+        <p:cNvGrpSpPr/>
+        <p:nvPr/>
+      </p:nvGrpSpPr>
+      <p:grpSpPr>
+        <a:xfrm>
+          <a:off x="0" y="0"/>
+          <a:ext cx="0" cy="0"/>
+          <a:chOff x="0" y="0"/>
+          <a:chExt cx="0" cy="0"/>
+        </a:xfrm>
+      </p:grpSpPr>
+      <p:sp>
+        <p:nvSpPr>
+          <p:cNvPr id="2" name="Заголовок 1"/>
+          <p:cNvSpPr>
+            <a:spLocks noGrp="1"/>
+          </p:cNvSpPr>
+          <p:nvPr>
+            <p:ph type="title"/>
+          </p:nvPr>
+        </p:nvSpPr>
+        <p:spPr/>
+        <p:txBody>
+          <a:bodyPr/>
+          <a:lstStyle/>
+          <a:p>
+            <a:r>
+              <a:rPr lang="en-US" dirty="0" smtClean="0"/>
+              <a:t>Classification using fuzzy sets</a:t>
             </a:r>
             <a:endParaRPr lang="ru-RU" dirty="0"/>
           </a:p>
@@ -4798,2787 +5257,384 @@
       </p:sp>
       <p:graphicFrame>
         <p:nvGraphicFramePr>
-          <p:cNvPr id="4" name="Объект 3"/>
+          <p:cNvPr id="5" name="Таблица 4"/>
           <p:cNvGraphicFramePr>
             <a:graphicFrameLocks noGrp="1"/>
           </p:cNvGraphicFramePr>
           <p:nvPr>
-            <p:ph idx="1"/>
             <p:extLst>
               <p:ext uri="{D42A27DB-BD31-4B8C-83A1-F6EECF244321}">
-                <p14:modId xmlns:p14="http://schemas.microsoft.com/office/powerpoint/2010/main" val="2988837295"/>
+                <p14:modId xmlns:p14="http://schemas.microsoft.com/office/powerpoint/2010/main" val="1922026885"/>
               </p:ext>
             </p:extLst>
           </p:nvPr>
         </p:nvGraphicFramePr>
         <p:xfrm>
-          <a:off x="509515" y="1852827"/>
-          <a:ext cx="11227559" cy="4347426"/>
+          <a:off x="1001689" y="1895072"/>
+          <a:ext cx="8477162" cy="1854200"/>
         </p:xfrm>
         <a:graphic>
           <a:graphicData uri="http://schemas.openxmlformats.org/drawingml/2006/table">
             <a:tbl>
-              <a:tblPr>
-                <a:tableStyleId>{5C22544A-7EE6-4342-B048-85BDC9FD1C3A}</a:tableStyleId>
+              <a:tblPr firstRow="1" bandRow="1">
+                <a:tableStyleId>{5940675A-B579-460E-94D1-54222C63F5DA}</a:tableStyleId>
               </a:tblPr>
               <a:tblGrid>
-                <a:gridCol w="609601"/>
-                <a:gridCol w="614150"/>
-                <a:gridCol w="682388"/>
-                <a:gridCol w="532262"/>
-                <a:gridCol w="532263"/>
-                <a:gridCol w="573206"/>
-                <a:gridCol w="723331"/>
-                <a:gridCol w="573206"/>
-                <a:gridCol w="464024"/>
-                <a:gridCol w="545911"/>
-                <a:gridCol w="559558"/>
-                <a:gridCol w="518615"/>
-                <a:gridCol w="586854"/>
-                <a:gridCol w="736979"/>
-                <a:gridCol w="777922"/>
-                <a:gridCol w="750627"/>
-                <a:gridCol w="805218"/>
-                <a:gridCol w="641444"/>
+                <a:gridCol w="1947572"/>
+                <a:gridCol w="1558345"/>
+                <a:gridCol w="1609859"/>
+                <a:gridCol w="1700011"/>
+                <a:gridCol w="1661375"/>
               </a:tblGrid>
-              <a:tr h="702866">
+              <a:tr h="370840">
                 <a:tc>
                   <a:txBody>
                     <a:bodyPr/>
                     <a:lstStyle/>
                     <a:p>
-                      <a:pPr algn="l" fontAlgn="b"/>
-                      <a:endParaRPr lang="ru-RU" sz="1400" b="0" i="0" u="none" strike="noStrike" dirty="0">
-                        <a:solidFill>
-                          <a:srgbClr val="000000"/>
-                        </a:solidFill>
-                        <a:effectLst/>
-                        <a:latin typeface="Calibri" panose="020F0502020204030204" pitchFamily="34" charset="0"/>
-                      </a:endParaRPr>
+                      <a:endParaRPr lang="ru-RU" dirty="0"/>
                     </a:p>
                   </a:txBody>
-                  <a:tcPr marL="5855" marR="5855" marT="5855" marB="0" anchor="b">
-                    <a:solidFill>
-                      <a:schemeClr val="bg1">
-                        <a:lumMod val="75000"/>
-                      </a:schemeClr>
-                    </a:solidFill>
-                  </a:tcPr>
+                  <a:tcPr/>
                 </a:tc>
                 <a:tc>
                   <a:txBody>
                     <a:bodyPr/>
                     <a:lstStyle/>
                     <a:p>
-                      <a:pPr algn="l" fontAlgn="b"/>
                       <a:r>
-                        <a:rPr lang="en-US" sz="1400" u="none" strike="noStrike" dirty="0" err="1">
-                          <a:effectLst/>
-                        </a:rPr>
-                        <a:t>PitchDIf</a:t>
+                        <a:rPr lang="en-US" dirty="0" smtClean="0"/>
+                        <a:t>Anger</a:t>
                       </a:r>
-                      <a:endParaRPr lang="en-US" sz="1400" b="0" i="0" u="none" strike="noStrike" dirty="0">
-                        <a:solidFill>
-                          <a:srgbClr val="000000"/>
-                        </a:solidFill>
-                        <a:effectLst/>
-                        <a:latin typeface="Calibri" panose="020F0502020204030204" pitchFamily="34" charset="0"/>
-                      </a:endParaRPr>
+                      <a:endParaRPr lang="ru-RU" dirty="0"/>
                     </a:p>
                   </a:txBody>
-                  <a:tcPr marL="5855" marR="5855" marT="5855" marB="0" anchor="b">
-                    <a:solidFill>
-                      <a:schemeClr val="bg1">
-                        <a:lumMod val="75000"/>
-                      </a:schemeClr>
-                    </a:solidFill>
-                  </a:tcPr>
+                  <a:tcPr/>
                 </a:tc>
                 <a:tc>
                   <a:txBody>
                     <a:bodyPr/>
                     <a:lstStyle/>
                     <a:p>
-                      <a:pPr algn="l" fontAlgn="b"/>
                       <a:r>
-                        <a:rPr lang="en-US" sz="1400" u="none" strike="noStrike" dirty="0" err="1">
-                          <a:effectLst/>
-                        </a:rPr>
-                        <a:t>PitchDis</a:t>
+                        <a:rPr lang="en-US" dirty="0" smtClean="0"/>
+                        <a:t>Happiness</a:t>
                       </a:r>
-                      <a:endParaRPr lang="en-US" sz="1400" b="0" i="0" u="none" strike="noStrike" dirty="0">
-                        <a:solidFill>
-                          <a:srgbClr val="000000"/>
-                        </a:solidFill>
-                        <a:effectLst/>
-                        <a:latin typeface="Calibri" panose="020F0502020204030204" pitchFamily="34" charset="0"/>
-                      </a:endParaRPr>
+                      <a:endParaRPr lang="ru-RU" dirty="0"/>
                     </a:p>
                   </a:txBody>
-                  <a:tcPr marL="5855" marR="5855" marT="5855" marB="0" anchor="b">
-                    <a:solidFill>
-                      <a:schemeClr val="bg1">
-                        <a:lumMod val="75000"/>
-                      </a:schemeClr>
-                    </a:solidFill>
-                  </a:tcPr>
+                  <a:tcPr/>
                 </a:tc>
                 <a:tc>
                   <a:txBody>
                     <a:bodyPr/>
                     <a:lstStyle/>
                     <a:p>
-                      <a:pPr algn="l" fontAlgn="b"/>
                       <a:r>
-                        <a:rPr lang="en-US" sz="1400" u="none" strike="noStrike">
-                          <a:effectLst/>
-                        </a:rPr>
-                        <a:t>IntDif</a:t>
+                        <a:rPr lang="en-US" dirty="0" smtClean="0"/>
+                        <a:t>Sadness</a:t>
                       </a:r>
-                      <a:endParaRPr lang="en-US" sz="1400" b="0" i="0" u="none" strike="noStrike">
-                        <a:solidFill>
-                          <a:srgbClr val="000000"/>
-                        </a:solidFill>
-                        <a:effectLst/>
-                        <a:latin typeface="Calibri" panose="020F0502020204030204" pitchFamily="34" charset="0"/>
-                      </a:endParaRPr>
+                      <a:endParaRPr lang="ru-RU" dirty="0"/>
                     </a:p>
                   </a:txBody>
-                  <a:tcPr marL="5855" marR="5855" marT="5855" marB="0" anchor="b">
-                    <a:solidFill>
-                      <a:schemeClr val="bg1">
-                        <a:lumMod val="75000"/>
-                      </a:schemeClr>
-                    </a:solidFill>
-                  </a:tcPr>
+                  <a:tcPr/>
                 </a:tc>
                 <a:tc>
                   <a:txBody>
                     <a:bodyPr/>
                     <a:lstStyle/>
                     <a:p>
-                      <a:pPr algn="l" fontAlgn="b"/>
                       <a:r>
-                        <a:rPr lang="en-US" sz="1400" u="none" strike="noStrike" dirty="0" err="1">
-                          <a:effectLst/>
-                        </a:rPr>
-                        <a:t>IntDis</a:t>
+                        <a:rPr lang="en-US" dirty="0" smtClean="0"/>
+                        <a:t>Neutral</a:t>
                       </a:r>
-                      <a:endParaRPr lang="en-US" sz="1400" b="0" i="0" u="none" strike="noStrike" dirty="0">
-                        <a:solidFill>
-                          <a:srgbClr val="000000"/>
-                        </a:solidFill>
-                        <a:effectLst/>
-                        <a:latin typeface="Calibri" panose="020F0502020204030204" pitchFamily="34" charset="0"/>
-                      </a:endParaRPr>
+                      <a:endParaRPr lang="ru-RU" dirty="0"/>
                     </a:p>
                   </a:txBody>
-                  <a:tcPr marL="5855" marR="5855" marT="5855" marB="0" anchor="b">
-                    <a:solidFill>
-                      <a:schemeClr val="bg1">
-                        <a:lumMod val="75000"/>
-                      </a:schemeClr>
-                    </a:solidFill>
-                  </a:tcPr>
+                  <a:tcPr/>
+                </a:tc>
+              </a:tr>
+              <a:tr h="370840">
+                <a:tc>
+                  <a:txBody>
+                    <a:bodyPr/>
+                    <a:lstStyle/>
+                    <a:p>
+                      <a:r>
+                        <a:rPr lang="en-US" dirty="0" smtClean="0"/>
+                        <a:t>Pitch range</a:t>
+                      </a:r>
+                      <a:endParaRPr lang="ru-RU" dirty="0"/>
+                    </a:p>
+                  </a:txBody>
+                  <a:tcPr/>
                 </a:tc>
                 <a:tc>
                   <a:txBody>
                     <a:bodyPr/>
                     <a:lstStyle/>
                     <a:p>
-                      <a:pPr algn="l" fontAlgn="b"/>
                       <a:r>
-                        <a:rPr lang="en-US" sz="1400" u="none" strike="noStrike" dirty="0">
-                          <a:effectLst/>
-                        </a:rPr>
-                        <a:t>F1Dif</a:t>
+                        <a:rPr lang="en-US" dirty="0" smtClean="0"/>
+                        <a:t>High</a:t>
                       </a:r>
-                      <a:endParaRPr lang="en-US" sz="1400" b="0" i="0" u="none" strike="noStrike" dirty="0">
-                        <a:solidFill>
-                          <a:srgbClr val="000000"/>
-                        </a:solidFill>
-                        <a:effectLst/>
-                        <a:latin typeface="Calibri" panose="020F0502020204030204" pitchFamily="34" charset="0"/>
-                      </a:endParaRPr>
+                      <a:endParaRPr lang="ru-RU" dirty="0"/>
                     </a:p>
                   </a:txBody>
-                  <a:tcPr marL="5855" marR="5855" marT="5855" marB="0" anchor="b">
-                    <a:solidFill>
-                      <a:schemeClr val="bg1">
-                        <a:lumMod val="75000"/>
-                      </a:schemeClr>
-                    </a:solidFill>
-                  </a:tcPr>
+                  <a:tcPr/>
                 </a:tc>
                 <a:tc>
                   <a:txBody>
                     <a:bodyPr/>
                     <a:lstStyle/>
                     <a:p>
-                      <a:pPr algn="l" fontAlgn="b"/>
                       <a:r>
-                        <a:rPr lang="en-US" sz="1400" u="none" strike="noStrike">
-                          <a:effectLst/>
-                        </a:rPr>
-                        <a:t>ddsF1Dis</a:t>
+                        <a:rPr lang="en-US" dirty="0" smtClean="0"/>
+                        <a:t>High</a:t>
                       </a:r>
-                      <a:endParaRPr lang="en-US" sz="1400" b="0" i="0" u="none" strike="noStrike">
-                        <a:solidFill>
-                          <a:srgbClr val="000000"/>
-                        </a:solidFill>
-                        <a:effectLst/>
-                        <a:latin typeface="Calibri" panose="020F0502020204030204" pitchFamily="34" charset="0"/>
-                      </a:endParaRPr>
+                      <a:endParaRPr lang="ru-RU" dirty="0"/>
                     </a:p>
                   </a:txBody>
-                  <a:tcPr marL="5855" marR="5855" marT="5855" marB="0" anchor="b">
-                    <a:solidFill>
-                      <a:schemeClr val="bg1">
-                        <a:lumMod val="75000"/>
-                      </a:schemeClr>
-                    </a:solidFill>
-                  </a:tcPr>
+                  <a:tcPr/>
                 </a:tc>
                 <a:tc>
                   <a:txBody>
                     <a:bodyPr/>
                     <a:lstStyle/>
                     <a:p>
-                      <a:pPr algn="l" fontAlgn="b"/>
                       <a:r>
-                        <a:rPr lang="en-US" sz="1400" u="none" strike="noStrike">
-                          <a:effectLst/>
-                        </a:rPr>
-                        <a:t>F2dif</a:t>
+                        <a:rPr lang="en-US" dirty="0" smtClean="0"/>
+                        <a:t>Low</a:t>
                       </a:r>
-                      <a:endParaRPr lang="en-US" sz="1400" b="0" i="0" u="none" strike="noStrike">
-                        <a:solidFill>
-                          <a:srgbClr val="000000"/>
-                        </a:solidFill>
-                        <a:effectLst/>
-                        <a:latin typeface="Calibri" panose="020F0502020204030204" pitchFamily="34" charset="0"/>
-                      </a:endParaRPr>
+                      <a:endParaRPr lang="ru-RU" dirty="0"/>
                     </a:p>
                   </a:txBody>
-                  <a:tcPr marL="5855" marR="5855" marT="5855" marB="0" anchor="b">
-                    <a:solidFill>
-                      <a:schemeClr val="bg1">
-                        <a:lumMod val="75000"/>
-                      </a:schemeClr>
-                    </a:solidFill>
-                  </a:tcPr>
+                  <a:tcPr/>
                 </a:tc>
                 <a:tc>
                   <a:txBody>
                     <a:bodyPr/>
                     <a:lstStyle/>
                     <a:p>
-                      <a:pPr algn="l" fontAlgn="b"/>
                       <a:r>
-                        <a:rPr lang="en-US" sz="1400" u="none" strike="noStrike" dirty="0">
-                          <a:effectLst/>
-                        </a:rPr>
-                        <a:t>F2Dis</a:t>
+                        <a:rPr lang="en-US" dirty="0" smtClean="0"/>
+                        <a:t>Low</a:t>
                       </a:r>
-                      <a:endParaRPr lang="en-US" sz="1400" b="0" i="0" u="none" strike="noStrike" dirty="0">
-                        <a:solidFill>
-                          <a:srgbClr val="000000"/>
-                        </a:solidFill>
-                        <a:effectLst/>
-                        <a:latin typeface="Calibri" panose="020F0502020204030204" pitchFamily="34" charset="0"/>
-                      </a:endParaRPr>
                     </a:p>
                   </a:txBody>
-                  <a:tcPr marL="5855" marR="5855" marT="5855" marB="0" anchor="b">
-                    <a:solidFill>
-                      <a:schemeClr val="bg1">
-                        <a:lumMod val="75000"/>
-                      </a:schemeClr>
-                    </a:solidFill>
-                  </a:tcPr>
+                  <a:tcPr/>
+                </a:tc>
+              </a:tr>
+              <a:tr h="370840">
+                <a:tc>
+                  <a:txBody>
+                    <a:bodyPr/>
+                    <a:lstStyle/>
+                    <a:p>
+                      <a:r>
+                        <a:rPr lang="en-US" dirty="0" smtClean="0"/>
+                        <a:t>Phrase</a:t>
+                      </a:r>
+                      <a:r>
+                        <a:rPr lang="en-US" baseline="0" dirty="0" smtClean="0"/>
+                        <a:t> d</a:t>
+                      </a:r>
+                      <a:r>
+                        <a:rPr lang="en-US" dirty="0" smtClean="0"/>
+                        <a:t>uration</a:t>
+                      </a:r>
+                      <a:endParaRPr lang="ru-RU" dirty="0"/>
+                    </a:p>
+                  </a:txBody>
+                  <a:tcPr/>
                 </a:tc>
                 <a:tc>
                   <a:txBody>
                     <a:bodyPr/>
                     <a:lstStyle/>
                     <a:p>
-                      <a:pPr algn="l" fontAlgn="b"/>
                       <a:r>
-                        <a:rPr lang="en-US" sz="1400" u="none" strike="noStrike" dirty="0">
-                          <a:effectLst/>
-                        </a:rPr>
-                        <a:t>F3Dif</a:t>
+                        <a:rPr lang="en-US" dirty="0" smtClean="0"/>
+                        <a:t>Low</a:t>
                       </a:r>
-                      <a:endParaRPr lang="en-US" sz="1400" b="0" i="0" u="none" strike="noStrike" dirty="0">
-                        <a:solidFill>
-                          <a:srgbClr val="000000"/>
-                        </a:solidFill>
-                        <a:effectLst/>
-                        <a:latin typeface="Calibri" panose="020F0502020204030204" pitchFamily="34" charset="0"/>
-                      </a:endParaRPr>
+                      <a:endParaRPr lang="ru-RU" dirty="0"/>
                     </a:p>
                   </a:txBody>
-                  <a:tcPr marL="5855" marR="5855" marT="5855" marB="0" anchor="b">
-                    <a:solidFill>
-                      <a:schemeClr val="bg1">
-                        <a:lumMod val="75000"/>
-                      </a:schemeClr>
-                    </a:solidFill>
-                  </a:tcPr>
+                  <a:tcPr/>
                 </a:tc>
                 <a:tc>
                   <a:txBody>
                     <a:bodyPr/>
                     <a:lstStyle/>
                     <a:p>
-                      <a:pPr algn="l" fontAlgn="b"/>
                       <a:r>
-                        <a:rPr lang="en-US" sz="1400" u="none" strike="noStrike">
-                          <a:effectLst/>
-                        </a:rPr>
-                        <a:t>F3Dis</a:t>
+                        <a:rPr lang="en-US" dirty="0" smtClean="0"/>
+                        <a:t>High</a:t>
                       </a:r>
-                      <a:endParaRPr lang="en-US" sz="1400" b="0" i="0" u="none" strike="noStrike">
-                        <a:solidFill>
-                          <a:srgbClr val="000000"/>
-                        </a:solidFill>
-                        <a:effectLst/>
-                        <a:latin typeface="Calibri" panose="020F0502020204030204" pitchFamily="34" charset="0"/>
-                      </a:endParaRPr>
+                      <a:endParaRPr lang="ru-RU" dirty="0"/>
                     </a:p>
                   </a:txBody>
-                  <a:tcPr marL="5855" marR="5855" marT="5855" marB="0" anchor="b">
-                    <a:solidFill>
-                      <a:schemeClr val="bg1">
-                        <a:lumMod val="75000"/>
-                      </a:schemeClr>
-                    </a:solidFill>
-                  </a:tcPr>
+                  <a:tcPr/>
                 </a:tc>
                 <a:tc>
                   <a:txBody>
                     <a:bodyPr/>
                     <a:lstStyle/>
                     <a:p>
-                      <a:pPr algn="l" fontAlgn="b"/>
                       <a:r>
-                        <a:rPr lang="en-US" sz="1400" u="none" strike="noStrike" dirty="0" smtClean="0">
-                          <a:effectLst/>
-                        </a:rPr>
-                        <a:t>Pitch</a:t>
+                        <a:rPr lang="en-US" dirty="0" smtClean="0"/>
+                        <a:t>High</a:t>
                       </a:r>
-                    </a:p>
-                    <a:p>
-                      <a:pPr algn="l" fontAlgn="b"/>
-                      <a:r>
-                        <a:rPr lang="en-US" sz="1400" u="none" strike="noStrike" dirty="0" smtClean="0">
-                          <a:effectLst/>
-                        </a:rPr>
-                        <a:t>Range</a:t>
-                      </a:r>
-                      <a:endParaRPr lang="en-US" sz="1400" b="0" i="0" u="none" strike="noStrike" dirty="0">
-                        <a:solidFill>
-                          <a:srgbClr val="000000"/>
-                        </a:solidFill>
-                        <a:effectLst/>
-                        <a:latin typeface="Calibri" panose="020F0502020204030204" pitchFamily="34" charset="0"/>
-                      </a:endParaRPr>
+                      <a:endParaRPr lang="ru-RU" dirty="0"/>
                     </a:p>
                   </a:txBody>
-                  <a:tcPr marL="5855" marR="5855" marT="5855" marB="0" anchor="b">
-                    <a:solidFill>
-                      <a:schemeClr val="bg1">
-                        <a:lumMod val="75000"/>
-                      </a:schemeClr>
-                    </a:solidFill>
-                  </a:tcPr>
+                  <a:tcPr/>
                 </a:tc>
                 <a:tc>
                   <a:txBody>
                     <a:bodyPr/>
                     <a:lstStyle/>
                     <a:p>
-                      <a:pPr algn="l" fontAlgn="b"/>
                       <a:r>
-                        <a:rPr lang="en-US" sz="1400" u="none" strike="noStrike" dirty="0" err="1" smtClean="0">
-                          <a:effectLst/>
-                        </a:rPr>
-                        <a:t>Int</a:t>
+                        <a:rPr lang="en-US" dirty="0" smtClean="0"/>
+                        <a:t>Low</a:t>
                       </a:r>
-                      <a:endParaRPr lang="en-US" sz="1400" u="none" strike="noStrike" dirty="0" smtClean="0">
-                        <a:effectLst/>
-                      </a:endParaRPr>
-                    </a:p>
-                    <a:p>
-                      <a:pPr algn="l" fontAlgn="b"/>
-                      <a:r>
-                        <a:rPr lang="en-US" sz="1400" u="none" strike="noStrike" dirty="0" smtClean="0">
-                          <a:effectLst/>
-                        </a:rPr>
-                        <a:t>Range</a:t>
-                      </a:r>
-                      <a:endParaRPr lang="en-US" sz="1400" b="0" i="0" u="none" strike="noStrike" dirty="0">
-                        <a:solidFill>
-                          <a:srgbClr val="000000"/>
-                        </a:solidFill>
-                        <a:effectLst/>
-                        <a:latin typeface="Calibri" panose="020F0502020204030204" pitchFamily="34" charset="0"/>
-                      </a:endParaRPr>
+                      <a:endParaRPr lang="ru-RU" dirty="0"/>
                     </a:p>
                   </a:txBody>
-                  <a:tcPr marL="5855" marR="5855" marT="5855" marB="0" anchor="b">
-                    <a:solidFill>
-                      <a:schemeClr val="bg1">
-                        <a:lumMod val="75000"/>
-                      </a:schemeClr>
-                    </a:solidFill>
-                  </a:tcPr>
+                  <a:tcPr/>
+                </a:tc>
+              </a:tr>
+              <a:tr h="370840">
+                <a:tc>
+                  <a:txBody>
+                    <a:bodyPr/>
+                    <a:lstStyle/>
+                    <a:p>
+                      <a:r>
+                        <a:rPr lang="en-US" dirty="0" smtClean="0"/>
+                        <a:t>Intensity</a:t>
+                      </a:r>
+                      <a:r>
+                        <a:rPr lang="en-US" baseline="0" dirty="0" smtClean="0"/>
+                        <a:t> variance</a:t>
+                      </a:r>
+                      <a:endParaRPr lang="ru-RU" dirty="0"/>
+                    </a:p>
+                  </a:txBody>
+                  <a:tcPr/>
                 </a:tc>
                 <a:tc>
                   <a:txBody>
                     <a:bodyPr/>
                     <a:lstStyle/>
                     <a:p>
-                      <a:pPr algn="l" fontAlgn="b"/>
                       <a:r>
-                        <a:rPr lang="en-US" sz="1400" u="none" strike="noStrike" dirty="0" smtClean="0">
-                          <a:effectLst/>
-                        </a:rPr>
-                        <a:t>Pitch</a:t>
+                        <a:rPr lang="en-US" dirty="0" smtClean="0"/>
+                        <a:t>High</a:t>
                       </a:r>
-                    </a:p>
-                    <a:p>
-                      <a:pPr algn="l" fontAlgn="b"/>
-                      <a:r>
-                        <a:rPr lang="en-US" sz="1400" u="none" strike="noStrike" dirty="0" smtClean="0">
-                          <a:effectLst/>
-                        </a:rPr>
-                        <a:t>Variance</a:t>
-                      </a:r>
-                      <a:endParaRPr lang="en-US" sz="1400" b="0" i="0" u="none" strike="noStrike" dirty="0">
-                        <a:solidFill>
-                          <a:srgbClr val="000000"/>
-                        </a:solidFill>
-                        <a:effectLst/>
-                        <a:latin typeface="Calibri" panose="020F0502020204030204" pitchFamily="34" charset="0"/>
-                      </a:endParaRPr>
+                      <a:endParaRPr lang="ru-RU" dirty="0"/>
                     </a:p>
                   </a:txBody>
-                  <a:tcPr marL="5855" marR="5855" marT="5855" marB="0" anchor="b">
-                    <a:solidFill>
-                      <a:schemeClr val="bg1">
-                        <a:lumMod val="75000"/>
-                      </a:schemeClr>
-                    </a:solidFill>
-                  </a:tcPr>
+                  <a:tcPr/>
                 </a:tc>
                 <a:tc>
                   <a:txBody>
                     <a:bodyPr/>
                     <a:lstStyle/>
                     <a:p>
-                      <a:pPr algn="l" fontAlgn="b"/>
                       <a:r>
-                        <a:rPr lang="en-US" sz="1400" u="none" strike="noStrike" dirty="0" err="1" smtClean="0">
-                          <a:effectLst/>
-                        </a:rPr>
-                        <a:t>Int</a:t>
+                        <a:rPr lang="en-US" dirty="0" smtClean="0"/>
+                        <a:t>High</a:t>
                       </a:r>
-                      <a:endParaRPr lang="en-US" sz="1400" u="none" strike="noStrike" dirty="0" smtClean="0">
-                        <a:effectLst/>
-                      </a:endParaRPr>
-                    </a:p>
-                    <a:p>
-                      <a:pPr algn="l" fontAlgn="b"/>
-                      <a:r>
-                        <a:rPr lang="en-US" sz="1400" u="none" strike="noStrike" dirty="0" smtClean="0">
-                          <a:effectLst/>
-                        </a:rPr>
-                        <a:t>Variance</a:t>
-                      </a:r>
-                      <a:endParaRPr lang="en-US" sz="1400" b="0" i="0" u="none" strike="noStrike" dirty="0">
-                        <a:solidFill>
-                          <a:srgbClr val="000000"/>
-                        </a:solidFill>
-                        <a:effectLst/>
-                        <a:latin typeface="Calibri" panose="020F0502020204030204" pitchFamily="34" charset="0"/>
-                      </a:endParaRPr>
+                      <a:endParaRPr lang="ru-RU" dirty="0"/>
                     </a:p>
                   </a:txBody>
-                  <a:tcPr marL="5855" marR="5855" marT="5855" marB="0" anchor="b">
-                    <a:solidFill>
-                      <a:schemeClr val="bg1">
-                        <a:lumMod val="75000"/>
-                      </a:schemeClr>
-                    </a:solidFill>
-                  </a:tcPr>
+                  <a:tcPr/>
                 </a:tc>
                 <a:tc>
                   <a:txBody>
                     <a:bodyPr/>
                     <a:lstStyle/>
                     <a:p>
-                      <a:pPr algn="l" fontAlgn="b"/>
                       <a:r>
-                        <a:rPr lang="en-US" sz="1400" u="none" strike="noStrike" dirty="0" smtClean="0">
-                          <a:effectLst/>
-                        </a:rPr>
-                        <a:t>Phrase</a:t>
+                        <a:rPr lang="en-US" dirty="0" smtClean="0"/>
+                        <a:t>Low</a:t>
                       </a:r>
-                    </a:p>
-                    <a:p>
-                      <a:pPr algn="l" fontAlgn="b"/>
-                      <a:r>
-                        <a:rPr lang="en-US" sz="1400" u="none" strike="noStrike" dirty="0" smtClean="0">
-                          <a:effectLst/>
-                        </a:rPr>
-                        <a:t>Duration</a:t>
-                      </a:r>
-                      <a:endParaRPr lang="en-US" sz="1400" b="0" i="0" u="none" strike="noStrike" dirty="0">
-                        <a:solidFill>
-                          <a:srgbClr val="000000"/>
-                        </a:solidFill>
-                        <a:effectLst/>
-                        <a:latin typeface="Calibri" panose="020F0502020204030204" pitchFamily="34" charset="0"/>
-                      </a:endParaRPr>
+                      <a:endParaRPr lang="ru-RU" dirty="0"/>
                     </a:p>
                   </a:txBody>
-                  <a:tcPr marL="5855" marR="5855" marT="5855" marB="0" anchor="b">
-                    <a:solidFill>
-                      <a:schemeClr val="bg1">
-                        <a:lumMod val="75000"/>
-                      </a:schemeClr>
-                    </a:solidFill>
-                  </a:tcPr>
+                  <a:tcPr/>
                 </a:tc>
                 <a:tc>
                   <a:txBody>
                     <a:bodyPr/>
                     <a:lstStyle/>
                     <a:p>
-                      <a:pPr algn="l" fontAlgn="b"/>
                       <a:r>
-                        <a:rPr lang="en-US" sz="1400" u="none" strike="noStrike" dirty="0" smtClean="0">
-                          <a:effectLst/>
-                        </a:rPr>
-                        <a:t>Silence</a:t>
+                        <a:rPr lang="en-US" dirty="0" smtClean="0"/>
+                        <a:t>Low</a:t>
                       </a:r>
-                    </a:p>
-                    <a:p>
-                      <a:pPr algn="l" fontAlgn="b"/>
-                      <a:r>
-                        <a:rPr lang="en-US" sz="1400" u="none" strike="noStrike" dirty="0" smtClean="0">
-                          <a:effectLst/>
-                        </a:rPr>
-                        <a:t>Duration</a:t>
-                      </a:r>
-                      <a:endParaRPr lang="en-US" sz="1400" b="0" i="0" u="none" strike="noStrike" dirty="0">
-                        <a:solidFill>
-                          <a:srgbClr val="000000"/>
-                        </a:solidFill>
-                        <a:effectLst/>
-                        <a:latin typeface="Calibri" panose="020F0502020204030204" pitchFamily="34" charset="0"/>
-                      </a:endParaRPr>
+                      <a:endParaRPr lang="ru-RU" dirty="0"/>
                     </a:p>
                   </a:txBody>
-                  <a:tcPr marL="5855" marR="5855" marT="5855" marB="0" anchor="b">
-                    <a:solidFill>
-                      <a:schemeClr val="bg1">
-                        <a:lumMod val="75000"/>
-                      </a:schemeClr>
-                    </a:solidFill>
-                  </a:tcPr>
+                  <a:tcPr/>
+                </a:tc>
+              </a:tr>
+              <a:tr h="370840">
+                <a:tc>
+                  <a:txBody>
+                    <a:bodyPr/>
+                    <a:lstStyle/>
+                    <a:p>
+                      <a:r>
+                        <a:rPr lang="en-US" dirty="0" smtClean="0"/>
+                        <a:t>…</a:t>
+                      </a:r>
+                      <a:endParaRPr lang="ru-RU" dirty="0"/>
+                    </a:p>
+                  </a:txBody>
+                  <a:tcPr/>
                 </a:tc>
                 <a:tc>
                   <a:txBody>
                     <a:bodyPr/>
                     <a:lstStyle/>
                     <a:p>
-                      <a:pPr algn="l" fontAlgn="b"/>
-                      <a:r>
-                        <a:rPr lang="en-US" sz="1400" u="none" strike="noStrike">
-                          <a:effectLst/>
-                        </a:rPr>
-                        <a:t>Centroid</a:t>
-                      </a:r>
-                      <a:endParaRPr lang="en-US" sz="1400" b="0" i="0" u="none" strike="noStrike">
-                        <a:solidFill>
-                          <a:srgbClr val="000000"/>
-                        </a:solidFill>
-                        <a:effectLst/>
-                        <a:latin typeface="Calibri" panose="020F0502020204030204" pitchFamily="34" charset="0"/>
-                      </a:endParaRPr>
+                      <a:endParaRPr lang="ru-RU"/>
                     </a:p>
                   </a:txBody>
-                  <a:tcPr marL="5855" marR="5855" marT="5855" marB="0" anchor="b">
-                    <a:solidFill>
-                      <a:schemeClr val="bg1">
-                        <a:lumMod val="75000"/>
-                      </a:schemeClr>
-                    </a:solidFill>
-                  </a:tcPr>
-                </a:tc>
-              </a:tr>
-              <a:tr h="935499">
-                <a:tc>
-                  <a:txBody>
-                    <a:bodyPr/>
-                    <a:lstStyle/>
-                    <a:p>
-                      <a:pPr algn="l" fontAlgn="b"/>
-                      <a:r>
-                        <a:rPr lang="en-US" sz="1400" u="none" strike="noStrike" dirty="0">
-                          <a:effectLst/>
-                        </a:rPr>
-                        <a:t>anger</a:t>
-                      </a:r>
-                      <a:endParaRPr lang="en-US" sz="1400" b="0" i="0" u="none" strike="noStrike" dirty="0">
-                        <a:solidFill>
-                          <a:srgbClr val="000000"/>
-                        </a:solidFill>
-                        <a:effectLst/>
-                        <a:latin typeface="Calibri" panose="020F0502020204030204" pitchFamily="34" charset="0"/>
-                      </a:endParaRPr>
-                    </a:p>
-                  </a:txBody>
-                  <a:tcPr marL="5855" marR="5855" marT="5855" marB="0" anchor="b">
-                    <a:solidFill>
-                      <a:schemeClr val="bg1">
-                        <a:lumMod val="75000"/>
-                      </a:schemeClr>
-                    </a:solidFill>
-                  </a:tcPr>
+                  <a:tcPr/>
                 </a:tc>
                 <a:tc>
                   <a:txBody>
                     <a:bodyPr/>
                     <a:lstStyle/>
                     <a:p>
-                      <a:pPr algn="r" fontAlgn="b"/>
-                      <a:r>
-                        <a:rPr lang="ru-RU" sz="1400" u="none" strike="noStrike" dirty="0" smtClean="0">
-                          <a:effectLst/>
-                        </a:rPr>
-                        <a:t>137,08</a:t>
-                      </a:r>
-                      <a:endParaRPr lang="ru-RU" sz="1400" b="0" i="0" u="none" strike="noStrike" dirty="0">
-                        <a:solidFill>
-                          <a:srgbClr val="000000"/>
-                        </a:solidFill>
-                        <a:effectLst/>
-                        <a:latin typeface="Calibri" panose="020F0502020204030204" pitchFamily="34" charset="0"/>
-                      </a:endParaRPr>
+                      <a:endParaRPr lang="ru-RU"/>
                     </a:p>
                   </a:txBody>
-                  <a:tcPr marL="5855" marR="5855" marT="5855" marB="0" anchor="b">
-                    <a:solidFill>
-                      <a:schemeClr val="bg1">
-                        <a:lumMod val="75000"/>
-                      </a:schemeClr>
-                    </a:solidFill>
-                  </a:tcPr>
+                  <a:tcPr/>
                 </a:tc>
                 <a:tc>
                   <a:txBody>
                     <a:bodyPr/>
                     <a:lstStyle/>
                     <a:p>
-                      <a:pPr algn="r" fontAlgn="b"/>
-                      <a:r>
-                        <a:rPr lang="ru-RU" sz="1400" u="none" strike="noStrike" dirty="0">
-                          <a:effectLst/>
-                        </a:rPr>
-                        <a:t>-6</a:t>
-                      </a:r>
-                      <a:endParaRPr lang="ru-RU" sz="1400" b="0" i="0" u="none" strike="noStrike" dirty="0">
-                        <a:solidFill>
-                          <a:srgbClr val="000000"/>
-                        </a:solidFill>
-                        <a:effectLst/>
-                        <a:latin typeface="Calibri" panose="020F0502020204030204" pitchFamily="34" charset="0"/>
-                      </a:endParaRPr>
+                      <a:endParaRPr lang="ru-RU"/>
                     </a:p>
                   </a:txBody>
-                  <a:tcPr marL="5855" marR="5855" marT="5855" marB="0" anchor="b">
-                    <a:solidFill>
-                      <a:schemeClr val="bg1">
-                        <a:lumMod val="75000"/>
-                      </a:schemeClr>
-                    </a:solidFill>
-                  </a:tcPr>
+                  <a:tcPr/>
                 </a:tc>
                 <a:tc>
                   <a:txBody>
                     <a:bodyPr/>
                     <a:lstStyle/>
                     <a:p>
-                      <a:pPr algn="r" fontAlgn="b"/>
-                      <a:r>
-                        <a:rPr lang="ru-RU" sz="1400" u="none" strike="noStrike" dirty="0" smtClean="0">
-                          <a:effectLst/>
-                        </a:rPr>
-                        <a:t>22,22</a:t>
-                      </a:r>
-                      <a:endParaRPr lang="ru-RU" sz="1400" b="0" i="0" u="none" strike="noStrike" dirty="0">
-                        <a:solidFill>
-                          <a:srgbClr val="000000"/>
-                        </a:solidFill>
-                        <a:effectLst/>
-                        <a:latin typeface="Calibri" panose="020F0502020204030204" pitchFamily="34" charset="0"/>
-                      </a:endParaRPr>
+                      <a:endParaRPr lang="ru-RU" dirty="0"/>
                     </a:p>
                   </a:txBody>
-                  <a:tcPr marL="5855" marR="5855" marT="5855" marB="0" anchor="b">
-                    <a:solidFill>
-                      <a:schemeClr val="bg1">
-                        <a:lumMod val="75000"/>
-                      </a:schemeClr>
-                    </a:solidFill>
-                  </a:tcPr>
-                </a:tc>
-                <a:tc>
-                  <a:txBody>
-                    <a:bodyPr/>
-                    <a:lstStyle/>
-                    <a:p>
-                      <a:pPr algn="r" fontAlgn="b"/>
-                      <a:r>
-                        <a:rPr lang="ru-RU" sz="1400" u="none" strike="noStrike" dirty="0" smtClean="0">
-                          <a:effectLst/>
-                        </a:rPr>
-                        <a:t>6,44</a:t>
-                      </a:r>
-                      <a:endParaRPr lang="ru-RU" sz="1400" b="0" i="0" u="none" strike="noStrike" dirty="0">
-                        <a:solidFill>
-                          <a:srgbClr val="000000"/>
-                        </a:solidFill>
-                        <a:effectLst/>
-                        <a:latin typeface="Calibri" panose="020F0502020204030204" pitchFamily="34" charset="0"/>
-                      </a:endParaRPr>
-                    </a:p>
-                  </a:txBody>
-                  <a:tcPr marL="5855" marR="5855" marT="5855" marB="0" anchor="b">
-                    <a:solidFill>
-                      <a:schemeClr val="bg1">
-                        <a:lumMod val="75000"/>
-                      </a:schemeClr>
-                    </a:solidFill>
-                  </a:tcPr>
-                </a:tc>
-                <a:tc>
-                  <a:txBody>
-                    <a:bodyPr/>
-                    <a:lstStyle/>
-                    <a:p>
-                      <a:pPr algn="r" fontAlgn="b"/>
-                      <a:r>
-                        <a:rPr lang="ru-RU" sz="1400" u="none" strike="noStrike" dirty="0" smtClean="0">
-                          <a:effectLst/>
-                        </a:rPr>
-                        <a:t>239,44</a:t>
-                      </a:r>
-                      <a:endParaRPr lang="ru-RU" sz="1400" b="0" i="0" u="none" strike="noStrike" dirty="0">
-                        <a:solidFill>
-                          <a:srgbClr val="000000"/>
-                        </a:solidFill>
-                        <a:effectLst/>
-                        <a:latin typeface="Calibri" panose="020F0502020204030204" pitchFamily="34" charset="0"/>
-                      </a:endParaRPr>
-                    </a:p>
-                  </a:txBody>
-                  <a:tcPr marL="5855" marR="5855" marT="5855" marB="0" anchor="b">
-                    <a:solidFill>
-                      <a:schemeClr val="bg1">
-                        <a:lumMod val="75000"/>
-                      </a:schemeClr>
-                    </a:solidFill>
-                  </a:tcPr>
-                </a:tc>
-                <a:tc>
-                  <a:txBody>
-                    <a:bodyPr/>
-                    <a:lstStyle/>
-                    <a:p>
-                      <a:pPr algn="r" fontAlgn="b"/>
-                      <a:r>
-                        <a:rPr lang="ru-RU" sz="1400" u="none" strike="noStrike" dirty="0">
-                          <a:effectLst/>
-                        </a:rPr>
-                        <a:t>-</a:t>
-                      </a:r>
-                      <a:r>
-                        <a:rPr lang="ru-RU" sz="1400" u="none" strike="noStrike" dirty="0" smtClean="0">
-                          <a:effectLst/>
-                        </a:rPr>
-                        <a:t>1,71</a:t>
-                      </a:r>
-                      <a:endParaRPr lang="ru-RU" sz="1400" b="0" i="0" u="none" strike="noStrike" dirty="0">
-                        <a:solidFill>
-                          <a:srgbClr val="000000"/>
-                        </a:solidFill>
-                        <a:effectLst/>
-                        <a:latin typeface="Calibri" panose="020F0502020204030204" pitchFamily="34" charset="0"/>
-                      </a:endParaRPr>
-                    </a:p>
-                  </a:txBody>
-                  <a:tcPr marL="5855" marR="5855" marT="5855" marB="0" anchor="b">
-                    <a:solidFill>
-                      <a:schemeClr val="bg1">
-                        <a:lumMod val="75000"/>
-                      </a:schemeClr>
-                    </a:solidFill>
-                  </a:tcPr>
-                </a:tc>
-                <a:tc>
-                  <a:txBody>
-                    <a:bodyPr/>
-                    <a:lstStyle/>
-                    <a:p>
-                      <a:pPr algn="r" fontAlgn="b"/>
-                      <a:r>
-                        <a:rPr lang="ru-RU" sz="1400" u="none" strike="noStrike" dirty="0" smtClean="0">
-                          <a:effectLst/>
-                        </a:rPr>
-                        <a:t>349,82</a:t>
-                      </a:r>
-                      <a:endParaRPr lang="ru-RU" sz="1400" b="0" i="0" u="none" strike="noStrike" dirty="0">
-                        <a:solidFill>
-                          <a:srgbClr val="000000"/>
-                        </a:solidFill>
-                        <a:effectLst/>
-                        <a:latin typeface="Calibri" panose="020F0502020204030204" pitchFamily="34" charset="0"/>
-                      </a:endParaRPr>
-                    </a:p>
-                  </a:txBody>
-                  <a:tcPr marL="5855" marR="5855" marT="5855" marB="0" anchor="b">
-                    <a:solidFill>
-                      <a:schemeClr val="bg1">
-                        <a:lumMod val="75000"/>
-                      </a:schemeClr>
-                    </a:solidFill>
-                  </a:tcPr>
-                </a:tc>
-                <a:tc>
-                  <a:txBody>
-                    <a:bodyPr/>
-                    <a:lstStyle/>
-                    <a:p>
-                      <a:pPr algn="r" fontAlgn="b"/>
-                      <a:r>
-                        <a:rPr lang="ru-RU" sz="1400" u="none" strike="noStrike" dirty="0">
-                          <a:effectLst/>
-                        </a:rPr>
-                        <a:t>-</a:t>
-                      </a:r>
-                      <a:r>
-                        <a:rPr lang="ru-RU" sz="1400" u="none" strike="noStrike" dirty="0" smtClean="0">
-                          <a:effectLst/>
-                        </a:rPr>
-                        <a:t>1,42</a:t>
-                      </a:r>
-                      <a:endParaRPr lang="ru-RU" sz="1400" b="0" i="0" u="none" strike="noStrike" dirty="0">
-                        <a:solidFill>
-                          <a:srgbClr val="000000"/>
-                        </a:solidFill>
-                        <a:effectLst/>
-                        <a:latin typeface="Calibri" panose="020F0502020204030204" pitchFamily="34" charset="0"/>
-                      </a:endParaRPr>
-                    </a:p>
-                  </a:txBody>
-                  <a:tcPr marL="5855" marR="5855" marT="5855" marB="0" anchor="b">
-                    <a:solidFill>
-                      <a:schemeClr val="bg1">
-                        <a:lumMod val="75000"/>
-                      </a:schemeClr>
-                    </a:solidFill>
-                  </a:tcPr>
-                </a:tc>
-                <a:tc>
-                  <a:txBody>
-                    <a:bodyPr/>
-                    <a:lstStyle/>
-                    <a:p>
-                      <a:pPr algn="r" fontAlgn="b"/>
-                      <a:r>
-                        <a:rPr lang="ru-RU" sz="1400" u="none" strike="noStrike">
-                          <a:effectLst/>
-                        </a:rPr>
-                        <a:t>355,51</a:t>
-                      </a:r>
-                      <a:endParaRPr lang="ru-RU" sz="1400" b="0" i="0" u="none" strike="noStrike">
-                        <a:solidFill>
-                          <a:srgbClr val="000000"/>
-                        </a:solidFill>
-                        <a:effectLst/>
-                        <a:latin typeface="Calibri" panose="020F0502020204030204" pitchFamily="34" charset="0"/>
-                      </a:endParaRPr>
-                    </a:p>
-                  </a:txBody>
-                  <a:tcPr marL="5855" marR="5855" marT="5855" marB="0" anchor="b">
-                    <a:solidFill>
-                      <a:schemeClr val="bg1">
-                        <a:lumMod val="75000"/>
-                      </a:schemeClr>
-                    </a:solidFill>
-                  </a:tcPr>
-                </a:tc>
-                <a:tc>
-                  <a:txBody>
-                    <a:bodyPr/>
-                    <a:lstStyle/>
-                    <a:p>
-                      <a:pPr algn="r" fontAlgn="b"/>
-                      <a:r>
-                        <a:rPr lang="ru-RU" sz="1400" u="none" strike="noStrike">
-                          <a:effectLst/>
-                        </a:rPr>
-                        <a:t>-0,4</a:t>
-                      </a:r>
-                      <a:endParaRPr lang="ru-RU" sz="1400" b="0" i="0" u="none" strike="noStrike">
-                        <a:solidFill>
-                          <a:srgbClr val="000000"/>
-                        </a:solidFill>
-                        <a:effectLst/>
-                        <a:latin typeface="Calibri" panose="020F0502020204030204" pitchFamily="34" charset="0"/>
-                      </a:endParaRPr>
-                    </a:p>
-                  </a:txBody>
-                  <a:tcPr marL="5855" marR="5855" marT="5855" marB="0" anchor="b">
-                    <a:solidFill>
-                      <a:schemeClr val="bg1">
-                        <a:lumMod val="75000"/>
-                      </a:schemeClr>
-                    </a:solidFill>
-                  </a:tcPr>
-                </a:tc>
-                <a:tc>
-                  <a:txBody>
-                    <a:bodyPr/>
-                    <a:lstStyle/>
-                    <a:p>
-                      <a:pPr algn="r" fontAlgn="b"/>
-                      <a:r>
-                        <a:rPr lang="ru-RU" sz="1400" u="none" strike="noStrike">
-                          <a:effectLst/>
-                        </a:rPr>
-                        <a:t>465,16</a:t>
-                      </a:r>
-                      <a:endParaRPr lang="ru-RU" sz="1400" b="0" i="0" u="none" strike="noStrike">
-                        <a:solidFill>
-                          <a:srgbClr val="000000"/>
-                        </a:solidFill>
-                        <a:effectLst/>
-                        <a:latin typeface="Calibri" panose="020F0502020204030204" pitchFamily="34" charset="0"/>
-                      </a:endParaRPr>
-                    </a:p>
-                  </a:txBody>
-                  <a:tcPr marL="5855" marR="5855" marT="5855" marB="0" anchor="b">
-                    <a:solidFill>
-                      <a:schemeClr val="bg1">
-                        <a:lumMod val="75000"/>
-                      </a:schemeClr>
-                    </a:solidFill>
-                  </a:tcPr>
-                </a:tc>
-                <a:tc>
-                  <a:txBody>
-                    <a:bodyPr/>
-                    <a:lstStyle/>
-                    <a:p>
-                      <a:pPr algn="r" fontAlgn="b"/>
-                      <a:r>
-                        <a:rPr lang="ru-RU" sz="1400" u="none" strike="noStrike">
-                          <a:effectLst/>
-                        </a:rPr>
-                        <a:t>31,36</a:t>
-                      </a:r>
-                      <a:endParaRPr lang="ru-RU" sz="1400" b="0" i="0" u="none" strike="noStrike">
-                        <a:solidFill>
-                          <a:srgbClr val="000000"/>
-                        </a:solidFill>
-                        <a:effectLst/>
-                        <a:latin typeface="Calibri" panose="020F0502020204030204" pitchFamily="34" charset="0"/>
-                      </a:endParaRPr>
-                    </a:p>
-                  </a:txBody>
-                  <a:tcPr marL="5855" marR="5855" marT="5855" marB="0" anchor="b">
-                    <a:solidFill>
-                      <a:schemeClr val="bg1">
-                        <a:lumMod val="75000"/>
-                      </a:schemeClr>
-                    </a:solidFill>
-                  </a:tcPr>
-                </a:tc>
-                <a:tc>
-                  <a:txBody>
-                    <a:bodyPr/>
-                    <a:lstStyle/>
-                    <a:p>
-                      <a:pPr algn="r" fontAlgn="b"/>
-                      <a:r>
-                        <a:rPr lang="ru-RU" sz="1400" u="none" strike="noStrike" dirty="0" smtClean="0">
-                          <a:effectLst/>
-                        </a:rPr>
-                        <a:t>7253,96</a:t>
-                      </a:r>
-                      <a:endParaRPr lang="ru-RU" sz="1400" b="0" i="0" u="none" strike="noStrike" dirty="0">
-                        <a:solidFill>
-                          <a:srgbClr val="000000"/>
-                        </a:solidFill>
-                        <a:effectLst/>
-                        <a:latin typeface="Calibri" panose="020F0502020204030204" pitchFamily="34" charset="0"/>
-                      </a:endParaRPr>
-                    </a:p>
-                  </a:txBody>
-                  <a:tcPr marL="5855" marR="5855" marT="5855" marB="0" anchor="b">
-                    <a:solidFill>
-                      <a:schemeClr val="bg1">
-                        <a:lumMod val="75000"/>
-                      </a:schemeClr>
-                    </a:solidFill>
-                  </a:tcPr>
-                </a:tc>
-                <a:tc>
-                  <a:txBody>
-                    <a:bodyPr/>
-                    <a:lstStyle/>
-                    <a:p>
-                      <a:pPr algn="r" fontAlgn="b"/>
-                      <a:r>
-                        <a:rPr lang="ru-RU" sz="1400" u="none" strike="noStrike" dirty="0" smtClean="0">
-                          <a:effectLst/>
-                        </a:rPr>
-                        <a:t>46,19</a:t>
-                      </a:r>
-                      <a:endParaRPr lang="ru-RU" sz="1400" b="0" i="0" u="none" strike="noStrike" dirty="0">
-                        <a:solidFill>
-                          <a:srgbClr val="000000"/>
-                        </a:solidFill>
-                        <a:effectLst/>
-                        <a:latin typeface="Calibri" panose="020F0502020204030204" pitchFamily="34" charset="0"/>
-                      </a:endParaRPr>
-                    </a:p>
-                  </a:txBody>
-                  <a:tcPr marL="5855" marR="5855" marT="5855" marB="0" anchor="b">
-                    <a:solidFill>
-                      <a:schemeClr val="bg1">
-                        <a:lumMod val="75000"/>
-                      </a:schemeClr>
-                    </a:solidFill>
-                  </a:tcPr>
-                </a:tc>
-                <a:tc>
-                  <a:txBody>
-                    <a:bodyPr/>
-                    <a:lstStyle/>
-                    <a:p>
-                      <a:pPr algn="r" fontAlgn="b"/>
-                      <a:r>
-                        <a:rPr lang="ru-RU" sz="1400" u="none" strike="noStrike">
-                          <a:effectLst/>
-                        </a:rPr>
-                        <a:t>28,9</a:t>
-                      </a:r>
-                      <a:endParaRPr lang="ru-RU" sz="1400" b="0" i="0" u="none" strike="noStrike">
-                        <a:solidFill>
-                          <a:srgbClr val="000000"/>
-                        </a:solidFill>
-                        <a:effectLst/>
-                        <a:latin typeface="Calibri" panose="020F0502020204030204" pitchFamily="34" charset="0"/>
-                      </a:endParaRPr>
-                    </a:p>
-                  </a:txBody>
-                  <a:tcPr marL="5855" marR="5855" marT="5855" marB="0" anchor="b">
-                    <a:solidFill>
-                      <a:schemeClr val="bg1">
-                        <a:lumMod val="75000"/>
-                      </a:schemeClr>
-                    </a:solidFill>
-                  </a:tcPr>
-                </a:tc>
-                <a:tc>
-                  <a:txBody>
-                    <a:bodyPr/>
-                    <a:lstStyle/>
-                    <a:p>
-                      <a:pPr algn="r" fontAlgn="b"/>
-                      <a:r>
-                        <a:rPr lang="ru-RU" sz="1400" u="none" strike="noStrike">
-                          <a:effectLst/>
-                        </a:rPr>
-                        <a:t>5,2</a:t>
-                      </a:r>
-                      <a:endParaRPr lang="ru-RU" sz="1400" b="0" i="0" u="none" strike="noStrike">
-                        <a:solidFill>
-                          <a:srgbClr val="000000"/>
-                        </a:solidFill>
-                        <a:effectLst/>
-                        <a:latin typeface="Calibri" panose="020F0502020204030204" pitchFamily="34" charset="0"/>
-                      </a:endParaRPr>
-                    </a:p>
-                  </a:txBody>
-                  <a:tcPr marL="5855" marR="5855" marT="5855" marB="0" anchor="b">
-                    <a:solidFill>
-                      <a:schemeClr val="bg1">
-                        <a:lumMod val="75000"/>
-                      </a:schemeClr>
-                    </a:solidFill>
-                  </a:tcPr>
-                </a:tc>
-                <a:tc>
-                  <a:txBody>
-                    <a:bodyPr/>
-                    <a:lstStyle/>
-                    <a:p>
-                      <a:pPr algn="r" fontAlgn="b"/>
-                      <a:r>
-                        <a:rPr lang="ru-RU" sz="1400" u="none" strike="noStrike">
-                          <a:effectLst/>
-                        </a:rPr>
-                        <a:t>580,3</a:t>
-                      </a:r>
-                      <a:endParaRPr lang="ru-RU" sz="1400" b="0" i="0" u="none" strike="noStrike">
-                        <a:solidFill>
-                          <a:srgbClr val="000000"/>
-                        </a:solidFill>
-                        <a:effectLst/>
-                        <a:latin typeface="Calibri" panose="020F0502020204030204" pitchFamily="34" charset="0"/>
-                      </a:endParaRPr>
-                    </a:p>
-                  </a:txBody>
-                  <a:tcPr marL="5855" marR="5855" marT="5855" marB="0" anchor="b">
-                    <a:solidFill>
-                      <a:schemeClr val="bg1">
-                        <a:lumMod val="75000"/>
-                      </a:schemeClr>
-                    </a:solidFill>
-                  </a:tcPr>
-                </a:tc>
-              </a:tr>
-              <a:tr h="935499">
-                <a:tc>
-                  <a:txBody>
-                    <a:bodyPr/>
-                    <a:lstStyle/>
-                    <a:p>
-                      <a:pPr algn="l" fontAlgn="b"/>
-                      <a:r>
-                        <a:rPr lang="en-US" sz="1400" u="none" strike="noStrike">
-                          <a:effectLst/>
-                        </a:rPr>
-                        <a:t>happy</a:t>
-                      </a:r>
-                      <a:endParaRPr lang="en-US" sz="1400" b="0" i="0" u="none" strike="noStrike">
-                        <a:solidFill>
-                          <a:srgbClr val="000000"/>
-                        </a:solidFill>
-                        <a:effectLst/>
-                        <a:latin typeface="Calibri" panose="020F0502020204030204" pitchFamily="34" charset="0"/>
-                      </a:endParaRPr>
-                    </a:p>
-                  </a:txBody>
-                  <a:tcPr marL="5855" marR="5855" marT="5855" marB="0" anchor="b">
-                    <a:solidFill>
-                      <a:schemeClr val="bg1">
-                        <a:lumMod val="75000"/>
-                      </a:schemeClr>
-                    </a:solidFill>
-                  </a:tcPr>
-                </a:tc>
-                <a:tc>
-                  <a:txBody>
-                    <a:bodyPr/>
-                    <a:lstStyle/>
-                    <a:p>
-                      <a:pPr algn="r" fontAlgn="b"/>
-                      <a:r>
-                        <a:rPr lang="ru-RU" sz="1400" u="none" strike="noStrike" dirty="0" smtClean="0">
-                          <a:effectLst/>
-                        </a:rPr>
-                        <a:t>211,55</a:t>
-                      </a:r>
-                      <a:endParaRPr lang="ru-RU" sz="1400" b="0" i="0" u="none" strike="noStrike" dirty="0">
-                        <a:solidFill>
-                          <a:srgbClr val="000000"/>
-                        </a:solidFill>
-                        <a:effectLst/>
-                        <a:latin typeface="Calibri" panose="020F0502020204030204" pitchFamily="34" charset="0"/>
-                      </a:endParaRPr>
-                    </a:p>
-                  </a:txBody>
-                  <a:tcPr marL="5855" marR="5855" marT="5855" marB="0" anchor="b">
-                    <a:solidFill>
-                      <a:schemeClr val="bg1">
-                        <a:lumMod val="75000"/>
-                      </a:schemeClr>
-                    </a:solidFill>
-                  </a:tcPr>
-                </a:tc>
-                <a:tc>
-                  <a:txBody>
-                    <a:bodyPr/>
-                    <a:lstStyle/>
-                    <a:p>
-                      <a:pPr algn="r" fontAlgn="b"/>
-                      <a:r>
-                        <a:rPr lang="ru-RU" sz="1400" u="none" strike="noStrike">
-                          <a:effectLst/>
-                        </a:rPr>
-                        <a:t>-10,125</a:t>
-                      </a:r>
-                      <a:endParaRPr lang="ru-RU" sz="1400" b="0" i="0" u="none" strike="noStrike">
-                        <a:solidFill>
-                          <a:srgbClr val="000000"/>
-                        </a:solidFill>
-                        <a:effectLst/>
-                        <a:latin typeface="Calibri" panose="020F0502020204030204" pitchFamily="34" charset="0"/>
-                      </a:endParaRPr>
-                    </a:p>
-                  </a:txBody>
-                  <a:tcPr marL="5855" marR="5855" marT="5855" marB="0" anchor="b">
-                    <a:solidFill>
-                      <a:schemeClr val="bg1">
-                        <a:lumMod val="75000"/>
-                      </a:schemeClr>
-                    </a:solidFill>
-                  </a:tcPr>
-                </a:tc>
-                <a:tc>
-                  <a:txBody>
-                    <a:bodyPr/>
-                    <a:lstStyle/>
-                    <a:p>
-                      <a:pPr algn="r" fontAlgn="b"/>
-                      <a:r>
-                        <a:rPr lang="ru-RU" sz="1400" u="none" strike="noStrike" dirty="0" smtClean="0">
-                          <a:effectLst/>
-                        </a:rPr>
-                        <a:t>22,92</a:t>
-                      </a:r>
-                      <a:endParaRPr lang="ru-RU" sz="1400" b="0" i="0" u="none" strike="noStrike" dirty="0">
-                        <a:solidFill>
-                          <a:srgbClr val="000000"/>
-                        </a:solidFill>
-                        <a:effectLst/>
-                        <a:latin typeface="Calibri" panose="020F0502020204030204" pitchFamily="34" charset="0"/>
-                      </a:endParaRPr>
-                    </a:p>
-                  </a:txBody>
-                  <a:tcPr marL="5855" marR="5855" marT="5855" marB="0" anchor="b">
-                    <a:solidFill>
-                      <a:schemeClr val="bg1">
-                        <a:lumMod val="75000"/>
-                      </a:schemeClr>
-                    </a:solidFill>
-                  </a:tcPr>
-                </a:tc>
-                <a:tc>
-                  <a:txBody>
-                    <a:bodyPr/>
-                    <a:lstStyle/>
-                    <a:p>
-                      <a:pPr algn="r" fontAlgn="b"/>
-                      <a:r>
-                        <a:rPr lang="ru-RU" sz="1400" u="none" strike="noStrike" dirty="0">
-                          <a:effectLst/>
-                        </a:rPr>
-                        <a:t>-</a:t>
-                      </a:r>
-                      <a:r>
-                        <a:rPr lang="ru-RU" sz="1400" u="none" strike="noStrike" dirty="0" smtClean="0">
-                          <a:effectLst/>
-                        </a:rPr>
-                        <a:t>5,83</a:t>
-                      </a:r>
-                      <a:endParaRPr lang="ru-RU" sz="1400" b="0" i="0" u="none" strike="noStrike" dirty="0">
-                        <a:solidFill>
-                          <a:srgbClr val="000000"/>
-                        </a:solidFill>
-                        <a:effectLst/>
-                        <a:latin typeface="Calibri" panose="020F0502020204030204" pitchFamily="34" charset="0"/>
-                      </a:endParaRPr>
-                    </a:p>
-                  </a:txBody>
-                  <a:tcPr marL="5855" marR="5855" marT="5855" marB="0" anchor="b">
-                    <a:solidFill>
-                      <a:schemeClr val="bg1">
-                        <a:lumMod val="75000"/>
-                      </a:schemeClr>
-                    </a:solidFill>
-                  </a:tcPr>
-                </a:tc>
-                <a:tc>
-                  <a:txBody>
-                    <a:bodyPr/>
-                    <a:lstStyle/>
-                    <a:p>
-                      <a:pPr algn="r" fontAlgn="b"/>
-                      <a:r>
-                        <a:rPr lang="ru-RU" sz="1400" u="none" strike="noStrike" dirty="0" smtClean="0">
-                          <a:effectLst/>
-                        </a:rPr>
-                        <a:t>228,16</a:t>
-                      </a:r>
-                      <a:endParaRPr lang="ru-RU" sz="1400" b="0" i="0" u="none" strike="noStrike" dirty="0">
-                        <a:solidFill>
-                          <a:srgbClr val="000000"/>
-                        </a:solidFill>
-                        <a:effectLst/>
-                        <a:latin typeface="Calibri" panose="020F0502020204030204" pitchFamily="34" charset="0"/>
-                      </a:endParaRPr>
-                    </a:p>
-                  </a:txBody>
-                  <a:tcPr marL="5855" marR="5855" marT="5855" marB="0" anchor="b">
-                    <a:solidFill>
-                      <a:schemeClr val="bg1">
-                        <a:lumMod val="75000"/>
-                      </a:schemeClr>
-                    </a:solidFill>
-                  </a:tcPr>
-                </a:tc>
-                <a:tc>
-                  <a:txBody>
-                    <a:bodyPr/>
-                    <a:lstStyle/>
-                    <a:p>
-                      <a:pPr algn="r" fontAlgn="b"/>
-                      <a:r>
-                        <a:rPr lang="ru-RU" sz="1400" u="none" strike="noStrike" dirty="0">
-                          <a:effectLst/>
-                        </a:rPr>
-                        <a:t>-</a:t>
-                      </a:r>
-                      <a:r>
-                        <a:rPr lang="ru-RU" sz="1400" u="none" strike="noStrike" dirty="0" smtClean="0">
-                          <a:effectLst/>
-                        </a:rPr>
-                        <a:t>5,87</a:t>
-                      </a:r>
-                      <a:endParaRPr lang="ru-RU" sz="1400" b="0" i="0" u="none" strike="noStrike" dirty="0">
-                        <a:solidFill>
-                          <a:srgbClr val="000000"/>
-                        </a:solidFill>
-                        <a:effectLst/>
-                        <a:latin typeface="Calibri" panose="020F0502020204030204" pitchFamily="34" charset="0"/>
-                      </a:endParaRPr>
-                    </a:p>
-                  </a:txBody>
-                  <a:tcPr marL="5855" marR="5855" marT="5855" marB="0" anchor="b">
-                    <a:solidFill>
-                      <a:schemeClr val="bg1">
-                        <a:lumMod val="75000"/>
-                      </a:schemeClr>
-                    </a:solidFill>
-                  </a:tcPr>
-                </a:tc>
-                <a:tc>
-                  <a:txBody>
-                    <a:bodyPr/>
-                    <a:lstStyle/>
-                    <a:p>
-                      <a:pPr algn="r" fontAlgn="b"/>
-                      <a:r>
-                        <a:rPr lang="ru-RU" sz="1400" u="none" strike="noStrike" dirty="0" smtClean="0">
-                          <a:effectLst/>
-                        </a:rPr>
-                        <a:t>318,56</a:t>
-                      </a:r>
-                      <a:endParaRPr lang="ru-RU" sz="1400" b="0" i="0" u="none" strike="noStrike" dirty="0">
-                        <a:solidFill>
-                          <a:srgbClr val="000000"/>
-                        </a:solidFill>
-                        <a:effectLst/>
-                        <a:latin typeface="Calibri" panose="020F0502020204030204" pitchFamily="34" charset="0"/>
-                      </a:endParaRPr>
-                    </a:p>
-                  </a:txBody>
-                  <a:tcPr marL="5855" marR="5855" marT="5855" marB="0" anchor="b">
-                    <a:solidFill>
-                      <a:schemeClr val="bg1">
-                        <a:lumMod val="75000"/>
-                      </a:schemeClr>
-                    </a:solidFill>
-                  </a:tcPr>
-                </a:tc>
-                <a:tc>
-                  <a:txBody>
-                    <a:bodyPr/>
-                    <a:lstStyle/>
-                    <a:p>
-                      <a:pPr algn="r" fontAlgn="b"/>
-                      <a:r>
-                        <a:rPr lang="ru-RU" sz="1400" u="none" strike="noStrike" dirty="0">
-                          <a:effectLst/>
-                        </a:rPr>
-                        <a:t>-</a:t>
-                      </a:r>
-                      <a:r>
-                        <a:rPr lang="ru-RU" sz="1400" u="none" strike="noStrike" dirty="0" smtClean="0">
-                          <a:effectLst/>
-                        </a:rPr>
-                        <a:t>3,15</a:t>
-                      </a:r>
-                      <a:endParaRPr lang="ru-RU" sz="1400" b="0" i="0" u="none" strike="noStrike" dirty="0">
-                        <a:solidFill>
-                          <a:srgbClr val="000000"/>
-                        </a:solidFill>
-                        <a:effectLst/>
-                        <a:latin typeface="Calibri" panose="020F0502020204030204" pitchFamily="34" charset="0"/>
-                      </a:endParaRPr>
-                    </a:p>
-                  </a:txBody>
-                  <a:tcPr marL="5855" marR="5855" marT="5855" marB="0" anchor="b">
-                    <a:solidFill>
-                      <a:schemeClr val="bg1">
-                        <a:lumMod val="75000"/>
-                      </a:schemeClr>
-                    </a:solidFill>
-                  </a:tcPr>
-                </a:tc>
-                <a:tc>
-                  <a:txBody>
-                    <a:bodyPr/>
-                    <a:lstStyle/>
-                    <a:p>
-                      <a:pPr algn="r" fontAlgn="b"/>
-                      <a:r>
-                        <a:rPr lang="ru-RU" sz="1400" u="none" strike="noStrike" dirty="0" smtClean="0">
-                          <a:effectLst/>
-                        </a:rPr>
-                        <a:t>359,38</a:t>
-                      </a:r>
-                      <a:endParaRPr lang="ru-RU" sz="1400" b="0" i="0" u="none" strike="noStrike" dirty="0">
-                        <a:solidFill>
-                          <a:srgbClr val="000000"/>
-                        </a:solidFill>
-                        <a:effectLst/>
-                        <a:latin typeface="Calibri" panose="020F0502020204030204" pitchFamily="34" charset="0"/>
-                      </a:endParaRPr>
-                    </a:p>
-                  </a:txBody>
-                  <a:tcPr marL="5855" marR="5855" marT="5855" marB="0" anchor="b">
-                    <a:solidFill>
-                      <a:schemeClr val="bg1">
-                        <a:lumMod val="75000"/>
-                      </a:schemeClr>
-                    </a:solidFill>
-                  </a:tcPr>
-                </a:tc>
-                <a:tc>
-                  <a:txBody>
-                    <a:bodyPr/>
-                    <a:lstStyle/>
-                    <a:p>
-                      <a:pPr algn="r" fontAlgn="b"/>
-                      <a:r>
-                        <a:rPr lang="ru-RU" sz="1400" u="none" strike="noStrike" dirty="0">
-                          <a:effectLst/>
-                        </a:rPr>
-                        <a:t>-</a:t>
-                      </a:r>
-                      <a:r>
-                        <a:rPr lang="ru-RU" sz="1400" u="none" strike="noStrike" dirty="0" smtClean="0">
-                          <a:effectLst/>
-                        </a:rPr>
-                        <a:t>2,28</a:t>
-                      </a:r>
-                      <a:endParaRPr lang="ru-RU" sz="1400" b="0" i="0" u="none" strike="noStrike" dirty="0">
-                        <a:solidFill>
-                          <a:srgbClr val="000000"/>
-                        </a:solidFill>
-                        <a:effectLst/>
-                        <a:latin typeface="Calibri" panose="020F0502020204030204" pitchFamily="34" charset="0"/>
-                      </a:endParaRPr>
-                    </a:p>
-                  </a:txBody>
-                  <a:tcPr marL="5855" marR="5855" marT="5855" marB="0" anchor="b">
-                    <a:solidFill>
-                      <a:schemeClr val="bg1">
-                        <a:lumMod val="75000"/>
-                      </a:schemeClr>
-                    </a:solidFill>
-                  </a:tcPr>
-                </a:tc>
-                <a:tc>
-                  <a:txBody>
-                    <a:bodyPr/>
-                    <a:lstStyle/>
-                    <a:p>
-                      <a:pPr algn="r" fontAlgn="b"/>
-                      <a:r>
-                        <a:rPr lang="ru-RU" sz="1400" u="none" strike="noStrike" dirty="0">
-                          <a:effectLst/>
-                        </a:rPr>
-                        <a:t>406,37</a:t>
-                      </a:r>
-                      <a:endParaRPr lang="ru-RU" sz="1400" b="0" i="0" u="none" strike="noStrike" dirty="0">
-                        <a:solidFill>
-                          <a:srgbClr val="000000"/>
-                        </a:solidFill>
-                        <a:effectLst/>
-                        <a:latin typeface="Calibri" panose="020F0502020204030204" pitchFamily="34" charset="0"/>
-                      </a:endParaRPr>
-                    </a:p>
-                  </a:txBody>
-                  <a:tcPr marL="5855" marR="5855" marT="5855" marB="0" anchor="b">
-                    <a:solidFill>
-                      <a:schemeClr val="bg1">
-                        <a:lumMod val="75000"/>
-                      </a:schemeClr>
-                    </a:solidFill>
-                  </a:tcPr>
-                </a:tc>
-                <a:tc>
-                  <a:txBody>
-                    <a:bodyPr/>
-                    <a:lstStyle/>
-                    <a:p>
-                      <a:pPr algn="r" fontAlgn="b"/>
-                      <a:r>
-                        <a:rPr lang="ru-RU" sz="1400" u="none" strike="noStrike" dirty="0">
-                          <a:effectLst/>
-                        </a:rPr>
-                        <a:t>28,95</a:t>
-                      </a:r>
-                      <a:endParaRPr lang="ru-RU" sz="1400" b="0" i="0" u="none" strike="noStrike" dirty="0">
-                        <a:solidFill>
-                          <a:srgbClr val="000000"/>
-                        </a:solidFill>
-                        <a:effectLst/>
-                        <a:latin typeface="Calibri" panose="020F0502020204030204" pitchFamily="34" charset="0"/>
-                      </a:endParaRPr>
-                    </a:p>
-                  </a:txBody>
-                  <a:tcPr marL="5855" marR="5855" marT="5855" marB="0" anchor="b">
-                    <a:solidFill>
-                      <a:schemeClr val="bg1">
-                        <a:lumMod val="75000"/>
-                      </a:schemeClr>
-                    </a:solidFill>
-                  </a:tcPr>
-                </a:tc>
-                <a:tc>
-                  <a:txBody>
-                    <a:bodyPr/>
-                    <a:lstStyle/>
-                    <a:p>
-                      <a:pPr algn="r" fontAlgn="b"/>
-                      <a:r>
-                        <a:rPr lang="ru-RU" sz="1400" u="none" strike="noStrike" dirty="0" smtClean="0">
-                          <a:effectLst/>
-                        </a:rPr>
-                        <a:t>10823,92</a:t>
-                      </a:r>
-                      <a:endParaRPr lang="ru-RU" sz="1400" b="0" i="0" u="none" strike="noStrike" dirty="0">
-                        <a:solidFill>
-                          <a:srgbClr val="000000"/>
-                        </a:solidFill>
-                        <a:effectLst/>
-                        <a:latin typeface="Calibri" panose="020F0502020204030204" pitchFamily="34" charset="0"/>
-                      </a:endParaRPr>
-                    </a:p>
-                  </a:txBody>
-                  <a:tcPr marL="5855" marR="5855" marT="5855" marB="0" anchor="b">
-                    <a:solidFill>
-                      <a:schemeClr val="bg1">
-                        <a:lumMod val="75000"/>
-                      </a:schemeClr>
-                    </a:solidFill>
-                  </a:tcPr>
-                </a:tc>
-                <a:tc>
-                  <a:txBody>
-                    <a:bodyPr/>
-                    <a:lstStyle/>
-                    <a:p>
-                      <a:pPr algn="r" fontAlgn="b"/>
-                      <a:r>
-                        <a:rPr lang="ru-RU" sz="1400" u="none" strike="noStrike" dirty="0" smtClean="0">
-                          <a:effectLst/>
-                        </a:rPr>
-                        <a:t>41,20</a:t>
-                      </a:r>
-                      <a:endParaRPr lang="ru-RU" sz="1400" b="0" i="0" u="none" strike="noStrike" dirty="0">
-                        <a:solidFill>
-                          <a:srgbClr val="000000"/>
-                        </a:solidFill>
-                        <a:effectLst/>
-                        <a:latin typeface="Calibri" panose="020F0502020204030204" pitchFamily="34" charset="0"/>
-                      </a:endParaRPr>
-                    </a:p>
-                  </a:txBody>
-                  <a:tcPr marL="5855" marR="5855" marT="5855" marB="0" anchor="b">
-                    <a:solidFill>
-                      <a:schemeClr val="bg1">
-                        <a:lumMod val="75000"/>
-                      </a:schemeClr>
-                    </a:solidFill>
-                  </a:tcPr>
-                </a:tc>
-                <a:tc>
-                  <a:txBody>
-                    <a:bodyPr/>
-                    <a:lstStyle/>
-                    <a:p>
-                      <a:pPr algn="r" fontAlgn="b"/>
-                      <a:r>
-                        <a:rPr lang="ru-RU" sz="1400" u="none" strike="noStrike" dirty="0" smtClean="0">
-                          <a:effectLst/>
-                        </a:rPr>
-                        <a:t>38,16</a:t>
-                      </a:r>
-                      <a:endParaRPr lang="ru-RU" sz="1400" b="0" i="0" u="none" strike="noStrike" dirty="0">
-                        <a:solidFill>
-                          <a:srgbClr val="000000"/>
-                        </a:solidFill>
-                        <a:effectLst/>
-                        <a:latin typeface="Calibri" panose="020F0502020204030204" pitchFamily="34" charset="0"/>
-                      </a:endParaRPr>
-                    </a:p>
-                  </a:txBody>
-                  <a:tcPr marL="5855" marR="5855" marT="5855" marB="0" anchor="b">
-                    <a:solidFill>
-                      <a:schemeClr val="bg1">
-                        <a:lumMod val="75000"/>
-                      </a:schemeClr>
-                    </a:solidFill>
-                  </a:tcPr>
-                </a:tc>
-                <a:tc>
-                  <a:txBody>
-                    <a:bodyPr/>
-                    <a:lstStyle/>
-                    <a:p>
-                      <a:pPr algn="r" fontAlgn="b"/>
-                      <a:r>
-                        <a:rPr lang="ru-RU" sz="1400" u="none" strike="noStrike" dirty="0" smtClean="0">
-                          <a:effectLst/>
-                        </a:rPr>
-                        <a:t>4,45</a:t>
-                      </a:r>
-                      <a:endParaRPr lang="ru-RU" sz="1400" b="0" i="0" u="none" strike="noStrike" dirty="0">
-                        <a:solidFill>
-                          <a:srgbClr val="000000"/>
-                        </a:solidFill>
-                        <a:effectLst/>
-                        <a:latin typeface="Calibri" panose="020F0502020204030204" pitchFamily="34" charset="0"/>
-                      </a:endParaRPr>
-                    </a:p>
-                  </a:txBody>
-                  <a:tcPr marL="5855" marR="5855" marT="5855" marB="0" anchor="b">
-                    <a:solidFill>
-                      <a:schemeClr val="bg1">
-                        <a:lumMod val="75000"/>
-                      </a:schemeClr>
-                    </a:solidFill>
-                  </a:tcPr>
-                </a:tc>
-                <a:tc>
-                  <a:txBody>
-                    <a:bodyPr/>
-                    <a:lstStyle/>
-                    <a:p>
-                      <a:pPr algn="r" fontAlgn="b"/>
-                      <a:r>
-                        <a:rPr lang="ru-RU" sz="1400" u="none" strike="noStrike">
-                          <a:effectLst/>
-                        </a:rPr>
-                        <a:t>519,54</a:t>
-                      </a:r>
-                      <a:endParaRPr lang="ru-RU" sz="1400" b="0" i="0" u="none" strike="noStrike">
-                        <a:solidFill>
-                          <a:srgbClr val="000000"/>
-                        </a:solidFill>
-                        <a:effectLst/>
-                        <a:latin typeface="Calibri" panose="020F0502020204030204" pitchFamily="34" charset="0"/>
-                      </a:endParaRPr>
-                    </a:p>
-                  </a:txBody>
-                  <a:tcPr marL="5855" marR="5855" marT="5855" marB="0" anchor="b">
-                    <a:solidFill>
-                      <a:schemeClr val="bg1">
-                        <a:lumMod val="75000"/>
-                      </a:schemeClr>
-                    </a:solidFill>
-                  </a:tcPr>
-                </a:tc>
-              </a:tr>
-              <a:tr h="935499">
-                <a:tc>
-                  <a:txBody>
-                    <a:bodyPr/>
-                    <a:lstStyle/>
-                    <a:p>
-                      <a:pPr algn="l" fontAlgn="b"/>
-                      <a:r>
-                        <a:rPr lang="en-US" sz="1400" u="none" strike="noStrike">
-                          <a:effectLst/>
-                        </a:rPr>
-                        <a:t>sadness</a:t>
-                      </a:r>
-                      <a:endParaRPr lang="en-US" sz="1400" b="0" i="0" u="none" strike="noStrike">
-                        <a:solidFill>
-                          <a:srgbClr val="000000"/>
-                        </a:solidFill>
-                        <a:effectLst/>
-                        <a:latin typeface="Calibri" panose="020F0502020204030204" pitchFamily="34" charset="0"/>
-                      </a:endParaRPr>
-                    </a:p>
-                  </a:txBody>
-                  <a:tcPr marL="5855" marR="5855" marT="5855" marB="0" anchor="b">
-                    <a:solidFill>
-                      <a:schemeClr val="bg1">
-                        <a:lumMod val="75000"/>
-                      </a:schemeClr>
-                    </a:solidFill>
-                  </a:tcPr>
-                </a:tc>
-                <a:tc>
-                  <a:txBody>
-                    <a:bodyPr/>
-                    <a:lstStyle/>
-                    <a:p>
-                      <a:pPr algn="r" fontAlgn="b"/>
-                      <a:r>
-                        <a:rPr lang="ru-RU" sz="1400" u="none" strike="noStrike" dirty="0" smtClean="0">
-                          <a:effectLst/>
-                        </a:rPr>
-                        <a:t>67,32</a:t>
-                      </a:r>
-                      <a:endParaRPr lang="ru-RU" sz="1400" b="0" i="0" u="none" strike="noStrike" dirty="0">
-                        <a:solidFill>
-                          <a:srgbClr val="000000"/>
-                        </a:solidFill>
-                        <a:effectLst/>
-                        <a:latin typeface="Calibri" panose="020F0502020204030204" pitchFamily="34" charset="0"/>
-                      </a:endParaRPr>
-                    </a:p>
-                  </a:txBody>
-                  <a:tcPr marL="5855" marR="5855" marT="5855" marB="0" anchor="b">
-                    <a:solidFill>
-                      <a:schemeClr val="bg1">
-                        <a:lumMod val="75000"/>
-                      </a:schemeClr>
-                    </a:solidFill>
-                  </a:tcPr>
-                </a:tc>
-                <a:tc>
-                  <a:txBody>
-                    <a:bodyPr/>
-                    <a:lstStyle/>
-                    <a:p>
-                      <a:pPr algn="r" fontAlgn="b"/>
-                      <a:r>
-                        <a:rPr lang="ru-RU" sz="1400" u="none" strike="noStrike" dirty="0">
-                          <a:effectLst/>
-                        </a:rPr>
-                        <a:t>-</a:t>
-                      </a:r>
-                      <a:r>
-                        <a:rPr lang="ru-RU" sz="1400" u="none" strike="noStrike" dirty="0" smtClean="0">
-                          <a:effectLst/>
-                        </a:rPr>
-                        <a:t>19,33</a:t>
-                      </a:r>
-                      <a:endParaRPr lang="ru-RU" sz="1400" b="0" i="0" u="none" strike="noStrike" dirty="0">
-                        <a:solidFill>
-                          <a:srgbClr val="000000"/>
-                        </a:solidFill>
-                        <a:effectLst/>
-                        <a:latin typeface="Calibri" panose="020F0502020204030204" pitchFamily="34" charset="0"/>
-                      </a:endParaRPr>
-                    </a:p>
-                  </a:txBody>
-                  <a:tcPr marL="5855" marR="5855" marT="5855" marB="0" anchor="b">
-                    <a:solidFill>
-                      <a:schemeClr val="bg1">
-                        <a:lumMod val="75000"/>
-                      </a:schemeClr>
-                    </a:solidFill>
-                  </a:tcPr>
-                </a:tc>
-                <a:tc>
-                  <a:txBody>
-                    <a:bodyPr/>
-                    <a:lstStyle/>
-                    <a:p>
-                      <a:pPr algn="r" fontAlgn="b"/>
-                      <a:r>
-                        <a:rPr lang="ru-RU" sz="1400" u="none" strike="noStrike" dirty="0" smtClean="0">
-                          <a:effectLst/>
-                        </a:rPr>
-                        <a:t>19,633</a:t>
-                      </a:r>
-                      <a:endParaRPr lang="ru-RU" sz="1400" b="0" i="0" u="none" strike="noStrike" dirty="0">
-                        <a:solidFill>
-                          <a:srgbClr val="000000"/>
-                        </a:solidFill>
-                        <a:effectLst/>
-                        <a:latin typeface="Calibri" panose="020F0502020204030204" pitchFamily="34" charset="0"/>
-                      </a:endParaRPr>
-                    </a:p>
-                  </a:txBody>
-                  <a:tcPr marL="5855" marR="5855" marT="5855" marB="0" anchor="b">
-                    <a:solidFill>
-                      <a:schemeClr val="bg1">
-                        <a:lumMod val="75000"/>
-                      </a:schemeClr>
-                    </a:solidFill>
-                  </a:tcPr>
-                </a:tc>
-                <a:tc>
-                  <a:txBody>
-                    <a:bodyPr/>
-                    <a:lstStyle/>
-                    <a:p>
-                      <a:pPr algn="r" fontAlgn="b"/>
-                      <a:r>
-                        <a:rPr lang="ru-RU" sz="1400" u="none" strike="noStrike" dirty="0">
-                          <a:effectLst/>
-                        </a:rPr>
-                        <a:t>-</a:t>
-                      </a:r>
-                      <a:r>
-                        <a:rPr lang="ru-RU" sz="1400" u="none" strike="noStrike" dirty="0" smtClean="0">
-                          <a:effectLst/>
-                        </a:rPr>
-                        <a:t>7,41</a:t>
-                      </a:r>
-                      <a:endParaRPr lang="ru-RU" sz="1400" b="0" i="0" u="none" strike="noStrike" dirty="0">
-                        <a:solidFill>
-                          <a:srgbClr val="000000"/>
-                        </a:solidFill>
-                        <a:effectLst/>
-                        <a:latin typeface="Calibri" panose="020F0502020204030204" pitchFamily="34" charset="0"/>
-                      </a:endParaRPr>
-                    </a:p>
-                  </a:txBody>
-                  <a:tcPr marL="5855" marR="5855" marT="5855" marB="0" anchor="b">
-                    <a:solidFill>
-                      <a:schemeClr val="bg1">
-                        <a:lumMod val="75000"/>
-                      </a:schemeClr>
-                    </a:solidFill>
-                  </a:tcPr>
-                </a:tc>
-                <a:tc>
-                  <a:txBody>
-                    <a:bodyPr/>
-                    <a:lstStyle/>
-                    <a:p>
-                      <a:pPr algn="r" fontAlgn="b"/>
-                      <a:r>
-                        <a:rPr lang="ru-RU" sz="1400" u="none" strike="noStrike" dirty="0" smtClean="0">
-                          <a:effectLst/>
-                        </a:rPr>
-                        <a:t>210,52</a:t>
-                      </a:r>
-                      <a:endParaRPr lang="ru-RU" sz="1400" b="0" i="0" u="none" strike="noStrike" dirty="0">
-                        <a:solidFill>
-                          <a:srgbClr val="000000"/>
-                        </a:solidFill>
-                        <a:effectLst/>
-                        <a:latin typeface="Calibri" panose="020F0502020204030204" pitchFamily="34" charset="0"/>
-                      </a:endParaRPr>
-                    </a:p>
-                  </a:txBody>
-                  <a:tcPr marL="5855" marR="5855" marT="5855" marB="0" anchor="b">
-                    <a:solidFill>
-                      <a:schemeClr val="bg1">
-                        <a:lumMod val="75000"/>
-                      </a:schemeClr>
-                    </a:solidFill>
-                  </a:tcPr>
-                </a:tc>
-                <a:tc>
-                  <a:txBody>
-                    <a:bodyPr/>
-                    <a:lstStyle/>
-                    <a:p>
-                      <a:pPr algn="r" fontAlgn="b"/>
-                      <a:r>
-                        <a:rPr lang="ru-RU" sz="1400" u="none" strike="noStrike">
-                          <a:effectLst/>
-                        </a:rPr>
-                        <a:t>-9</a:t>
-                      </a:r>
-                      <a:endParaRPr lang="ru-RU" sz="1400" b="0" i="0" u="none" strike="noStrike">
-                        <a:solidFill>
-                          <a:srgbClr val="000000"/>
-                        </a:solidFill>
-                        <a:effectLst/>
-                        <a:latin typeface="Calibri" panose="020F0502020204030204" pitchFamily="34" charset="0"/>
-                      </a:endParaRPr>
-                    </a:p>
-                  </a:txBody>
-                  <a:tcPr marL="5855" marR="5855" marT="5855" marB="0" anchor="b">
-                    <a:solidFill>
-                      <a:schemeClr val="bg1">
-                        <a:lumMod val="75000"/>
-                      </a:schemeClr>
-                    </a:solidFill>
-                  </a:tcPr>
-                </a:tc>
-                <a:tc>
-                  <a:txBody>
-                    <a:bodyPr/>
-                    <a:lstStyle/>
-                    <a:p>
-                      <a:pPr algn="r" fontAlgn="b"/>
-                      <a:r>
-                        <a:rPr lang="ru-RU" sz="1400" u="none" strike="noStrike" dirty="0" smtClean="0">
-                          <a:effectLst/>
-                        </a:rPr>
-                        <a:t>340,58</a:t>
-                      </a:r>
-                      <a:endParaRPr lang="ru-RU" sz="1400" b="0" i="0" u="none" strike="noStrike" dirty="0">
-                        <a:solidFill>
-                          <a:srgbClr val="000000"/>
-                        </a:solidFill>
-                        <a:effectLst/>
-                        <a:latin typeface="Calibri" panose="020F0502020204030204" pitchFamily="34" charset="0"/>
-                      </a:endParaRPr>
-                    </a:p>
-                  </a:txBody>
-                  <a:tcPr marL="5855" marR="5855" marT="5855" marB="0" anchor="b">
-                    <a:solidFill>
-                      <a:schemeClr val="bg1">
-                        <a:lumMod val="75000"/>
-                      </a:schemeClr>
-                    </a:solidFill>
-                  </a:tcPr>
-                </a:tc>
-                <a:tc>
-                  <a:txBody>
-                    <a:bodyPr/>
-                    <a:lstStyle/>
-                    <a:p>
-                      <a:pPr algn="r" fontAlgn="b"/>
-                      <a:r>
-                        <a:rPr lang="ru-RU" sz="1400" u="none" strike="noStrike" dirty="0">
-                          <a:effectLst/>
-                        </a:rPr>
-                        <a:t>-</a:t>
-                      </a:r>
-                      <a:r>
-                        <a:rPr lang="ru-RU" sz="1400" u="none" strike="noStrike" dirty="0" smtClean="0">
-                          <a:effectLst/>
-                        </a:rPr>
-                        <a:t>2,32</a:t>
-                      </a:r>
-                      <a:endParaRPr lang="ru-RU" sz="1400" b="0" i="0" u="none" strike="noStrike" dirty="0">
-                        <a:solidFill>
-                          <a:srgbClr val="000000"/>
-                        </a:solidFill>
-                        <a:effectLst/>
-                        <a:latin typeface="Calibri" panose="020F0502020204030204" pitchFamily="34" charset="0"/>
-                      </a:endParaRPr>
-                    </a:p>
-                  </a:txBody>
-                  <a:tcPr marL="5855" marR="5855" marT="5855" marB="0" anchor="b">
-                    <a:solidFill>
-                      <a:schemeClr val="bg1">
-                        <a:lumMod val="75000"/>
-                      </a:schemeClr>
-                    </a:solidFill>
-                  </a:tcPr>
-                </a:tc>
-                <a:tc>
-                  <a:txBody>
-                    <a:bodyPr/>
-                    <a:lstStyle/>
-                    <a:p>
-                      <a:pPr algn="r" fontAlgn="b"/>
-                      <a:r>
-                        <a:rPr lang="ru-RU" sz="1400" u="none" strike="noStrike" dirty="0" smtClean="0">
-                          <a:effectLst/>
-                        </a:rPr>
-                        <a:t>449,35</a:t>
-                      </a:r>
-                      <a:endParaRPr lang="ru-RU" sz="1400" b="0" i="0" u="none" strike="noStrike" dirty="0">
-                        <a:solidFill>
-                          <a:srgbClr val="000000"/>
-                        </a:solidFill>
-                        <a:effectLst/>
-                        <a:latin typeface="Calibri" panose="020F0502020204030204" pitchFamily="34" charset="0"/>
-                      </a:endParaRPr>
-                    </a:p>
-                  </a:txBody>
-                  <a:tcPr marL="5855" marR="5855" marT="5855" marB="0" anchor="b">
-                    <a:solidFill>
-                      <a:schemeClr val="bg1">
-                        <a:lumMod val="75000"/>
-                      </a:schemeClr>
-                    </a:solidFill>
-                  </a:tcPr>
-                </a:tc>
-                <a:tc>
-                  <a:txBody>
-                    <a:bodyPr/>
-                    <a:lstStyle/>
-                    <a:p>
-                      <a:pPr algn="r" fontAlgn="b"/>
-                      <a:r>
-                        <a:rPr lang="ru-RU" sz="1400" u="none" strike="noStrike" dirty="0">
-                          <a:effectLst/>
-                        </a:rPr>
-                        <a:t>-</a:t>
-                      </a:r>
-                      <a:r>
-                        <a:rPr lang="ru-RU" sz="1400" u="none" strike="noStrike" dirty="0" smtClean="0">
-                          <a:effectLst/>
-                        </a:rPr>
-                        <a:t>0,33</a:t>
-                      </a:r>
-                      <a:endParaRPr lang="ru-RU" sz="1400" b="0" i="0" u="none" strike="noStrike" dirty="0">
-                        <a:solidFill>
-                          <a:srgbClr val="000000"/>
-                        </a:solidFill>
-                        <a:effectLst/>
-                        <a:latin typeface="Calibri" panose="020F0502020204030204" pitchFamily="34" charset="0"/>
-                      </a:endParaRPr>
-                    </a:p>
-                  </a:txBody>
-                  <a:tcPr marL="5855" marR="5855" marT="5855" marB="0" anchor="b">
-                    <a:solidFill>
-                      <a:schemeClr val="bg1">
-                        <a:lumMod val="75000"/>
-                      </a:schemeClr>
-                    </a:solidFill>
-                  </a:tcPr>
-                </a:tc>
-                <a:tc>
-                  <a:txBody>
-                    <a:bodyPr/>
-                    <a:lstStyle/>
-                    <a:p>
-                      <a:pPr algn="r" fontAlgn="b"/>
-                      <a:r>
-                        <a:rPr lang="ru-RU" sz="1400" u="none" strike="noStrike" dirty="0" smtClean="0">
-                          <a:effectLst/>
-                        </a:rPr>
-                        <a:t>150,06</a:t>
-                      </a:r>
-                      <a:endParaRPr lang="ru-RU" sz="1400" b="0" i="0" u="none" strike="noStrike" dirty="0">
-                        <a:solidFill>
-                          <a:srgbClr val="000000"/>
-                        </a:solidFill>
-                        <a:effectLst/>
-                        <a:latin typeface="Calibri" panose="020F0502020204030204" pitchFamily="34" charset="0"/>
-                      </a:endParaRPr>
-                    </a:p>
-                  </a:txBody>
-                  <a:tcPr marL="5855" marR="5855" marT="5855" marB="0" anchor="b">
-                    <a:solidFill>
-                      <a:schemeClr val="bg1">
-                        <a:lumMod val="75000"/>
-                      </a:schemeClr>
-                    </a:solidFill>
-                  </a:tcPr>
-                </a:tc>
-                <a:tc>
-                  <a:txBody>
-                    <a:bodyPr/>
-                    <a:lstStyle/>
-                    <a:p>
-                      <a:pPr algn="r" fontAlgn="b"/>
-                      <a:r>
-                        <a:rPr lang="ru-RU" sz="1400" u="none" strike="noStrike">
-                          <a:effectLst/>
-                        </a:rPr>
-                        <a:t>28,865</a:t>
-                      </a:r>
-                      <a:endParaRPr lang="ru-RU" sz="1400" b="0" i="0" u="none" strike="noStrike">
-                        <a:solidFill>
-                          <a:srgbClr val="000000"/>
-                        </a:solidFill>
-                        <a:effectLst/>
-                        <a:latin typeface="Calibri" panose="020F0502020204030204" pitchFamily="34" charset="0"/>
-                      </a:endParaRPr>
-                    </a:p>
-                  </a:txBody>
-                  <a:tcPr marL="5855" marR="5855" marT="5855" marB="0" anchor="b">
-                    <a:solidFill>
-                      <a:schemeClr val="bg1">
-                        <a:lumMod val="75000"/>
-                      </a:schemeClr>
-                    </a:solidFill>
-                  </a:tcPr>
-                </a:tc>
-                <a:tc>
-                  <a:txBody>
-                    <a:bodyPr/>
-                    <a:lstStyle/>
-                    <a:p>
-                      <a:pPr algn="r" fontAlgn="b"/>
-                      <a:r>
-                        <a:rPr lang="ru-RU" sz="1400" u="none" strike="noStrike" dirty="0" smtClean="0">
-                          <a:effectLst/>
-                        </a:rPr>
-                        <a:t>1737,46</a:t>
-                      </a:r>
-                      <a:endParaRPr lang="ru-RU" sz="1400" b="0" i="0" u="none" strike="noStrike" dirty="0">
-                        <a:solidFill>
-                          <a:srgbClr val="000000"/>
-                        </a:solidFill>
-                        <a:effectLst/>
-                        <a:latin typeface="Calibri" panose="020F0502020204030204" pitchFamily="34" charset="0"/>
-                      </a:endParaRPr>
-                    </a:p>
-                  </a:txBody>
-                  <a:tcPr marL="5855" marR="5855" marT="5855" marB="0" anchor="b">
-                    <a:solidFill>
-                      <a:schemeClr val="bg1">
-                        <a:lumMod val="75000"/>
-                      </a:schemeClr>
-                    </a:solidFill>
-                  </a:tcPr>
-                </a:tc>
-                <a:tc>
-                  <a:txBody>
-                    <a:bodyPr/>
-                    <a:lstStyle/>
-                    <a:p>
-                      <a:pPr algn="r" fontAlgn="b"/>
-                      <a:r>
-                        <a:rPr lang="ru-RU" sz="1400" u="none" strike="noStrike" dirty="0" smtClean="0">
-                          <a:effectLst/>
-                        </a:rPr>
-                        <a:t>35,10</a:t>
-                      </a:r>
-                      <a:endParaRPr lang="ru-RU" sz="1400" b="0" i="0" u="none" strike="noStrike" dirty="0">
-                        <a:solidFill>
-                          <a:srgbClr val="000000"/>
-                        </a:solidFill>
-                        <a:effectLst/>
-                        <a:latin typeface="Calibri" panose="020F0502020204030204" pitchFamily="34" charset="0"/>
-                      </a:endParaRPr>
-                    </a:p>
-                  </a:txBody>
-                  <a:tcPr marL="5855" marR="5855" marT="5855" marB="0" anchor="b">
-                    <a:solidFill>
-                      <a:schemeClr val="bg1">
-                        <a:lumMod val="75000"/>
-                      </a:schemeClr>
-                    </a:solidFill>
-                  </a:tcPr>
-                </a:tc>
-                <a:tc>
-                  <a:txBody>
-                    <a:bodyPr/>
-                    <a:lstStyle/>
-                    <a:p>
-                      <a:pPr algn="r" fontAlgn="b"/>
-                      <a:r>
-                        <a:rPr lang="ru-RU" sz="1400" u="none" strike="noStrike" dirty="0" smtClean="0">
-                          <a:effectLst/>
-                        </a:rPr>
-                        <a:t>39,58</a:t>
-                      </a:r>
-                      <a:endParaRPr lang="ru-RU" sz="1400" b="0" i="0" u="none" strike="noStrike" dirty="0">
-                        <a:solidFill>
-                          <a:srgbClr val="000000"/>
-                        </a:solidFill>
-                        <a:effectLst/>
-                        <a:latin typeface="Calibri" panose="020F0502020204030204" pitchFamily="34" charset="0"/>
-                      </a:endParaRPr>
-                    </a:p>
-                  </a:txBody>
-                  <a:tcPr marL="5855" marR="5855" marT="5855" marB="0" anchor="b">
-                    <a:solidFill>
-                      <a:schemeClr val="bg1">
-                        <a:lumMod val="75000"/>
-                      </a:schemeClr>
-                    </a:solidFill>
-                  </a:tcPr>
-                </a:tc>
-                <a:tc>
-                  <a:txBody>
-                    <a:bodyPr/>
-                    <a:lstStyle/>
-                    <a:p>
-                      <a:pPr algn="r" fontAlgn="b"/>
-                      <a:r>
-                        <a:rPr lang="ru-RU" sz="1400" u="none" strike="noStrike" dirty="0" smtClean="0">
-                          <a:effectLst/>
-                        </a:rPr>
-                        <a:t>5,37</a:t>
-                      </a:r>
-                      <a:endParaRPr lang="ru-RU" sz="1400" b="0" i="0" u="none" strike="noStrike" dirty="0">
-                        <a:solidFill>
-                          <a:srgbClr val="000000"/>
-                        </a:solidFill>
-                        <a:effectLst/>
-                        <a:latin typeface="Calibri" panose="020F0502020204030204" pitchFamily="34" charset="0"/>
-                      </a:endParaRPr>
-                    </a:p>
-                  </a:txBody>
-                  <a:tcPr marL="5855" marR="5855" marT="5855" marB="0" anchor="b">
-                    <a:solidFill>
-                      <a:schemeClr val="bg1">
-                        <a:lumMod val="75000"/>
-                      </a:schemeClr>
-                    </a:solidFill>
-                  </a:tcPr>
-                </a:tc>
-                <a:tc>
-                  <a:txBody>
-                    <a:bodyPr/>
-                    <a:lstStyle/>
-                    <a:p>
-                      <a:pPr algn="r" fontAlgn="b"/>
-                      <a:r>
-                        <a:rPr lang="ru-RU" sz="1400" u="none" strike="noStrike">
-                          <a:effectLst/>
-                        </a:rPr>
-                        <a:t>359,085</a:t>
-                      </a:r>
-                      <a:endParaRPr lang="ru-RU" sz="1400" b="0" i="0" u="none" strike="noStrike">
-                        <a:solidFill>
-                          <a:srgbClr val="000000"/>
-                        </a:solidFill>
-                        <a:effectLst/>
-                        <a:latin typeface="Calibri" panose="020F0502020204030204" pitchFamily="34" charset="0"/>
-                      </a:endParaRPr>
-                    </a:p>
-                  </a:txBody>
-                  <a:tcPr marL="5855" marR="5855" marT="5855" marB="0" anchor="b">
-                    <a:solidFill>
-                      <a:schemeClr val="bg1">
-                        <a:lumMod val="75000"/>
-                      </a:schemeClr>
-                    </a:solidFill>
-                  </a:tcPr>
-                </a:tc>
-              </a:tr>
-              <a:tr h="838063">
-                <a:tc>
-                  <a:txBody>
-                    <a:bodyPr/>
-                    <a:lstStyle/>
-                    <a:p>
-                      <a:pPr algn="l" fontAlgn="b"/>
-                      <a:r>
-                        <a:rPr lang="en-US" sz="1400" u="none" strike="noStrike">
-                          <a:effectLst/>
-                        </a:rPr>
-                        <a:t>neutral</a:t>
-                      </a:r>
-                      <a:endParaRPr lang="en-US" sz="1400" b="0" i="0" u="none" strike="noStrike">
-                        <a:solidFill>
-                          <a:srgbClr val="000000"/>
-                        </a:solidFill>
-                        <a:effectLst/>
-                        <a:latin typeface="Calibri" panose="020F0502020204030204" pitchFamily="34" charset="0"/>
-                      </a:endParaRPr>
-                    </a:p>
-                  </a:txBody>
-                  <a:tcPr marL="5855" marR="5855" marT="5855" marB="0" anchor="b">
-                    <a:solidFill>
-                      <a:schemeClr val="bg1">
-                        <a:lumMod val="75000"/>
-                      </a:schemeClr>
-                    </a:solidFill>
-                  </a:tcPr>
-                </a:tc>
-                <a:tc>
-                  <a:txBody>
-                    <a:bodyPr/>
-                    <a:lstStyle/>
-                    <a:p>
-                      <a:pPr algn="r" fontAlgn="b"/>
-                      <a:r>
-                        <a:rPr lang="ru-RU" sz="1400" u="none" strike="noStrike" dirty="0" smtClean="0">
-                          <a:effectLst/>
-                        </a:rPr>
-                        <a:t>64,65</a:t>
-                      </a:r>
-                      <a:endParaRPr lang="ru-RU" sz="1400" b="0" i="0" u="none" strike="noStrike" dirty="0">
-                        <a:solidFill>
-                          <a:srgbClr val="000000"/>
-                        </a:solidFill>
-                        <a:effectLst/>
-                        <a:latin typeface="Calibri" panose="020F0502020204030204" pitchFamily="34" charset="0"/>
-                      </a:endParaRPr>
-                    </a:p>
-                  </a:txBody>
-                  <a:tcPr marL="5855" marR="5855" marT="5855" marB="0" anchor="b">
-                    <a:solidFill>
-                      <a:schemeClr val="bg1">
-                        <a:lumMod val="75000"/>
-                      </a:schemeClr>
-                    </a:solidFill>
-                  </a:tcPr>
-                </a:tc>
-                <a:tc>
-                  <a:txBody>
-                    <a:bodyPr/>
-                    <a:lstStyle/>
-                    <a:p>
-                      <a:pPr algn="r" fontAlgn="b"/>
-                      <a:r>
-                        <a:rPr lang="ru-RU" sz="1400" u="none" strike="noStrike">
-                          <a:effectLst/>
-                        </a:rPr>
-                        <a:t>-8</a:t>
-                      </a:r>
-                      <a:endParaRPr lang="ru-RU" sz="1400" b="0" i="0" u="none" strike="noStrike">
-                        <a:solidFill>
-                          <a:srgbClr val="000000"/>
-                        </a:solidFill>
-                        <a:effectLst/>
-                        <a:latin typeface="Calibri" panose="020F0502020204030204" pitchFamily="34" charset="0"/>
-                      </a:endParaRPr>
-                    </a:p>
-                  </a:txBody>
-                  <a:tcPr marL="5855" marR="5855" marT="5855" marB="0" anchor="b">
-                    <a:solidFill>
-                      <a:schemeClr val="bg1">
-                        <a:lumMod val="75000"/>
-                      </a:schemeClr>
-                    </a:solidFill>
-                  </a:tcPr>
-                </a:tc>
-                <a:tc>
-                  <a:txBody>
-                    <a:bodyPr/>
-                    <a:lstStyle/>
-                    <a:p>
-                      <a:pPr algn="r" fontAlgn="b"/>
-                      <a:r>
-                        <a:rPr lang="ru-RU" sz="1400" u="none" strike="noStrike" dirty="0" smtClean="0">
-                          <a:effectLst/>
-                        </a:rPr>
-                        <a:t>18,76</a:t>
-                      </a:r>
-                      <a:endParaRPr lang="ru-RU" sz="1400" b="0" i="0" u="none" strike="noStrike" dirty="0">
-                        <a:solidFill>
-                          <a:srgbClr val="000000"/>
-                        </a:solidFill>
-                        <a:effectLst/>
-                        <a:latin typeface="Calibri" panose="020F0502020204030204" pitchFamily="34" charset="0"/>
-                      </a:endParaRPr>
-                    </a:p>
-                  </a:txBody>
-                  <a:tcPr marL="5855" marR="5855" marT="5855" marB="0" anchor="b">
-                    <a:solidFill>
-                      <a:schemeClr val="bg1">
-                        <a:lumMod val="75000"/>
-                      </a:schemeClr>
-                    </a:solidFill>
-                  </a:tcPr>
-                </a:tc>
-                <a:tc>
-                  <a:txBody>
-                    <a:bodyPr/>
-                    <a:lstStyle/>
-                    <a:p>
-                      <a:pPr algn="r" fontAlgn="b"/>
-                      <a:r>
-                        <a:rPr lang="ru-RU" sz="1400" u="none" strike="noStrike">
-                          <a:effectLst/>
-                        </a:rPr>
-                        <a:t>-3,2</a:t>
-                      </a:r>
-                      <a:endParaRPr lang="ru-RU" sz="1400" b="0" i="0" u="none" strike="noStrike">
-                        <a:solidFill>
-                          <a:srgbClr val="000000"/>
-                        </a:solidFill>
-                        <a:effectLst/>
-                        <a:latin typeface="Calibri" panose="020F0502020204030204" pitchFamily="34" charset="0"/>
-                      </a:endParaRPr>
-                    </a:p>
-                  </a:txBody>
-                  <a:tcPr marL="5855" marR="5855" marT="5855" marB="0" anchor="b">
-                    <a:solidFill>
-                      <a:schemeClr val="bg1">
-                        <a:lumMod val="75000"/>
-                      </a:schemeClr>
-                    </a:solidFill>
-                  </a:tcPr>
-                </a:tc>
-                <a:tc>
-                  <a:txBody>
-                    <a:bodyPr/>
-                    <a:lstStyle/>
-                    <a:p>
-                      <a:pPr algn="r" fontAlgn="b"/>
-                      <a:r>
-                        <a:rPr lang="ru-RU" sz="1400" u="none" strike="noStrike" dirty="0" smtClean="0">
-                          <a:effectLst/>
-                        </a:rPr>
-                        <a:t>193,49</a:t>
-                      </a:r>
-                      <a:endParaRPr lang="ru-RU" sz="1400" b="0" i="0" u="none" strike="noStrike" dirty="0">
-                        <a:solidFill>
-                          <a:srgbClr val="000000"/>
-                        </a:solidFill>
-                        <a:effectLst/>
-                        <a:latin typeface="Calibri" panose="020F0502020204030204" pitchFamily="34" charset="0"/>
-                      </a:endParaRPr>
-                    </a:p>
-                  </a:txBody>
-                  <a:tcPr marL="5855" marR="5855" marT="5855" marB="0" anchor="b">
-                    <a:solidFill>
-                      <a:schemeClr val="bg1">
-                        <a:lumMod val="75000"/>
-                      </a:schemeClr>
-                    </a:solidFill>
-                  </a:tcPr>
-                </a:tc>
-                <a:tc>
-                  <a:txBody>
-                    <a:bodyPr/>
-                    <a:lstStyle/>
-                    <a:p>
-                      <a:pPr algn="r" fontAlgn="b"/>
-                      <a:r>
-                        <a:rPr lang="ru-RU" sz="1400" u="none" strike="noStrike" dirty="0">
-                          <a:effectLst/>
-                        </a:rPr>
-                        <a:t>-</a:t>
-                      </a:r>
-                      <a:r>
-                        <a:rPr lang="ru-RU" sz="1400" u="none" strike="noStrike" dirty="0" smtClean="0">
-                          <a:effectLst/>
-                        </a:rPr>
-                        <a:t>1,66</a:t>
-                      </a:r>
-                      <a:endParaRPr lang="ru-RU" sz="1400" b="0" i="0" u="none" strike="noStrike" dirty="0">
-                        <a:solidFill>
-                          <a:srgbClr val="000000"/>
-                        </a:solidFill>
-                        <a:effectLst/>
-                        <a:latin typeface="Calibri" panose="020F0502020204030204" pitchFamily="34" charset="0"/>
-                      </a:endParaRPr>
-                    </a:p>
-                  </a:txBody>
-                  <a:tcPr marL="5855" marR="5855" marT="5855" marB="0" anchor="b">
-                    <a:solidFill>
-                      <a:schemeClr val="bg1">
-                        <a:lumMod val="75000"/>
-                      </a:schemeClr>
-                    </a:solidFill>
-                  </a:tcPr>
-                </a:tc>
-                <a:tc>
-                  <a:txBody>
-                    <a:bodyPr/>
-                    <a:lstStyle/>
-                    <a:p>
-                      <a:pPr algn="r" fontAlgn="b"/>
-                      <a:r>
-                        <a:rPr lang="ru-RU" sz="1400" u="none" strike="noStrike" dirty="0" smtClean="0">
-                          <a:effectLst/>
-                        </a:rPr>
-                        <a:t>299,02</a:t>
-                      </a:r>
-                      <a:endParaRPr lang="ru-RU" sz="1400" b="0" i="0" u="none" strike="noStrike" dirty="0">
-                        <a:solidFill>
-                          <a:srgbClr val="000000"/>
-                        </a:solidFill>
-                        <a:effectLst/>
-                        <a:latin typeface="Calibri" panose="020F0502020204030204" pitchFamily="34" charset="0"/>
-                      </a:endParaRPr>
-                    </a:p>
-                  </a:txBody>
-                  <a:tcPr marL="5855" marR="5855" marT="5855" marB="0" anchor="b">
-                    <a:solidFill>
-                      <a:schemeClr val="bg1">
-                        <a:lumMod val="75000"/>
-                      </a:schemeClr>
-                    </a:solidFill>
-                  </a:tcPr>
-                </a:tc>
-                <a:tc>
-                  <a:txBody>
-                    <a:bodyPr/>
-                    <a:lstStyle/>
-                    <a:p>
-                      <a:pPr algn="r" fontAlgn="b"/>
-                      <a:r>
-                        <a:rPr lang="ru-RU" sz="1400" u="none" strike="noStrike" dirty="0" smtClean="0">
-                          <a:effectLst/>
-                        </a:rPr>
-                        <a:t>0,66</a:t>
-                      </a:r>
-                      <a:endParaRPr lang="ru-RU" sz="1400" b="0" i="0" u="none" strike="noStrike" dirty="0">
-                        <a:solidFill>
-                          <a:srgbClr val="000000"/>
-                        </a:solidFill>
-                        <a:effectLst/>
-                        <a:latin typeface="Calibri" panose="020F0502020204030204" pitchFamily="34" charset="0"/>
-                      </a:endParaRPr>
-                    </a:p>
-                  </a:txBody>
-                  <a:tcPr marL="5855" marR="5855" marT="5855" marB="0" anchor="b">
-                    <a:solidFill>
-                      <a:schemeClr val="bg1">
-                        <a:lumMod val="75000"/>
-                      </a:schemeClr>
-                    </a:solidFill>
-                  </a:tcPr>
-                </a:tc>
-                <a:tc>
-                  <a:txBody>
-                    <a:bodyPr/>
-                    <a:lstStyle/>
-                    <a:p>
-                      <a:pPr algn="r" fontAlgn="b"/>
-                      <a:r>
-                        <a:rPr lang="ru-RU" sz="1400" u="none" strike="noStrike">
-                          <a:effectLst/>
-                        </a:rPr>
-                        <a:t>425,46</a:t>
-                      </a:r>
-                      <a:endParaRPr lang="ru-RU" sz="1400" b="0" i="0" u="none" strike="noStrike">
-                        <a:solidFill>
-                          <a:srgbClr val="000000"/>
-                        </a:solidFill>
-                        <a:effectLst/>
-                        <a:latin typeface="Calibri" panose="020F0502020204030204" pitchFamily="34" charset="0"/>
-                      </a:endParaRPr>
-                    </a:p>
-                  </a:txBody>
-                  <a:tcPr marL="5855" marR="5855" marT="5855" marB="0" anchor="b">
-                    <a:solidFill>
-                      <a:schemeClr val="bg1">
-                        <a:lumMod val="75000"/>
-                      </a:schemeClr>
-                    </a:solidFill>
-                  </a:tcPr>
-                </a:tc>
-                <a:tc>
-                  <a:txBody>
-                    <a:bodyPr/>
-                    <a:lstStyle/>
-                    <a:p>
-                      <a:pPr algn="r" fontAlgn="b"/>
-                      <a:r>
-                        <a:rPr lang="ru-RU" sz="1400" u="none" strike="noStrike" dirty="0">
-                          <a:effectLst/>
-                        </a:rPr>
-                        <a:t>2,6</a:t>
-                      </a:r>
-                      <a:endParaRPr lang="ru-RU" sz="1400" b="0" i="0" u="none" strike="noStrike" dirty="0">
-                        <a:solidFill>
-                          <a:srgbClr val="000000"/>
-                        </a:solidFill>
-                        <a:effectLst/>
-                        <a:latin typeface="Calibri" panose="020F0502020204030204" pitchFamily="34" charset="0"/>
-                      </a:endParaRPr>
-                    </a:p>
-                  </a:txBody>
-                  <a:tcPr marL="5855" marR="5855" marT="5855" marB="0" anchor="b">
-                    <a:solidFill>
-                      <a:schemeClr val="bg1">
-                        <a:lumMod val="75000"/>
-                      </a:schemeClr>
-                    </a:solidFill>
-                  </a:tcPr>
-                </a:tc>
-                <a:tc>
-                  <a:txBody>
-                    <a:bodyPr/>
-                    <a:lstStyle/>
-                    <a:p>
-                      <a:pPr algn="r" fontAlgn="b"/>
-                      <a:r>
-                        <a:rPr lang="ru-RU" sz="1400" u="none" strike="noStrike">
-                          <a:effectLst/>
-                        </a:rPr>
-                        <a:t>457,2</a:t>
-                      </a:r>
-                      <a:endParaRPr lang="ru-RU" sz="1400" b="0" i="0" u="none" strike="noStrike">
-                        <a:solidFill>
-                          <a:srgbClr val="000000"/>
-                        </a:solidFill>
-                        <a:effectLst/>
-                        <a:latin typeface="Calibri" panose="020F0502020204030204" pitchFamily="34" charset="0"/>
-                      </a:endParaRPr>
-                    </a:p>
-                  </a:txBody>
-                  <a:tcPr marL="5855" marR="5855" marT="5855" marB="0" anchor="b">
-                    <a:solidFill>
-                      <a:schemeClr val="bg1">
-                        <a:lumMod val="75000"/>
-                      </a:schemeClr>
-                    </a:solidFill>
-                  </a:tcPr>
-                </a:tc>
-                <a:tc>
-                  <a:txBody>
-                    <a:bodyPr/>
-                    <a:lstStyle/>
-                    <a:p>
-                      <a:pPr algn="r" fontAlgn="b"/>
-                      <a:r>
-                        <a:rPr lang="ru-RU" sz="1400" u="none" strike="noStrike">
-                          <a:effectLst/>
-                        </a:rPr>
-                        <a:t>27,61</a:t>
-                      </a:r>
-                      <a:endParaRPr lang="ru-RU" sz="1400" b="0" i="0" u="none" strike="noStrike">
-                        <a:solidFill>
-                          <a:srgbClr val="000000"/>
-                        </a:solidFill>
-                        <a:effectLst/>
-                        <a:latin typeface="Calibri" panose="020F0502020204030204" pitchFamily="34" charset="0"/>
-                      </a:endParaRPr>
-                    </a:p>
-                  </a:txBody>
-                  <a:tcPr marL="5855" marR="5855" marT="5855" marB="0" anchor="b">
-                    <a:solidFill>
-                      <a:schemeClr val="bg1">
-                        <a:lumMod val="75000"/>
-                      </a:schemeClr>
-                    </a:solidFill>
-                  </a:tcPr>
-                </a:tc>
-                <a:tc>
-                  <a:txBody>
-                    <a:bodyPr/>
-                    <a:lstStyle/>
-                    <a:p>
-                      <a:pPr algn="r" fontAlgn="b"/>
-                      <a:r>
-                        <a:rPr lang="ru-RU" sz="1400" u="none" strike="noStrike" dirty="0" smtClean="0">
-                          <a:effectLst/>
-                        </a:rPr>
-                        <a:t>6720,77</a:t>
-                      </a:r>
-                      <a:endParaRPr lang="ru-RU" sz="1400" b="0" i="0" u="none" strike="noStrike" dirty="0">
-                        <a:solidFill>
-                          <a:srgbClr val="000000"/>
-                        </a:solidFill>
-                        <a:effectLst/>
-                        <a:latin typeface="Calibri" panose="020F0502020204030204" pitchFamily="34" charset="0"/>
-                      </a:endParaRPr>
-                    </a:p>
-                  </a:txBody>
-                  <a:tcPr marL="5855" marR="5855" marT="5855" marB="0" anchor="b">
-                    <a:solidFill>
-                      <a:schemeClr val="bg1">
-                        <a:lumMod val="75000"/>
-                      </a:schemeClr>
-                    </a:solidFill>
-                  </a:tcPr>
-                </a:tc>
-                <a:tc>
-                  <a:txBody>
-                    <a:bodyPr/>
-                    <a:lstStyle/>
-                    <a:p>
-                      <a:pPr algn="r" fontAlgn="b"/>
-                      <a:r>
-                        <a:rPr lang="ru-RU" sz="1400" u="none" strike="noStrike" dirty="0" smtClean="0">
-                          <a:effectLst/>
-                        </a:rPr>
-                        <a:t>36,24</a:t>
-                      </a:r>
-                      <a:endParaRPr lang="ru-RU" sz="1400" b="0" i="0" u="none" strike="noStrike" dirty="0">
-                        <a:solidFill>
-                          <a:srgbClr val="000000"/>
-                        </a:solidFill>
-                        <a:effectLst/>
-                        <a:latin typeface="Calibri" panose="020F0502020204030204" pitchFamily="34" charset="0"/>
-                      </a:endParaRPr>
-                    </a:p>
-                  </a:txBody>
-                  <a:tcPr marL="5855" marR="5855" marT="5855" marB="0" anchor="b">
-                    <a:solidFill>
-                      <a:schemeClr val="bg1">
-                        <a:lumMod val="75000"/>
-                      </a:schemeClr>
-                    </a:solidFill>
-                  </a:tcPr>
-                </a:tc>
-                <a:tc>
-                  <a:txBody>
-                    <a:bodyPr/>
-                    <a:lstStyle/>
-                    <a:p>
-                      <a:pPr algn="r" fontAlgn="b"/>
-                      <a:r>
-                        <a:rPr lang="ru-RU" sz="1400" u="none" strike="noStrike" dirty="0" smtClean="0">
-                          <a:effectLst/>
-                        </a:rPr>
-                        <a:t>24,66</a:t>
-                      </a:r>
-                      <a:endParaRPr lang="ru-RU" sz="1400" b="0" i="0" u="none" strike="noStrike" dirty="0">
-                        <a:solidFill>
-                          <a:srgbClr val="000000"/>
-                        </a:solidFill>
-                        <a:effectLst/>
-                        <a:latin typeface="Calibri" panose="020F0502020204030204" pitchFamily="34" charset="0"/>
-                      </a:endParaRPr>
-                    </a:p>
-                  </a:txBody>
-                  <a:tcPr marL="5855" marR="5855" marT="5855" marB="0" anchor="b">
-                    <a:solidFill>
-                      <a:schemeClr val="bg1">
-                        <a:lumMod val="75000"/>
-                      </a:schemeClr>
-                    </a:solidFill>
-                  </a:tcPr>
-                </a:tc>
-                <a:tc>
-                  <a:txBody>
-                    <a:bodyPr/>
-                    <a:lstStyle/>
-                    <a:p>
-                      <a:pPr algn="r" fontAlgn="b"/>
-                      <a:r>
-                        <a:rPr lang="ru-RU" sz="1400" u="none" strike="noStrike" dirty="0">
-                          <a:effectLst/>
-                        </a:rPr>
-                        <a:t>5,4</a:t>
-                      </a:r>
-                      <a:endParaRPr lang="ru-RU" sz="1400" b="0" i="0" u="none" strike="noStrike" dirty="0">
-                        <a:solidFill>
-                          <a:srgbClr val="000000"/>
-                        </a:solidFill>
-                        <a:effectLst/>
-                        <a:latin typeface="Calibri" panose="020F0502020204030204" pitchFamily="34" charset="0"/>
-                      </a:endParaRPr>
-                    </a:p>
-                  </a:txBody>
-                  <a:tcPr marL="5855" marR="5855" marT="5855" marB="0" anchor="b">
-                    <a:solidFill>
-                      <a:schemeClr val="bg1">
-                        <a:lumMod val="75000"/>
-                      </a:schemeClr>
-                    </a:solidFill>
-                  </a:tcPr>
-                </a:tc>
-                <a:tc>
-                  <a:txBody>
-                    <a:bodyPr/>
-                    <a:lstStyle/>
-                    <a:p>
-                      <a:pPr algn="r" fontAlgn="b"/>
-                      <a:r>
-                        <a:rPr lang="ru-RU" sz="1400" u="none" strike="noStrike" dirty="0">
-                          <a:effectLst/>
-                        </a:rPr>
-                        <a:t>350,02</a:t>
-                      </a:r>
-                      <a:endParaRPr lang="ru-RU" sz="1400" b="0" i="0" u="none" strike="noStrike" dirty="0">
-                        <a:solidFill>
-                          <a:srgbClr val="000000"/>
-                        </a:solidFill>
-                        <a:effectLst/>
-                        <a:latin typeface="Calibri" panose="020F0502020204030204" pitchFamily="34" charset="0"/>
-                      </a:endParaRPr>
-                    </a:p>
-                  </a:txBody>
-                  <a:tcPr marL="5855" marR="5855" marT="5855" marB="0" anchor="b">
-                    <a:solidFill>
-                      <a:schemeClr val="bg1">
-                        <a:lumMod val="75000"/>
-                      </a:schemeClr>
-                    </a:solidFill>
-                  </a:tcPr>
+                  <a:tcPr/>
                 </a:tc>
               </a:tr>
             </a:tbl>
@@ -7588,7 +5644,827 @@
     </p:spTree>
     <p:extLst>
       <p:ext uri="{BB962C8B-B14F-4D97-AF65-F5344CB8AC3E}">
-        <p14:creationId xmlns:p14="http://schemas.microsoft.com/office/powerpoint/2010/main" val="3820202166"/>
+        <p14:creationId xmlns:p14="http://schemas.microsoft.com/office/powerpoint/2010/main" val="406088039"/>
+      </p:ext>
+    </p:extLst>
+  </p:cSld>
+  <p:clrMapOvr>
+    <a:masterClrMapping/>
+  </p:clrMapOvr>
+</p:sld>
+</file>
+
+<file path=ppt/slides/slide23.xml><?xml version="1.0" encoding="utf-8"?>
+<p:sld xmlns:a="http://schemas.openxmlformats.org/drawingml/2006/main" xmlns:r="http://schemas.openxmlformats.org/officeDocument/2006/relationships" xmlns:p="http://schemas.openxmlformats.org/presentationml/2006/main">
+  <p:cSld>
+    <p:spTree>
+      <p:nvGrpSpPr>
+        <p:cNvPr id="1" name=""/>
+        <p:cNvGrpSpPr/>
+        <p:nvPr/>
+      </p:nvGrpSpPr>
+      <p:grpSpPr>
+        <a:xfrm>
+          <a:off x="0" y="0"/>
+          <a:ext cx="0" cy="0"/>
+          <a:chOff x="0" y="0"/>
+          <a:chExt cx="0" cy="0"/>
+        </a:xfrm>
+      </p:grpSpPr>
+      <p:sp>
+        <p:nvSpPr>
+          <p:cNvPr id="2" name="Заголовок 1"/>
+          <p:cNvSpPr>
+            <a:spLocks noGrp="1"/>
+          </p:cNvSpPr>
+          <p:nvPr>
+            <p:ph type="title"/>
+          </p:nvPr>
+        </p:nvSpPr>
+        <p:spPr/>
+        <p:txBody>
+          <a:bodyPr/>
+          <a:lstStyle/>
+          <a:p>
+            <a:r>
+              <a:rPr lang="en-US" dirty="0" smtClean="0"/>
+              <a:t>System as a whole</a:t>
+            </a:r>
+            <a:endParaRPr lang="ru-RU" dirty="0"/>
+          </a:p>
+        </p:txBody>
+      </p:sp>
+      <p:pic>
+        <p:nvPicPr>
+          <p:cNvPr id="3" name="Рисунок 2"/>
+          <p:cNvPicPr>
+            <a:picLocks noChangeAspect="1"/>
+          </p:cNvPicPr>
+          <p:nvPr/>
+        </p:nvPicPr>
+        <p:blipFill>
+          <a:blip r:embed="rId2">
+            <a:extLst>
+              <a:ext uri="{28A0092B-C50C-407E-A947-70E740481C1C}">
+                <a14:useLocalDpi xmlns:a14="http://schemas.microsoft.com/office/drawing/2010/main" val="0"/>
+              </a:ext>
+            </a:extLst>
+          </a:blip>
+          <a:stretch>
+            <a:fillRect/>
+          </a:stretch>
+        </p:blipFill>
+        <p:spPr>
+          <a:xfrm>
+            <a:off x="1151573" y="1690688"/>
+            <a:ext cx="9363836" cy="4465413"/>
+          </a:xfrm>
+          <a:prstGeom prst="rect">
+            <a:avLst/>
+          </a:prstGeom>
+        </p:spPr>
+      </p:pic>
+    </p:spTree>
+    <p:extLst>
+      <p:ext uri="{BB962C8B-B14F-4D97-AF65-F5344CB8AC3E}">
+        <p14:creationId xmlns:p14="http://schemas.microsoft.com/office/powerpoint/2010/main" val="9404594"/>
+      </p:ext>
+    </p:extLst>
+  </p:cSld>
+  <p:clrMapOvr>
+    <a:masterClrMapping/>
+  </p:clrMapOvr>
+</p:sld>
+</file>
+
+<file path=ppt/slides/slide24.xml><?xml version="1.0" encoding="utf-8"?>
+<p:sld xmlns:a="http://schemas.openxmlformats.org/drawingml/2006/main" xmlns:r="http://schemas.openxmlformats.org/officeDocument/2006/relationships" xmlns:p="http://schemas.openxmlformats.org/presentationml/2006/main">
+  <p:cSld>
+    <p:spTree>
+      <p:nvGrpSpPr>
+        <p:cNvPr id="1" name=""/>
+        <p:cNvGrpSpPr/>
+        <p:nvPr/>
+      </p:nvGrpSpPr>
+      <p:grpSpPr>
+        <a:xfrm>
+          <a:off x="0" y="0"/>
+          <a:ext cx="0" cy="0"/>
+          <a:chOff x="0" y="0"/>
+          <a:chExt cx="0" cy="0"/>
+        </a:xfrm>
+      </p:grpSpPr>
+      <p:sp>
+        <p:nvSpPr>
+          <p:cNvPr id="2" name="Заголовок 1"/>
+          <p:cNvSpPr>
+            <a:spLocks noGrp="1"/>
+          </p:cNvSpPr>
+          <p:nvPr>
+            <p:ph type="title"/>
+          </p:nvPr>
+        </p:nvSpPr>
+        <p:spPr>
+          <a:xfrm>
+            <a:off x="3815861" y="2615955"/>
+            <a:ext cx="10515600" cy="1325563"/>
+          </a:xfrm>
+        </p:spPr>
+        <p:txBody>
+          <a:bodyPr>
+            <a:normAutofit/>
+          </a:bodyPr>
+          <a:lstStyle/>
+          <a:p>
+            <a:r>
+              <a:rPr lang="en-US" sz="8000" dirty="0" smtClean="0"/>
+              <a:t>Testing</a:t>
+            </a:r>
+            <a:endParaRPr lang="ru-RU" sz="8000" dirty="0"/>
+          </a:p>
+        </p:txBody>
+      </p:sp>
+    </p:spTree>
+    <p:extLst>
+      <p:ext uri="{BB962C8B-B14F-4D97-AF65-F5344CB8AC3E}">
+        <p14:creationId xmlns:p14="http://schemas.microsoft.com/office/powerpoint/2010/main" val="2974222699"/>
+      </p:ext>
+    </p:extLst>
+  </p:cSld>
+  <p:clrMapOvr>
+    <a:masterClrMapping/>
+  </p:clrMapOvr>
+</p:sld>
+</file>
+
+<file path=ppt/slides/slide25.xml><?xml version="1.0" encoding="utf-8"?>
+<p:sld xmlns:a="http://schemas.openxmlformats.org/drawingml/2006/main" xmlns:r="http://schemas.openxmlformats.org/officeDocument/2006/relationships" xmlns:p="http://schemas.openxmlformats.org/presentationml/2006/main">
+  <p:cSld>
+    <p:spTree>
+      <p:nvGrpSpPr>
+        <p:cNvPr id="1" name=""/>
+        <p:cNvGrpSpPr/>
+        <p:nvPr/>
+      </p:nvGrpSpPr>
+      <p:grpSpPr>
+        <a:xfrm>
+          <a:off x="0" y="0"/>
+          <a:ext cx="0" cy="0"/>
+          <a:chOff x="0" y="0"/>
+          <a:chExt cx="0" cy="0"/>
+        </a:xfrm>
+      </p:grpSpPr>
+      <p:sp>
+        <p:nvSpPr>
+          <p:cNvPr id="2" name="Заголовок 1"/>
+          <p:cNvSpPr>
+            <a:spLocks noGrp="1"/>
+          </p:cNvSpPr>
+          <p:nvPr>
+            <p:ph type="title"/>
+          </p:nvPr>
+        </p:nvSpPr>
+        <p:spPr/>
+        <p:txBody>
+          <a:bodyPr/>
+          <a:lstStyle/>
+          <a:p>
+            <a:r>
+              <a:rPr lang="en-US" dirty="0" smtClean="0"/>
+              <a:t>Human </a:t>
+            </a:r>
+            <a:r>
+              <a:rPr lang="en-US" dirty="0"/>
+              <a:t>performance and ambiguity of emotions</a:t>
+            </a:r>
+            <a:endParaRPr lang="ru-RU" dirty="0"/>
+          </a:p>
+        </p:txBody>
+      </p:sp>
+      <p:pic>
+        <p:nvPicPr>
+          <p:cNvPr id="4" name="Объект 3"/>
+          <p:cNvPicPr>
+            <a:picLocks noGrp="1" noChangeAspect="1"/>
+          </p:cNvPicPr>
+          <p:nvPr>
+            <p:ph idx="1"/>
+          </p:nvPr>
+        </p:nvPicPr>
+        <p:blipFill>
+          <a:blip r:embed="rId6">
+            <a:extLst>
+              <a:ext uri="{28A0092B-C50C-407E-A947-70E740481C1C}">
+                <a14:useLocalDpi xmlns:a14="http://schemas.microsoft.com/office/drawing/2010/main" val="0"/>
+              </a:ext>
+            </a:extLst>
+          </a:blip>
+          <a:stretch>
+            <a:fillRect/>
+          </a:stretch>
+        </p:blipFill>
+        <p:spPr>
+          <a:xfrm>
+            <a:off x="1970469" y="2949824"/>
+            <a:ext cx="7309833" cy="2965667"/>
+          </a:xfrm>
+        </p:spPr>
+      </p:pic>
+      <p:sp>
+        <p:nvSpPr>
+          <p:cNvPr id="5" name="TextBox 4"/>
+          <p:cNvSpPr txBox="1"/>
+          <p:nvPr/>
+        </p:nvSpPr>
+        <p:spPr>
+          <a:xfrm>
+            <a:off x="669701" y="6207519"/>
+            <a:ext cx="10395795" cy="646331"/>
+          </a:xfrm>
+          <a:prstGeom prst="rect">
+            <a:avLst/>
+          </a:prstGeom>
+          <a:noFill/>
+        </p:spPr>
+        <p:txBody>
+          <a:bodyPr wrap="none" rtlCol="0">
+            <a:spAutoFit/>
+          </a:bodyPr>
+          <a:lstStyle/>
+          <a:p>
+            <a:r>
+              <a:rPr lang="en-US" dirty="0"/>
+              <a:t>”Recognizing emotion in speech”, Frank </a:t>
+            </a:r>
+            <a:r>
+              <a:rPr lang="en-US" dirty="0" err="1"/>
+              <a:t>Dellaert</a:t>
+            </a:r>
+            <a:r>
+              <a:rPr lang="en-US" dirty="0"/>
+              <a:t>, Thomas </a:t>
+            </a:r>
+            <a:r>
+              <a:rPr lang="en-US" dirty="0" err="1"/>
+              <a:t>Polzin</a:t>
+            </a:r>
+            <a:r>
+              <a:rPr lang="en-US" dirty="0"/>
+              <a:t> and Alex </a:t>
+            </a:r>
+            <a:r>
+              <a:rPr lang="en-US" dirty="0" err="1"/>
+              <a:t>Waibel</a:t>
+            </a:r>
+            <a:r>
+              <a:rPr lang="en-US" dirty="0"/>
+              <a:t>. Carnegie Mellon University.</a:t>
+            </a:r>
+          </a:p>
+          <a:p>
+            <a:endParaRPr lang="ru-RU" dirty="0"/>
+          </a:p>
+        </p:txBody>
+      </p:sp>
+      <p:pic>
+        <p:nvPicPr>
+          <p:cNvPr id="6" name="11b03Wa">
+            <a:hlinkClick r:id="" action="ppaction://media"/>
+          </p:cNvPr>
+          <p:cNvPicPr>
+            <a:picLocks noChangeAspect="1"/>
+          </p:cNvPicPr>
+          <p:nvPr>
+            <a:audioFile r:link="rId2"/>
+            <p:extLst>
+              <p:ext uri="{DAA4B4D4-6D71-4841-9C94-3DE7FCFB9230}">
+                <p14:media xmlns:p14="http://schemas.microsoft.com/office/powerpoint/2010/main" r:embed="rId1"/>
+              </p:ext>
+            </p:extLst>
+          </p:nvPr>
+        </p:nvPicPr>
+        <p:blipFill>
+          <a:blip r:embed="rId7"/>
+          <a:stretch>
+            <a:fillRect/>
+          </a:stretch>
+        </p:blipFill>
+        <p:spPr>
+          <a:xfrm>
+            <a:off x="3685706" y="1677916"/>
+            <a:ext cx="609600" cy="609600"/>
+          </a:xfrm>
+          <a:prstGeom prst="rect">
+            <a:avLst/>
+          </a:prstGeom>
+        </p:spPr>
+      </p:pic>
+      <p:pic>
+        <p:nvPicPr>
+          <p:cNvPr id="7" name="09a01Fa">
+            <a:hlinkClick r:id="" action="ppaction://media"/>
+          </p:cNvPr>
+          <p:cNvPicPr>
+            <a:picLocks noChangeAspect="1"/>
+          </p:cNvPicPr>
+          <p:nvPr>
+            <a:audioFile r:link="rId4"/>
+            <p:extLst>
+              <p:ext uri="{DAA4B4D4-6D71-4841-9C94-3DE7FCFB9230}">
+                <p14:media xmlns:p14="http://schemas.microsoft.com/office/powerpoint/2010/main" r:embed="rId3"/>
+              </p:ext>
+            </p:extLst>
+          </p:nvPr>
+        </p:nvPicPr>
+        <p:blipFill>
+          <a:blip r:embed="rId7"/>
+          <a:stretch>
+            <a:fillRect/>
+          </a:stretch>
+        </p:blipFill>
+        <p:spPr>
+          <a:xfrm>
+            <a:off x="5791200" y="1704270"/>
+            <a:ext cx="609600" cy="609600"/>
+          </a:xfrm>
+          <a:prstGeom prst="rect">
+            <a:avLst/>
+          </a:prstGeom>
+        </p:spPr>
+      </p:pic>
+    </p:spTree>
+    <p:extLst>
+      <p:ext uri="{BB962C8B-B14F-4D97-AF65-F5344CB8AC3E}">
+        <p14:creationId xmlns:p14="http://schemas.microsoft.com/office/powerpoint/2010/main" val="941059994"/>
+      </p:ext>
+    </p:extLst>
+  </p:cSld>
+  <p:clrMapOvr>
+    <a:masterClrMapping/>
+  </p:clrMapOvr>
+  <p:timing>
+    <p:tnLst>
+      <p:par>
+        <p:cTn id="1" dur="indefinite" restart="never" nodeType="tmRoot">
+          <p:childTnLst>
+            <p:seq concurrent="1" nextAc="seek">
+              <p:cTn id="2" restart="whenNotActive" fill="hold" evtFilter="cancelBubble" nodeType="interactiveSeq">
+                <p:stCondLst>
+                  <p:cond evt="onClick" delay="0">
+                    <p:tgtEl>
+                      <p:spTgt spid="6"/>
+                    </p:tgtEl>
+                  </p:cond>
+                </p:stCondLst>
+                <p:endSync evt="end" delay="0">
+                  <p:rtn val="all"/>
+                </p:endSync>
+                <p:childTnLst>
+                  <p:par>
+                    <p:cTn id="3" fill="hold">
+                      <p:stCondLst>
+                        <p:cond delay="0"/>
+                      </p:stCondLst>
+                      <p:childTnLst>
+                        <p:par>
+                          <p:cTn id="4" fill="hold">
+                            <p:stCondLst>
+                              <p:cond delay="0"/>
+                            </p:stCondLst>
+                            <p:childTnLst>
+                              <p:par>
+                                <p:cTn id="5" presetID="1" presetClass="mediacall" presetSubtype="0" fill="hold" nodeType="clickEffect">
+                                  <p:stCondLst>
+                                    <p:cond delay="0"/>
+                                  </p:stCondLst>
+                                  <p:childTnLst>
+                                    <p:cmd type="call" cmd="playFrom(0.0)">
+                                      <p:cBhvr>
+                                        <p:cTn id="6" dur="4064" fill="hold"/>
+                                        <p:tgtEl>
+                                          <p:spTgt spid="6"/>
+                                        </p:tgtEl>
+                                      </p:cBhvr>
+                                    </p:cmd>
+                                  </p:childTnLst>
+                                </p:cTn>
+                              </p:par>
+                            </p:childTnLst>
+                          </p:cTn>
+                        </p:par>
+                      </p:childTnLst>
+                    </p:cTn>
+                  </p:par>
+                </p:childTnLst>
+              </p:cTn>
+              <p:nextCondLst>
+                <p:cond evt="onClick" delay="0">
+                  <p:tgtEl>
+                    <p:spTgt spid="6"/>
+                  </p:tgtEl>
+                </p:cond>
+              </p:nextCondLst>
+            </p:seq>
+            <p:audio>
+              <p:cMediaNode vol="100000">
+                <p:cTn id="7" fill="hold" display="0">
+                  <p:stCondLst>
+                    <p:cond delay="indefinite"/>
+                  </p:stCondLst>
+                  <p:endCondLst>
+                    <p:cond evt="onStopAudio" delay="0">
+                      <p:tgtEl>
+                        <p:sldTgt/>
+                      </p:tgtEl>
+                    </p:cond>
+                  </p:endCondLst>
+                </p:cTn>
+                <p:tgtEl>
+                  <p:spTgt spid="6"/>
+                </p:tgtEl>
+              </p:cMediaNode>
+            </p:audio>
+            <p:seq concurrent="1" nextAc="seek">
+              <p:cTn id="8" restart="whenNotActive" fill="hold" evtFilter="cancelBubble" nodeType="interactiveSeq">
+                <p:stCondLst>
+                  <p:cond evt="onClick" delay="0">
+                    <p:tgtEl>
+                      <p:spTgt spid="7"/>
+                    </p:tgtEl>
+                  </p:cond>
+                </p:stCondLst>
+                <p:endSync evt="end" delay="0">
+                  <p:rtn val="all"/>
+                </p:endSync>
+                <p:childTnLst>
+                  <p:par>
+                    <p:cTn id="9" fill="hold">
+                      <p:stCondLst>
+                        <p:cond delay="0"/>
+                      </p:stCondLst>
+                      <p:childTnLst>
+                        <p:par>
+                          <p:cTn id="10" fill="hold">
+                            <p:stCondLst>
+                              <p:cond delay="0"/>
+                            </p:stCondLst>
+                            <p:childTnLst>
+                              <p:par>
+                                <p:cTn id="11" presetID="1" presetClass="mediacall" presetSubtype="0" fill="hold" nodeType="clickEffect">
+                                  <p:stCondLst>
+                                    <p:cond delay="0"/>
+                                  </p:stCondLst>
+                                  <p:childTnLst>
+                                    <p:cmd type="call" cmd="playFrom(0.0)">
+                                      <p:cBhvr>
+                                        <p:cTn id="12" dur="1831" fill="hold"/>
+                                        <p:tgtEl>
+                                          <p:spTgt spid="7"/>
+                                        </p:tgtEl>
+                                      </p:cBhvr>
+                                    </p:cmd>
+                                  </p:childTnLst>
+                                </p:cTn>
+                              </p:par>
+                            </p:childTnLst>
+                          </p:cTn>
+                        </p:par>
+                      </p:childTnLst>
+                    </p:cTn>
+                  </p:par>
+                </p:childTnLst>
+              </p:cTn>
+              <p:nextCondLst>
+                <p:cond evt="onClick" delay="0">
+                  <p:tgtEl>
+                    <p:spTgt spid="7"/>
+                  </p:tgtEl>
+                </p:cond>
+              </p:nextCondLst>
+            </p:seq>
+            <p:audio>
+              <p:cMediaNode vol="100000">
+                <p:cTn id="13" fill="hold" display="0">
+                  <p:stCondLst>
+                    <p:cond delay="indefinite"/>
+                  </p:stCondLst>
+                  <p:endCondLst>
+                    <p:cond evt="onStopAudio" delay="0">
+                      <p:tgtEl>
+                        <p:sldTgt/>
+                      </p:tgtEl>
+                    </p:cond>
+                  </p:endCondLst>
+                </p:cTn>
+                <p:tgtEl>
+                  <p:spTgt spid="7"/>
+                </p:tgtEl>
+              </p:cMediaNode>
+            </p:audio>
+          </p:childTnLst>
+        </p:cTn>
+      </p:par>
+    </p:tnLst>
+  </p:timing>
+</p:sld>
+</file>
+
+<file path=ppt/slides/slide26.xml><?xml version="1.0" encoding="utf-8"?>
+<p:sld xmlns:a="http://schemas.openxmlformats.org/drawingml/2006/main" xmlns:r="http://schemas.openxmlformats.org/officeDocument/2006/relationships" xmlns:p="http://schemas.openxmlformats.org/presentationml/2006/main">
+  <p:cSld>
+    <p:spTree>
+      <p:nvGrpSpPr>
+        <p:cNvPr id="1" name=""/>
+        <p:cNvGrpSpPr/>
+        <p:nvPr/>
+      </p:nvGrpSpPr>
+      <p:grpSpPr>
+        <a:xfrm>
+          <a:off x="0" y="0"/>
+          <a:ext cx="0" cy="0"/>
+          <a:chOff x="0" y="0"/>
+          <a:chExt cx="0" cy="0"/>
+        </a:xfrm>
+      </p:grpSpPr>
+      <p:sp>
+        <p:nvSpPr>
+          <p:cNvPr id="2" name="Заголовок 1"/>
+          <p:cNvSpPr>
+            <a:spLocks noGrp="1"/>
+          </p:cNvSpPr>
+          <p:nvPr>
+            <p:ph type="title"/>
+          </p:nvPr>
+        </p:nvSpPr>
+        <p:spPr/>
+        <p:txBody>
+          <a:bodyPr/>
+          <a:lstStyle/>
+          <a:p>
+            <a:r>
+              <a:rPr lang="en-US" dirty="0" smtClean="0"/>
+              <a:t>Results with 4 basic emotions classification</a:t>
+            </a:r>
+            <a:endParaRPr lang="ru-RU" dirty="0"/>
+          </a:p>
+        </p:txBody>
+      </p:sp>
+      <p:sp>
+        <p:nvSpPr>
+          <p:cNvPr id="3" name="Объект 2"/>
+          <p:cNvSpPr>
+            <a:spLocks noGrp="1"/>
+          </p:cNvSpPr>
+          <p:nvPr>
+            <p:ph idx="1"/>
+          </p:nvPr>
+        </p:nvSpPr>
+        <p:spPr/>
+        <p:txBody>
+          <a:bodyPr/>
+          <a:lstStyle/>
+          <a:p>
+            <a:r>
+              <a:rPr lang="en-US" dirty="0" smtClean="0"/>
+              <a:t>Precision ~60 %</a:t>
+            </a:r>
+          </a:p>
+          <a:p>
+            <a:r>
+              <a:rPr lang="en-US" dirty="0" smtClean="0"/>
+              <a:t>Recall ~65 %</a:t>
+            </a:r>
+          </a:p>
+        </p:txBody>
+      </p:sp>
+    </p:spTree>
+    <p:extLst>
+      <p:ext uri="{BB962C8B-B14F-4D97-AF65-F5344CB8AC3E}">
+        <p14:creationId xmlns:p14="http://schemas.microsoft.com/office/powerpoint/2010/main" val="2207014482"/>
+      </p:ext>
+    </p:extLst>
+  </p:cSld>
+  <p:clrMapOvr>
+    <a:masterClrMapping/>
+  </p:clrMapOvr>
+</p:sld>
+</file>
+
+<file path=ppt/slides/slide27.xml><?xml version="1.0" encoding="utf-8"?>
+<p:sld xmlns:a="http://schemas.openxmlformats.org/drawingml/2006/main" xmlns:r="http://schemas.openxmlformats.org/officeDocument/2006/relationships" xmlns:p="http://schemas.openxmlformats.org/presentationml/2006/main">
+  <p:cSld>
+    <p:spTree>
+      <p:nvGrpSpPr>
+        <p:cNvPr id="1" name=""/>
+        <p:cNvGrpSpPr/>
+        <p:nvPr/>
+      </p:nvGrpSpPr>
+      <p:grpSpPr>
+        <a:xfrm>
+          <a:off x="0" y="0"/>
+          <a:ext cx="0" cy="0"/>
+          <a:chOff x="0" y="0"/>
+          <a:chExt cx="0" cy="0"/>
+        </a:xfrm>
+      </p:grpSpPr>
+      <p:sp>
+        <p:nvSpPr>
+          <p:cNvPr id="2" name="Заголовок 1"/>
+          <p:cNvSpPr>
+            <a:spLocks noGrp="1"/>
+          </p:cNvSpPr>
+          <p:nvPr>
+            <p:ph type="title"/>
+          </p:nvPr>
+        </p:nvSpPr>
+        <p:spPr/>
+        <p:txBody>
+          <a:bodyPr/>
+          <a:lstStyle/>
+          <a:p>
+            <a:r>
+              <a:rPr lang="en-US" dirty="0" smtClean="0"/>
+              <a:t>Results with active-passive emotions classification </a:t>
+            </a:r>
+            <a:endParaRPr lang="ru-RU" dirty="0"/>
+          </a:p>
+        </p:txBody>
+      </p:sp>
+      <p:sp>
+        <p:nvSpPr>
+          <p:cNvPr id="3" name="Объект 2"/>
+          <p:cNvSpPr>
+            <a:spLocks noGrp="1"/>
+          </p:cNvSpPr>
+          <p:nvPr>
+            <p:ph idx="1"/>
+          </p:nvPr>
+        </p:nvSpPr>
+        <p:spPr/>
+        <p:txBody>
+          <a:bodyPr/>
+          <a:lstStyle/>
+          <a:p>
+            <a:r>
+              <a:rPr lang="en-US" dirty="0" smtClean="0"/>
+              <a:t>Precision ~75%</a:t>
+            </a:r>
+          </a:p>
+          <a:p>
+            <a:r>
+              <a:rPr lang="en-US" dirty="0" smtClean="0"/>
+              <a:t>Recall ~83%</a:t>
+            </a:r>
+            <a:endParaRPr lang="ru-RU" dirty="0"/>
+          </a:p>
+        </p:txBody>
+      </p:sp>
+    </p:spTree>
+    <p:extLst>
+      <p:ext uri="{BB962C8B-B14F-4D97-AF65-F5344CB8AC3E}">
+        <p14:creationId xmlns:p14="http://schemas.microsoft.com/office/powerpoint/2010/main" val="3466121268"/>
+      </p:ext>
+    </p:extLst>
+  </p:cSld>
+  <p:clrMapOvr>
+    <a:masterClrMapping/>
+  </p:clrMapOvr>
+</p:sld>
+</file>
+
+<file path=ppt/slides/slide28.xml><?xml version="1.0" encoding="utf-8"?>
+<p:sld xmlns:a="http://schemas.openxmlformats.org/drawingml/2006/main" xmlns:r="http://schemas.openxmlformats.org/officeDocument/2006/relationships" xmlns:p="http://schemas.openxmlformats.org/presentationml/2006/main">
+  <p:cSld>
+    <p:spTree>
+      <p:nvGrpSpPr>
+        <p:cNvPr id="1" name=""/>
+        <p:cNvGrpSpPr/>
+        <p:nvPr/>
+      </p:nvGrpSpPr>
+      <p:grpSpPr>
+        <a:xfrm>
+          <a:off x="0" y="0"/>
+          <a:ext cx="0" cy="0"/>
+          <a:chOff x="0" y="0"/>
+          <a:chExt cx="0" cy="0"/>
+        </a:xfrm>
+      </p:grpSpPr>
+      <p:sp>
+        <p:nvSpPr>
+          <p:cNvPr id="2" name="Заголовок 1"/>
+          <p:cNvSpPr>
+            <a:spLocks noGrp="1"/>
+          </p:cNvSpPr>
+          <p:nvPr>
+            <p:ph type="title"/>
+          </p:nvPr>
+        </p:nvSpPr>
+        <p:spPr>
+          <a:xfrm>
+            <a:off x="1249250" y="2412866"/>
+            <a:ext cx="10238705" cy="1592464"/>
+          </a:xfrm>
+        </p:spPr>
+        <p:txBody>
+          <a:bodyPr>
+            <a:noAutofit/>
+          </a:bodyPr>
+          <a:lstStyle/>
+          <a:p>
+            <a:r>
+              <a:rPr lang="en-US" sz="6000" dirty="0" smtClean="0"/>
+              <a:t>Conclusions and further work</a:t>
+            </a:r>
+            <a:endParaRPr lang="ru-RU" sz="6000" dirty="0"/>
+          </a:p>
+        </p:txBody>
+      </p:sp>
+    </p:spTree>
+    <p:extLst>
+      <p:ext uri="{BB962C8B-B14F-4D97-AF65-F5344CB8AC3E}">
+        <p14:creationId xmlns:p14="http://schemas.microsoft.com/office/powerpoint/2010/main" val="653430589"/>
+      </p:ext>
+    </p:extLst>
+  </p:cSld>
+  <p:clrMapOvr>
+    <a:masterClrMapping/>
+  </p:clrMapOvr>
+</p:sld>
+</file>
+
+<file path=ppt/slides/slide29.xml><?xml version="1.0" encoding="utf-8"?>
+<p:sld xmlns:a="http://schemas.openxmlformats.org/drawingml/2006/main" xmlns:r="http://schemas.openxmlformats.org/officeDocument/2006/relationships" xmlns:p="http://schemas.openxmlformats.org/presentationml/2006/main">
+  <p:cSld>
+    <p:spTree>
+      <p:nvGrpSpPr>
+        <p:cNvPr id="1" name=""/>
+        <p:cNvGrpSpPr/>
+        <p:nvPr/>
+      </p:nvGrpSpPr>
+      <p:grpSpPr>
+        <a:xfrm>
+          <a:off x="0" y="0"/>
+          <a:ext cx="0" cy="0"/>
+          <a:chOff x="0" y="0"/>
+          <a:chExt cx="0" cy="0"/>
+        </a:xfrm>
+      </p:grpSpPr>
+      <p:sp>
+        <p:nvSpPr>
+          <p:cNvPr id="2" name="Заголовок 1"/>
+          <p:cNvSpPr>
+            <a:spLocks noGrp="1"/>
+          </p:cNvSpPr>
+          <p:nvPr>
+            <p:ph type="title"/>
+          </p:nvPr>
+        </p:nvSpPr>
+        <p:spPr/>
+        <p:txBody>
+          <a:bodyPr/>
+          <a:lstStyle/>
+          <a:p>
+            <a:r>
+              <a:rPr lang="en-US" dirty="0" smtClean="0"/>
+              <a:t>Recognizable emotions</a:t>
+            </a:r>
+            <a:endParaRPr lang="ru-RU" dirty="0"/>
+          </a:p>
+        </p:txBody>
+      </p:sp>
+      <p:sp>
+        <p:nvSpPr>
+          <p:cNvPr id="3" name="Объект 2"/>
+          <p:cNvSpPr>
+            <a:spLocks noGrp="1"/>
+          </p:cNvSpPr>
+          <p:nvPr>
+            <p:ph idx="1"/>
+          </p:nvPr>
+        </p:nvSpPr>
+        <p:spPr/>
+        <p:txBody>
+          <a:bodyPr/>
+          <a:lstStyle/>
+          <a:p>
+            <a:r>
+              <a:rPr lang="en-US" dirty="0" smtClean="0"/>
+              <a:t>Selected emotions for recognition have influence to accuracy</a:t>
+            </a:r>
+          </a:p>
+          <a:p>
+            <a:r>
+              <a:rPr lang="en-US" dirty="0"/>
+              <a:t>recognizable emotions should be chosen specially for application domain of the system</a:t>
+            </a:r>
+            <a:endParaRPr lang="ru-RU" dirty="0"/>
+          </a:p>
+        </p:txBody>
+      </p:sp>
+    </p:spTree>
+    <p:extLst>
+      <p:ext uri="{BB962C8B-B14F-4D97-AF65-F5344CB8AC3E}">
+        <p14:creationId xmlns:p14="http://schemas.microsoft.com/office/powerpoint/2010/main" val="1406821463"/>
       </p:ext>
     </p:extLst>
   </p:cSld>
@@ -7632,7 +6508,15 @@
           <a:p>
             <a:r>
               <a:rPr lang="en-US" dirty="0" smtClean="0"/>
-              <a:t>Goals</a:t>
+              <a:t>Emotions are important</a:t>
+            </a:r>
+            <a:r>
+              <a:rPr lang="ru-RU" dirty="0"/>
+              <a:t> </a:t>
+            </a:r>
+            <a:r>
+              <a:rPr lang="en-US" dirty="0" smtClean="0"/>
+              <a:t>and recognizable:</a:t>
             </a:r>
             <a:endParaRPr lang="ru-RU" dirty="0"/>
           </a:p>
@@ -7640,7 +6524,7 @@
       </p:sp>
       <p:sp>
         <p:nvSpPr>
-          <p:cNvPr id="3" name="Объект 2"/>
+          <p:cNvPr id="4" name="Объект 3"/>
           <p:cNvSpPr>
             <a:spLocks noGrp="1"/>
           </p:cNvSpPr>
@@ -7655,42 +6539,249 @@
           <a:p>
             <a:pPr>
               <a:lnSpc>
-                <a:spcPct val="250000"/>
+                <a:spcPct val="200000"/>
               </a:lnSpc>
             </a:pPr>
             <a:r>
-              <a:rPr lang="en-US" dirty="0"/>
-              <a:t>consider research and take the best </a:t>
-            </a:r>
-            <a:r>
-              <a:rPr lang="en-US" dirty="0" smtClean="0"/>
-              <a:t>techniques</a:t>
-            </a:r>
+              <a:rPr lang="en-US" dirty="0" smtClean="0"/>
+              <a:t>People express emotions not only by facial expressions and gestures</a:t>
+            </a:r>
+            <a:endParaRPr lang="en-US" dirty="0"/>
           </a:p>
           <a:p>
             <a:pPr>
               <a:lnSpc>
-                <a:spcPct val="250000"/>
+                <a:spcPct val="200000"/>
               </a:lnSpc>
             </a:pPr>
             <a:r>
-              <a:rPr lang="en-US" dirty="0"/>
-              <a:t>i</a:t>
-            </a:r>
-            <a:r>
-              <a:rPr lang="en-US" dirty="0" smtClean="0"/>
-              <a:t>mplement own solution for recognition of emotions</a:t>
-            </a:r>
-          </a:p>
-          <a:p>
-            <a:endParaRPr lang="ru-RU" dirty="0"/>
+              <a:rPr lang="en-US" dirty="0" smtClean="0"/>
+              <a:t>We change acoustic characteristics of voice to express some emotion</a:t>
+            </a:r>
+          </a:p>
+          <a:p>
+            <a:pPr>
+              <a:lnSpc>
+                <a:spcPct val="200000"/>
+              </a:lnSpc>
+            </a:pPr>
+            <a:r>
+              <a:rPr lang="en-US" dirty="0" smtClean="0"/>
+              <a:t>There are many studies which associate these characteristics with emotions</a:t>
+            </a:r>
           </a:p>
         </p:txBody>
       </p:sp>
     </p:spTree>
     <p:extLst>
       <p:ext uri="{BB962C8B-B14F-4D97-AF65-F5344CB8AC3E}">
-        <p14:creationId xmlns:p14="http://schemas.microsoft.com/office/powerpoint/2010/main" val="647471186"/>
+        <p14:creationId xmlns:p14="http://schemas.microsoft.com/office/powerpoint/2010/main" val="2577610433"/>
+      </p:ext>
+    </p:extLst>
+  </p:cSld>
+  <p:clrMapOvr>
+    <a:masterClrMapping/>
+  </p:clrMapOvr>
+  <p:timing>
+    <p:tnLst>
+      <p:par>
+        <p:cTn id="1" dur="indefinite" restart="never" nodeType="tmRoot"/>
+      </p:par>
+    </p:tnLst>
+  </p:timing>
+</p:sld>
+</file>
+
+<file path=ppt/slides/slide30.xml><?xml version="1.0" encoding="utf-8"?>
+<p:sld xmlns:a="http://schemas.openxmlformats.org/drawingml/2006/main" xmlns:r="http://schemas.openxmlformats.org/officeDocument/2006/relationships" xmlns:p="http://schemas.openxmlformats.org/presentationml/2006/main">
+  <p:cSld>
+    <p:spTree>
+      <p:nvGrpSpPr>
+        <p:cNvPr id="1" name=""/>
+        <p:cNvGrpSpPr/>
+        <p:nvPr/>
+      </p:nvGrpSpPr>
+      <p:grpSpPr>
+        <a:xfrm>
+          <a:off x="0" y="0"/>
+          <a:ext cx="0" cy="0"/>
+          <a:chOff x="0" y="0"/>
+          <a:chExt cx="0" cy="0"/>
+        </a:xfrm>
+      </p:grpSpPr>
+      <p:sp>
+        <p:nvSpPr>
+          <p:cNvPr id="2" name="Заголовок 1"/>
+          <p:cNvSpPr>
+            <a:spLocks noGrp="1"/>
+          </p:cNvSpPr>
+          <p:nvPr>
+            <p:ph type="title"/>
+          </p:nvPr>
+        </p:nvSpPr>
+        <p:spPr/>
+        <p:txBody>
+          <a:bodyPr/>
+          <a:lstStyle/>
+          <a:p>
+            <a:r>
+              <a:rPr lang="en-US" dirty="0" smtClean="0"/>
+              <a:t>What we can improve?</a:t>
+            </a:r>
+            <a:endParaRPr lang="ru-RU" dirty="0"/>
+          </a:p>
+        </p:txBody>
+      </p:sp>
+      <p:sp>
+        <p:nvSpPr>
+          <p:cNvPr id="3" name="Объект 2"/>
+          <p:cNvSpPr>
+            <a:spLocks noGrp="1"/>
+          </p:cNvSpPr>
+          <p:nvPr>
+            <p:ph idx="1"/>
+          </p:nvPr>
+        </p:nvSpPr>
+        <p:spPr/>
+        <p:txBody>
+          <a:bodyPr/>
+          <a:lstStyle/>
+          <a:p>
+            <a:r>
+              <a:rPr lang="en-US" dirty="0" smtClean="0"/>
+              <a:t>Acoustic characteristics</a:t>
+            </a:r>
+          </a:p>
+          <a:p>
+            <a:pPr lvl="1"/>
+            <a:r>
+              <a:rPr lang="en-US" dirty="0" smtClean="0"/>
+              <a:t>MFCC</a:t>
+            </a:r>
+          </a:p>
+          <a:p>
+            <a:pPr lvl="1"/>
+            <a:r>
+              <a:rPr lang="en-US" dirty="0" smtClean="0"/>
+              <a:t>Other spectral characteristics</a:t>
+            </a:r>
+          </a:p>
+          <a:p>
+            <a:r>
+              <a:rPr lang="en-US" dirty="0" smtClean="0"/>
+              <a:t>Features</a:t>
+            </a:r>
+          </a:p>
+          <a:p>
+            <a:pPr lvl="1"/>
+            <a:r>
+              <a:rPr lang="en-US" dirty="0" smtClean="0"/>
+              <a:t>Less </a:t>
+            </a:r>
+            <a:r>
+              <a:rPr lang="en-US" dirty="0"/>
+              <a:t>dependence with person </a:t>
+            </a:r>
+            <a:r>
+              <a:rPr lang="en-US" dirty="0" smtClean="0"/>
+              <a:t>speciﬁcs</a:t>
+            </a:r>
+          </a:p>
+          <a:p>
+            <a:pPr lvl="1"/>
+            <a:r>
+              <a:rPr lang="en-US" dirty="0" smtClean="0"/>
+              <a:t>Weights for features</a:t>
+            </a:r>
+          </a:p>
+          <a:p>
+            <a:r>
+              <a:rPr lang="en-US" dirty="0" smtClean="0"/>
+              <a:t>Classification</a:t>
+            </a:r>
+          </a:p>
+          <a:p>
+            <a:pPr lvl="1"/>
+            <a:r>
+              <a:rPr lang="en-US" dirty="0" smtClean="0"/>
+              <a:t>Can be used other techniques: SVM, k-NN, or ANN.</a:t>
+            </a:r>
+          </a:p>
+          <a:p>
+            <a:r>
+              <a:rPr lang="en-US" dirty="0" smtClean="0"/>
+              <a:t>Another training and test set</a:t>
+            </a:r>
+          </a:p>
+          <a:p>
+            <a:endParaRPr lang="ru-RU" dirty="0"/>
+          </a:p>
+        </p:txBody>
+      </p:sp>
+    </p:spTree>
+    <p:extLst>
+      <p:ext uri="{BB962C8B-B14F-4D97-AF65-F5344CB8AC3E}">
+        <p14:creationId xmlns:p14="http://schemas.microsoft.com/office/powerpoint/2010/main" val="1442737374"/>
+      </p:ext>
+    </p:extLst>
+  </p:cSld>
+  <p:clrMapOvr>
+    <a:masterClrMapping/>
+  </p:clrMapOvr>
+</p:sld>
+</file>
+
+<file path=ppt/slides/slide31.xml><?xml version="1.0" encoding="utf-8"?>
+<p:sld xmlns:a="http://schemas.openxmlformats.org/drawingml/2006/main" xmlns:r="http://schemas.openxmlformats.org/officeDocument/2006/relationships" xmlns:p="http://schemas.openxmlformats.org/presentationml/2006/main">
+  <p:cSld>
+    <p:spTree>
+      <p:nvGrpSpPr>
+        <p:cNvPr id="1" name=""/>
+        <p:cNvGrpSpPr/>
+        <p:nvPr/>
+      </p:nvGrpSpPr>
+      <p:grpSpPr>
+        <a:xfrm>
+          <a:off x="0" y="0"/>
+          <a:ext cx="0" cy="0"/>
+          <a:chOff x="0" y="0"/>
+          <a:chExt cx="0" cy="0"/>
+        </a:xfrm>
+      </p:grpSpPr>
+      <p:sp>
+        <p:nvSpPr>
+          <p:cNvPr id="2" name="Заголовок 1"/>
+          <p:cNvSpPr>
+            <a:spLocks noGrp="1"/>
+          </p:cNvSpPr>
+          <p:nvPr>
+            <p:ph type="title"/>
+          </p:nvPr>
+        </p:nvSpPr>
+        <p:spPr>
+          <a:xfrm>
+            <a:off x="3415146" y="2671907"/>
+            <a:ext cx="10515600" cy="1325563"/>
+          </a:xfrm>
+        </p:spPr>
+        <p:txBody>
+          <a:bodyPr>
+            <a:normAutofit/>
+          </a:bodyPr>
+          <a:lstStyle/>
+          <a:p>
+            <a:r>
+              <a:rPr lang="en-US" sz="6600" dirty="0" smtClean="0"/>
+              <a:t>Thank you!</a:t>
+            </a:r>
+            <a:endParaRPr lang="ru-RU" sz="6600" dirty="0"/>
+          </a:p>
+        </p:txBody>
+      </p:sp>
+    </p:spTree>
+    <p:extLst>
+      <p:ext uri="{BB962C8B-B14F-4D97-AF65-F5344CB8AC3E}">
+        <p14:creationId xmlns:p14="http://schemas.microsoft.com/office/powerpoint/2010/main" val="3183206863"/>
       </p:ext>
     </p:extLst>
   </p:cSld>
@@ -7756,8 +6847,12 @@
           <a:lstStyle/>
           <a:p>
             <a:r>
-              <a:rPr lang="en-US" dirty="0" smtClean="0"/>
-              <a:t>Robots</a:t>
+              <a:rPr lang="en-US" dirty="0"/>
+              <a:t>r</a:t>
+            </a:r>
+            <a:r>
+              <a:rPr lang="en-US" dirty="0" smtClean="0"/>
+              <a:t>obots</a:t>
             </a:r>
           </a:p>
           <a:p>
@@ -7779,22 +6874,18 @@
             </a:r>
             <a:r>
               <a:rPr lang="en-US" dirty="0" smtClean="0"/>
-              <a:t>enerating </a:t>
-            </a:r>
-            <a:r>
-              <a:rPr lang="en-US" dirty="0" smtClean="0"/>
-              <a:t>emotional speech</a:t>
+              <a:t>enerating emotional speech</a:t>
             </a:r>
             <a:endParaRPr lang="en-US" dirty="0"/>
           </a:p>
           <a:p>
             <a:r>
               <a:rPr lang="en-US" dirty="0"/>
-              <a:t>analysis of quality in the services </a:t>
-            </a:r>
-            <a:r>
-              <a:rPr lang="en-US" dirty="0" smtClean="0"/>
-              <a:t>sector</a:t>
+              <a:t>e</a:t>
+            </a:r>
+            <a:r>
+              <a:rPr lang="en-US" dirty="0" smtClean="0"/>
+              <a:t>stimation of customer service</a:t>
             </a:r>
             <a:endParaRPr lang="ru-RU" dirty="0" smtClean="0"/>
           </a:p>
@@ -7817,6 +6908,13 @@
   <p:clrMapOvr>
     <a:masterClrMapping/>
   </p:clrMapOvr>
+  <p:timing>
+    <p:tnLst>
+      <p:par>
+        <p:cTn id="1" dur="indefinite" restart="never" nodeType="tmRoot"/>
+      </p:par>
+    </p:tnLst>
+  </p:timing>
 </p:sld>
 </file>
 
@@ -7854,19 +6952,7 @@
           <a:p>
             <a:r>
               <a:rPr lang="en-US" dirty="0" smtClean="0"/>
-              <a:t>There </a:t>
-            </a:r>
-            <a:r>
-              <a:rPr lang="en-US" dirty="0" smtClean="0"/>
-              <a:t>are</a:t>
-            </a:r>
-            <a:r>
-              <a:rPr lang="en-US" dirty="0" smtClean="0"/>
-              <a:t> </a:t>
-            </a:r>
-            <a:r>
-              <a:rPr lang="en-US" dirty="0" smtClean="0"/>
-              <a:t>many research…</a:t>
+              <a:t>Goals</a:t>
             </a:r>
             <a:endParaRPr lang="ru-RU" dirty="0"/>
           </a:p>
@@ -7884,72 +6970,65 @@
         </p:nvSpPr>
         <p:spPr/>
         <p:txBody>
-          <a:bodyPr>
-            <a:normAutofit/>
-          </a:bodyPr>
-          <a:lstStyle/>
-          <a:p>
-            <a:pPr marL="0" indent="0">
-              <a:lnSpc>
-                <a:spcPct val="200000"/>
-              </a:lnSpc>
-              <a:buNone/>
-            </a:pPr>
-            <a:r>
-              <a:rPr lang="en-US" dirty="0" smtClean="0"/>
-              <a:t>Their main differences on:</a:t>
-            </a:r>
-          </a:p>
+          <a:bodyPr/>
+          <a:lstStyle/>
           <a:p>
             <a:pPr>
               <a:lnSpc>
-                <a:spcPct val="200000"/>
+                <a:spcPct val="250000"/>
               </a:lnSpc>
             </a:pPr>
             <a:r>
-              <a:rPr lang="en-US" dirty="0" smtClean="0"/>
-              <a:t>Features used for acoustic characteristics</a:t>
+              <a:rPr lang="en-US" dirty="0"/>
+              <a:t>distinguish differences between recognition </a:t>
+            </a:r>
+            <a:r>
+              <a:rPr lang="en-US" dirty="0" smtClean="0"/>
+              <a:t>techniques</a:t>
             </a:r>
           </a:p>
           <a:p>
             <a:pPr>
               <a:lnSpc>
-                <a:spcPct val="200000"/>
+                <a:spcPct val="250000"/>
               </a:lnSpc>
             </a:pPr>
             <a:r>
               <a:rPr lang="en-US" dirty="0" smtClean="0"/>
-              <a:t>Classification methods</a:t>
+              <a:t>implement prototype</a:t>
             </a:r>
           </a:p>
           <a:p>
             <a:pPr>
               <a:lnSpc>
-                <a:spcPct val="200000"/>
+                <a:spcPct val="250000"/>
               </a:lnSpc>
             </a:pPr>
             <a:r>
-              <a:rPr lang="en-US" dirty="0" smtClean="0"/>
-              <a:t>Selected </a:t>
-            </a:r>
-            <a:r>
-              <a:rPr lang="en-US" dirty="0" smtClean="0"/>
-              <a:t>emotions</a:t>
-            </a:r>
-            <a:endParaRPr lang="en-US" dirty="0"/>
+              <a:rPr lang="en-US" dirty="0"/>
+              <a:t>compare recognition accuracy with different parameters</a:t>
+            </a:r>
+            <a:endParaRPr lang="ru-RU" dirty="0"/>
           </a:p>
         </p:txBody>
       </p:sp>
     </p:spTree>
     <p:extLst>
       <p:ext uri="{BB962C8B-B14F-4D97-AF65-F5344CB8AC3E}">
-        <p14:creationId xmlns:p14="http://schemas.microsoft.com/office/powerpoint/2010/main" val="3188039025"/>
+        <p14:creationId xmlns:p14="http://schemas.microsoft.com/office/powerpoint/2010/main" val="647471186"/>
       </p:ext>
     </p:extLst>
   </p:cSld>
   <p:clrMapOvr>
     <a:masterClrMapping/>
   </p:clrMapOvr>
+  <p:timing>
+    <p:tnLst>
+      <p:par>
+        <p:cTn id="1" dur="indefinite" restart="never" nodeType="tmRoot"/>
+      </p:par>
+    </p:tnLst>
+  </p:timing>
 </p:sld>
 </file>
 
@@ -7980,37 +7059,10 @@
             <p:ph type="title"/>
           </p:nvPr>
         </p:nvSpPr>
-        <p:spPr/>
-        <p:txBody>
-          <a:bodyPr/>
-          <a:lstStyle/>
-          <a:p>
-            <a:r>
-              <a:rPr lang="en-US" dirty="0"/>
-              <a:t>A</a:t>
-            </a:r>
-            <a:r>
-              <a:rPr lang="en-US" dirty="0" smtClean="0"/>
-              <a:t>coustic characteristics of speech</a:t>
-            </a:r>
-            <a:endParaRPr lang="ru-RU" dirty="0"/>
-          </a:p>
-        </p:txBody>
-      </p:sp>
-      <p:sp>
-        <p:nvSpPr>
-          <p:cNvPr id="5" name="Объект 4"/>
-          <p:cNvSpPr>
-            <a:spLocks noGrp="1"/>
-          </p:cNvSpPr>
-          <p:nvPr>
-            <p:ph idx="1"/>
-          </p:nvPr>
-        </p:nvSpPr>
         <p:spPr>
           <a:xfrm>
-            <a:off x="838200" y="1893864"/>
-            <a:ext cx="10515600" cy="4351338"/>
+            <a:off x="3182815" y="2592510"/>
+            <a:ext cx="10515600" cy="1325563"/>
           </a:xfrm>
         </p:spPr>
         <p:txBody>
@@ -8019,96 +7071,18 @@
           </a:bodyPr>
           <a:lstStyle/>
           <a:p>
-            <a:pPr>
-              <a:lnSpc>
-                <a:spcPct val="150000"/>
-              </a:lnSpc>
-            </a:pPr>
-            <a:r>
-              <a:rPr lang="en-US" dirty="0" smtClean="0"/>
-              <a:t>Pitch (or </a:t>
-            </a:r>
-            <a:r>
-              <a:rPr lang="en-US" dirty="0"/>
-              <a:t>f</a:t>
-            </a:r>
-            <a:r>
-              <a:rPr lang="en-US" dirty="0" smtClean="0"/>
-              <a:t>undamental </a:t>
-            </a:r>
-            <a:r>
-              <a:rPr lang="en-US" dirty="0"/>
-              <a:t>f</a:t>
-            </a:r>
-            <a:r>
-              <a:rPr lang="en-US" dirty="0" smtClean="0"/>
-              <a:t>requency)</a:t>
-            </a:r>
-          </a:p>
-          <a:p>
-            <a:pPr>
-              <a:lnSpc>
-                <a:spcPct val="150000"/>
-              </a:lnSpc>
-            </a:pPr>
-            <a:r>
-              <a:rPr lang="en-US" dirty="0" smtClean="0"/>
-              <a:t>Loudness(or Energy, Intensity)</a:t>
-            </a:r>
-          </a:p>
-          <a:p>
-            <a:pPr>
-              <a:lnSpc>
-                <a:spcPct val="150000"/>
-              </a:lnSpc>
-            </a:pPr>
-            <a:r>
-              <a:rPr lang="en-US" dirty="0" smtClean="0"/>
-              <a:t>Formants (term from phonetics)</a:t>
-            </a:r>
-          </a:p>
-          <a:p>
-            <a:pPr>
-              <a:lnSpc>
-                <a:spcPct val="150000"/>
-              </a:lnSpc>
-            </a:pPr>
-            <a:r>
-              <a:rPr lang="en-US" dirty="0" smtClean="0"/>
-              <a:t>MFCC (Mel-frequency </a:t>
-            </a:r>
-            <a:r>
-              <a:rPr lang="en-US" dirty="0" err="1" smtClean="0"/>
-              <a:t>cepstrum</a:t>
-            </a:r>
-            <a:r>
-              <a:rPr lang="en-US" dirty="0" smtClean="0"/>
-              <a:t>,</a:t>
-            </a:r>
-            <a:r>
-              <a:rPr lang="en-US" dirty="0"/>
-              <a:t> representation of the short-term power spectrum of a sound</a:t>
-            </a:r>
-            <a:r>
-              <a:rPr lang="en-US" dirty="0" smtClean="0"/>
-              <a:t>)</a:t>
-            </a:r>
-          </a:p>
-          <a:p>
-            <a:pPr marL="0" indent="0">
-              <a:lnSpc>
-                <a:spcPct val="100000"/>
-              </a:lnSpc>
-              <a:buNone/>
-            </a:pPr>
-            <a:endParaRPr lang="en-US" dirty="0" smtClean="0"/>
+            <a:r>
+              <a:rPr lang="en-US" sz="8000" dirty="0" smtClean="0"/>
+              <a:t>Overview</a:t>
+            </a:r>
+            <a:endParaRPr lang="ru-RU" sz="8000" dirty="0"/>
           </a:p>
         </p:txBody>
       </p:sp>
     </p:spTree>
     <p:extLst>
       <p:ext uri="{BB962C8B-B14F-4D97-AF65-F5344CB8AC3E}">
-        <p14:creationId xmlns:p14="http://schemas.microsoft.com/office/powerpoint/2010/main" val="2463739008"/>
+        <p14:creationId xmlns:p14="http://schemas.microsoft.com/office/powerpoint/2010/main" val="69832250"/>
       </p:ext>
     </p:extLst>
   </p:cSld>
@@ -8152,7 +7126,7 @@
           <a:p>
             <a:r>
               <a:rPr lang="en-US" dirty="0" smtClean="0"/>
-              <a:t>Features</a:t>
+              <a:t>There are many studies…</a:t>
             </a:r>
             <a:endParaRPr lang="ru-RU" dirty="0"/>
           </a:p>
@@ -8171,92 +7145,83 @@
         <p:spPr/>
         <p:txBody>
           <a:bodyPr>
-            <a:normAutofit lnSpcReduction="10000"/>
+            <a:normAutofit fontScale="77500" lnSpcReduction="20000"/>
           </a:bodyPr>
           <a:lstStyle/>
+          <a:p>
+            <a:pPr marL="0" indent="0">
+              <a:lnSpc>
+                <a:spcPct val="200000"/>
+              </a:lnSpc>
+              <a:buNone/>
+            </a:pPr>
+            <a:r>
+              <a:rPr lang="en-US" dirty="0" smtClean="0"/>
+              <a:t>Their main differences on:</a:t>
+            </a:r>
+          </a:p>
           <a:p>
             <a:pPr>
               <a:lnSpc>
-                <a:spcPct val="150000"/>
+                <a:spcPct val="200000"/>
               </a:lnSpc>
             </a:pPr>
             <a:r>
               <a:rPr lang="en-US" dirty="0" smtClean="0"/>
-              <a:t>Speaker </a:t>
-            </a:r>
-            <a:r>
-              <a:rPr lang="en-US" dirty="0" smtClean="0"/>
-              <a:t>dependent</a:t>
-            </a:r>
-            <a:endParaRPr lang="en-US" dirty="0" smtClean="0"/>
-          </a:p>
-          <a:p>
-            <a:pPr lvl="1">
+              <a:t>Acoustic characteristics</a:t>
+            </a:r>
+          </a:p>
+          <a:p>
+            <a:pPr>
               <a:lnSpc>
-                <a:spcPct val="150000"/>
+                <a:spcPct val="200000"/>
               </a:lnSpc>
             </a:pPr>
             <a:r>
               <a:rPr lang="en-US" dirty="0" smtClean="0"/>
-              <a:t>Mean pitch</a:t>
-            </a:r>
-          </a:p>
-          <a:p>
-            <a:pPr lvl="1">
+              <a:t>Features</a:t>
+            </a:r>
+          </a:p>
+          <a:p>
+            <a:pPr>
               <a:lnSpc>
-                <a:spcPct val="150000"/>
+                <a:spcPct val="200000"/>
               </a:lnSpc>
             </a:pPr>
             <a:r>
               <a:rPr lang="en-US" dirty="0" smtClean="0"/>
-              <a:t>Mean intensity</a:t>
+              <a:t>Classification methods</a:t>
             </a:r>
           </a:p>
           <a:p>
             <a:pPr>
               <a:lnSpc>
-                <a:spcPct val="150000"/>
+                <a:spcPct val="200000"/>
               </a:lnSpc>
             </a:pPr>
             <a:r>
-              <a:rPr lang="en-US" dirty="0"/>
-              <a:t>Speaker independent</a:t>
-            </a:r>
-            <a:endParaRPr lang="en-US" dirty="0" smtClean="0"/>
-          </a:p>
-          <a:p>
-            <a:pPr lvl="1">
+              <a:rPr lang="en-US" dirty="0" smtClean="0"/>
+              <a:t>Selected emotions</a:t>
+            </a:r>
+          </a:p>
+          <a:p>
+            <a:pPr>
               <a:lnSpc>
-                <a:spcPct val="150000"/>
+                <a:spcPct val="200000"/>
               </a:lnSpc>
             </a:pPr>
             <a:r>
               <a:rPr lang="en-US" dirty="0" smtClean="0"/>
-              <a:t>Pitch range, intensity range</a:t>
-            </a:r>
-          </a:p>
-          <a:p>
-            <a:pPr lvl="1">
-              <a:lnSpc>
-                <a:spcPct val="150000"/>
-              </a:lnSpc>
-            </a:pPr>
-            <a:r>
-              <a:rPr lang="en-US" dirty="0" smtClean="0"/>
-              <a:t>Pitch DDS(Difference-Distance-Slope), Intensity DDS, Formants DDS, Center of gravity of spectrum, mean phrase </a:t>
-            </a:r>
-            <a:r>
-              <a:rPr lang="en-US" dirty="0" smtClean="0"/>
-              <a:t>duration, mean silence duration</a:t>
-            </a:r>
-            <a:endParaRPr lang="ru-RU" dirty="0"/>
+              <a:t>Training set</a:t>
+            </a:r>
+            <a:endParaRPr lang="en-US" dirty="0"/>
           </a:p>
         </p:txBody>
       </p:sp>
     </p:spTree>
     <p:extLst>
       <p:ext uri="{BB962C8B-B14F-4D97-AF65-F5344CB8AC3E}">
-        <p14:creationId xmlns:p14="http://schemas.microsoft.com/office/powerpoint/2010/main" val="306635797"/>
+        <p14:creationId xmlns:p14="http://schemas.microsoft.com/office/powerpoint/2010/main" val="3188039025"/>
       </p:ext>
     </p:extLst>
   </p:cSld>
@@ -8293,81 +7258,135 @@
             <p:ph type="title"/>
           </p:nvPr>
         </p:nvSpPr>
+        <p:spPr/>
+        <p:txBody>
+          <a:bodyPr/>
+          <a:lstStyle/>
+          <a:p>
+            <a:r>
+              <a:rPr lang="en-US" dirty="0"/>
+              <a:t>A</a:t>
+            </a:r>
+            <a:r>
+              <a:rPr lang="en-US" dirty="0" smtClean="0"/>
+              <a:t>coustic characteristics of speech</a:t>
+            </a:r>
+            <a:endParaRPr lang="ru-RU" dirty="0"/>
+          </a:p>
+        </p:txBody>
+      </p:sp>
+      <p:sp>
+        <p:nvSpPr>
+          <p:cNvPr id="5" name="Объект 4"/>
+          <p:cNvSpPr>
+            <a:spLocks noGrp="1"/>
+          </p:cNvSpPr>
+          <p:nvPr>
+            <p:ph idx="1"/>
+          </p:nvPr>
+        </p:nvSpPr>
         <p:spPr>
           <a:xfrm>
-            <a:off x="838200" y="0"/>
-            <a:ext cx="10515600" cy="1325563"/>
+            <a:off x="838200" y="1893864"/>
+            <a:ext cx="10515600" cy="4351338"/>
           </a:xfrm>
         </p:spPr>
         <p:txBody>
-          <a:bodyPr/>
-          <a:lstStyle/>
-          <a:p>
-            <a:r>
-              <a:rPr lang="en-US" dirty="0" smtClean="0"/>
-              <a:t>DDS (Difference – Distance- Slope) </a:t>
-            </a:r>
-            <a:endParaRPr lang="ru-RU" dirty="0"/>
-          </a:p>
-        </p:txBody>
-      </p:sp>
-      <p:pic>
-        <p:nvPicPr>
-          <p:cNvPr id="4" name="Рисунок 3"/>
-          <p:cNvPicPr>
-            <a:picLocks noChangeAspect="1"/>
-          </p:cNvPicPr>
-          <p:nvPr/>
-        </p:nvPicPr>
-        <p:blipFill rotWithShape="1">
-          <a:blip r:embed="rId2"/>
-          <a:srcRect l="34169" t="22563" r="31535" b="3001"/>
-          <a:stretch/>
-        </p:blipFill>
-        <p:spPr>
-          <a:xfrm>
-            <a:off x="1393370" y="885372"/>
-            <a:ext cx="8795658" cy="5747658"/>
-          </a:xfrm>
-          <a:prstGeom prst="rect">
-            <a:avLst/>
-          </a:prstGeom>
-        </p:spPr>
-      </p:pic>
-      <p:sp>
-        <p:nvSpPr>
-          <p:cNvPr id="6" name="TextBox 5"/>
-          <p:cNvSpPr txBox="1"/>
-          <p:nvPr/>
-        </p:nvSpPr>
-        <p:spPr>
-          <a:xfrm>
-            <a:off x="9173028" y="1063953"/>
-            <a:ext cx="1016000" cy="523220"/>
-          </a:xfrm>
-          <a:prstGeom prst="rect">
-            <a:avLst/>
-          </a:prstGeom>
-          <a:noFill/>
-        </p:spPr>
-        <p:txBody>
-          <a:bodyPr wrap="square" rtlCol="0">
-            <a:spAutoFit/>
+          <a:bodyPr>
+            <a:normAutofit/>
           </a:bodyPr>
           <a:lstStyle/>
           <a:p>
-            <a:r>
-              <a:rPr lang="en-US" sz="2800" dirty="0" smtClean="0"/>
-              <a:t>[1]</a:t>
-            </a:r>
-            <a:endParaRPr lang="ru-RU" sz="2800" dirty="0"/>
+            <a:pPr>
+              <a:lnSpc>
+                <a:spcPct val="150000"/>
+              </a:lnSpc>
+            </a:pPr>
+            <a:r>
+              <a:rPr lang="en-US" dirty="0" smtClean="0"/>
+              <a:t>Pitch (or </a:t>
+            </a:r>
+            <a:r>
+              <a:rPr lang="en-US" dirty="0"/>
+              <a:t>f</a:t>
+            </a:r>
+            <a:r>
+              <a:rPr lang="en-US" dirty="0" smtClean="0"/>
+              <a:t>undamental </a:t>
+            </a:r>
+            <a:r>
+              <a:rPr lang="en-US" dirty="0"/>
+              <a:t>f</a:t>
+            </a:r>
+            <a:r>
+              <a:rPr lang="en-US" dirty="0" smtClean="0"/>
+              <a:t>requency)</a:t>
+            </a:r>
+          </a:p>
+          <a:p>
+            <a:pPr>
+              <a:lnSpc>
+                <a:spcPct val="150000"/>
+              </a:lnSpc>
+            </a:pPr>
+            <a:r>
+              <a:rPr lang="en-US" dirty="0" smtClean="0"/>
+              <a:t>Loudness(or Energy, Intensity)</a:t>
+            </a:r>
+          </a:p>
+          <a:p>
+            <a:pPr>
+              <a:lnSpc>
+                <a:spcPct val="150000"/>
+              </a:lnSpc>
+            </a:pPr>
+            <a:r>
+              <a:rPr lang="en-US" dirty="0" smtClean="0"/>
+              <a:t>Formants (term from phonetics)</a:t>
+            </a:r>
+          </a:p>
+          <a:p>
+            <a:pPr>
+              <a:lnSpc>
+                <a:spcPct val="150000"/>
+              </a:lnSpc>
+            </a:pPr>
+            <a:r>
+              <a:rPr lang="en-US" dirty="0" smtClean="0"/>
+              <a:t>MFCC (Mel-frequency </a:t>
+            </a:r>
+            <a:r>
+              <a:rPr lang="en-US" dirty="0" err="1" smtClean="0"/>
+              <a:t>cepstrum</a:t>
+            </a:r>
+            <a:r>
+              <a:rPr lang="en-US" dirty="0" smtClean="0"/>
+              <a:t>,</a:t>
+            </a:r>
+            <a:r>
+              <a:rPr lang="en-US" dirty="0"/>
+              <a:t> representation of the short-term power spectrum of a sound</a:t>
+            </a:r>
+            <a:r>
+              <a:rPr lang="en-US" dirty="0" smtClean="0"/>
+              <a:t>)</a:t>
+            </a:r>
+          </a:p>
+          <a:p>
+            <a:pPr marL="0" indent="0">
+              <a:lnSpc>
+                <a:spcPct val="100000"/>
+              </a:lnSpc>
+              <a:buNone/>
+            </a:pPr>
+            <a:endParaRPr lang="en-US" dirty="0" smtClean="0"/>
           </a:p>
         </p:txBody>
       </p:sp>
     </p:spTree>
     <p:extLst>
       <p:ext uri="{BB962C8B-B14F-4D97-AF65-F5344CB8AC3E}">
-        <p14:creationId xmlns:p14="http://schemas.microsoft.com/office/powerpoint/2010/main" val="3927447174"/>
+        <p14:creationId xmlns:p14="http://schemas.microsoft.com/office/powerpoint/2010/main" val="2463739008"/>
       </p:ext>
     </p:extLst>
   </p:cSld>
@@ -8411,7 +7430,7 @@
           <a:p>
             <a:r>
               <a:rPr lang="en-US" dirty="0" smtClean="0"/>
-              <a:t>Selected emotions </a:t>
+              <a:t>Features</a:t>
             </a:r>
             <a:endParaRPr lang="ru-RU" dirty="0"/>
           </a:p>
@@ -8430,98 +7449,73 @@
         <p:spPr/>
         <p:txBody>
           <a:bodyPr>
-            <a:normAutofit/>
+            <a:normAutofit lnSpcReduction="10000"/>
           </a:bodyPr>
           <a:lstStyle/>
           <a:p>
             <a:pPr>
               <a:lnSpc>
-                <a:spcPct val="100000"/>
+                <a:spcPct val="150000"/>
               </a:lnSpc>
             </a:pPr>
             <a:r>
-              <a:rPr lang="en-US" sz="3200" dirty="0"/>
-              <a:t>some emotions have very similar acoustic </a:t>
-            </a:r>
-            <a:r>
-              <a:rPr lang="en-US" sz="3200" dirty="0" smtClean="0"/>
-              <a:t>characteristics</a:t>
+              <a:rPr lang="en-US" dirty="0" smtClean="0"/>
+              <a:t>Speaker dependent – based on average values for speaker</a:t>
+            </a:r>
+          </a:p>
+          <a:p>
+            <a:pPr lvl="1">
+              <a:lnSpc>
+                <a:spcPct val="150000"/>
+              </a:lnSpc>
+            </a:pPr>
+            <a:r>
+              <a:rPr lang="en-US" dirty="0" smtClean="0"/>
+              <a:t>Mean pitch, mean intensity.</a:t>
+            </a:r>
+          </a:p>
+          <a:p>
+            <a:pPr lvl="1">
+              <a:lnSpc>
+                <a:spcPct val="150000"/>
+              </a:lnSpc>
+            </a:pPr>
+            <a:r>
+              <a:rPr lang="en-US" dirty="0" smtClean="0"/>
+              <a:t>Divided training set for every person is required</a:t>
             </a:r>
           </a:p>
           <a:p>
             <a:pPr>
               <a:lnSpc>
-                <a:spcPct val="100000"/>
+                <a:spcPct val="150000"/>
               </a:lnSpc>
             </a:pPr>
             <a:r>
-              <a:rPr lang="en-US" sz="3200" dirty="0"/>
-              <a:t>trade-off between accuracy and number of recognizing emotions</a:t>
-            </a:r>
-            <a:endParaRPr lang="ru-RU" sz="3200" dirty="0"/>
-          </a:p>
-        </p:txBody>
-      </p:sp>
-      <p:pic>
-        <p:nvPicPr>
-          <p:cNvPr id="4" name="Рисунок 3"/>
-          <p:cNvPicPr>
-            <a:picLocks noChangeAspect="1"/>
-          </p:cNvPicPr>
-          <p:nvPr/>
-        </p:nvPicPr>
-        <p:blipFill rotWithShape="1">
-          <a:blip r:embed="rId2"/>
-          <a:srcRect l="25124" t="43818" r="25458" b="23841"/>
-          <a:stretch/>
-        </p:blipFill>
-        <p:spPr>
-          <a:xfrm>
-            <a:off x="4049484" y="3245077"/>
-            <a:ext cx="7968250" cy="2931886"/>
-          </a:xfrm>
-          <a:prstGeom prst="rect">
-            <a:avLst/>
-          </a:prstGeom>
-        </p:spPr>
-      </p:pic>
-      <p:sp>
-        <p:nvSpPr>
-          <p:cNvPr id="5" name="TextBox 4"/>
-          <p:cNvSpPr txBox="1"/>
-          <p:nvPr/>
-        </p:nvSpPr>
-        <p:spPr>
-          <a:xfrm>
-            <a:off x="4194626" y="6176963"/>
-            <a:ext cx="6518836" cy="369332"/>
-          </a:xfrm>
-          <a:prstGeom prst="rect">
-            <a:avLst/>
-          </a:prstGeom>
-          <a:noFill/>
-        </p:spPr>
-        <p:txBody>
-          <a:bodyPr wrap="none" rtlCol="0">
-            <a:spAutoFit/>
-          </a:bodyPr>
-          <a:lstStyle/>
-          <a:p>
-            <a:r>
-              <a:rPr lang="en-US" dirty="0" smtClean="0"/>
-              <a:t>Stefan </a:t>
-            </a:r>
-            <a:r>
-              <a:rPr lang="en-US" dirty="0" err="1" smtClean="0"/>
-              <a:t>Steidl</a:t>
-            </a:r>
-            <a:r>
-              <a:rPr lang="en-US" dirty="0"/>
-              <a:t>;</a:t>
-            </a:r>
-            <a:r>
-              <a:rPr lang="en-US" dirty="0" smtClean="0"/>
-              <a:t> October 26, 2010;” Vocal Emotion Recognition”; ICSI</a:t>
+              <a:rPr lang="en-US" dirty="0" smtClean="0"/>
+              <a:t>Speaker independent – based on voice signal dynamics</a:t>
+            </a:r>
+          </a:p>
+          <a:p>
+            <a:pPr lvl="1">
+              <a:lnSpc>
+                <a:spcPct val="150000"/>
+              </a:lnSpc>
+            </a:pPr>
+            <a:r>
+              <a:rPr lang="en-US" dirty="0" smtClean="0"/>
+              <a:t>Pitch, intensity variance; </a:t>
+            </a:r>
+          </a:p>
+          <a:p>
+            <a:pPr lvl="1">
+              <a:lnSpc>
+                <a:spcPct val="150000"/>
+              </a:lnSpc>
+            </a:pPr>
+            <a:r>
+              <a:rPr lang="en-US" dirty="0" smtClean="0"/>
+              <a:t>Pitch DDS(Difference-Distance-Slope), Intensity DDS, Formants DDS, Center of gravity of spectrum, mean phrase duration, mean silence duration</a:t>
             </a:r>
             <a:endParaRPr lang="ru-RU" dirty="0"/>
           </a:p>
@@ -8530,7 +7524,7 @@
     </p:spTree>
     <p:extLst>
       <p:ext uri="{BB962C8B-B14F-4D97-AF65-F5344CB8AC3E}">
-        <p14:creationId xmlns:p14="http://schemas.microsoft.com/office/powerpoint/2010/main" val="3335695132"/>
+        <p14:creationId xmlns:p14="http://schemas.microsoft.com/office/powerpoint/2010/main" val="306635797"/>
       </p:ext>
     </p:extLst>
   </p:cSld>
